--- a/IT002-OOP/Slide thực hành/Lab 3. Constructor-Destructor-Scope-Get-Set.pptx
+++ b/IT002-OOP/Slide thực hành/Lab 3. Constructor-Destructor-Scope-Get-Set.pptx
@@ -4,6 +4,9 @@
   <p:sldMasterIdLst>
     <p:sldMasterId id="2147483648" r:id="rId1"/>
   </p:sldMasterIdLst>
+  <p:notesMasterIdLst>
+    <p:notesMasterId r:id="rId8"/>
+  </p:notesMasterIdLst>
   <p:sldIdLst>
     <p:sldId id="256" r:id="rId2"/>
     <p:sldId id="267" r:id="rId3"/>
@@ -117,6 +120,354 @@
 </p:presentation>
 </file>
 
+<file path=ppt/notesMasters/notesMaster1.xml><?xml version="1.0" encoding="utf-8"?>
+<p:notesMaster xmlns:a="http://schemas.openxmlformats.org/drawingml/2006/main" xmlns:r="http://schemas.openxmlformats.org/officeDocument/2006/relationships" xmlns:p="http://schemas.openxmlformats.org/presentationml/2006/main">
+  <p:cSld>
+    <p:bg>
+      <p:bgRef idx="1001">
+        <a:schemeClr val="bg1"/>
+      </p:bgRef>
+    </p:bg>
+    <p:spTree>
+      <p:nvGrpSpPr>
+        <p:cNvPr id="1" name=""/>
+        <p:cNvGrpSpPr/>
+        <p:nvPr/>
+      </p:nvGrpSpPr>
+      <p:grpSpPr>
+        <a:xfrm>
+          <a:off x="0" y="0"/>
+          <a:ext cx="0" cy="0"/>
+          <a:chOff x="0" y="0"/>
+          <a:chExt cx="0" cy="0"/>
+        </a:xfrm>
+      </p:grpSpPr>
+      <p:sp>
+        <p:nvSpPr>
+          <p:cNvPr id="2" name="Header Placeholder 1"/>
+          <p:cNvSpPr>
+            <a:spLocks noGrp="1"/>
+          </p:cNvSpPr>
+          <p:nvPr>
+            <p:ph type="hdr" sz="quarter"/>
+          </p:nvPr>
+        </p:nvSpPr>
+        <p:spPr>
+          <a:xfrm>
+            <a:off x="0" y="0"/>
+            <a:ext cx="2971800" cy="458788"/>
+          </a:xfrm>
+          <a:prstGeom prst="rect">
+            <a:avLst/>
+          </a:prstGeom>
+        </p:spPr>
+        <p:txBody>
+          <a:bodyPr vert="horz" lIns="91440" tIns="45720" rIns="91440" bIns="45720" rtlCol="0"/>
+          <a:lstStyle>
+            <a:lvl1pPr algn="l">
+              <a:defRPr sz="1200"/>
+            </a:lvl1pPr>
+          </a:lstStyle>
+          <a:p>
+            <a:endParaRPr lang="en-VN"/>
+          </a:p>
+        </p:txBody>
+      </p:sp>
+      <p:sp>
+        <p:nvSpPr>
+          <p:cNvPr id="3" name="Date Placeholder 2"/>
+          <p:cNvSpPr>
+            <a:spLocks noGrp="1"/>
+          </p:cNvSpPr>
+          <p:nvPr>
+            <p:ph type="dt" idx="1"/>
+          </p:nvPr>
+        </p:nvSpPr>
+        <p:spPr>
+          <a:xfrm>
+            <a:off x="3884613" y="0"/>
+            <a:ext cx="2971800" cy="458788"/>
+          </a:xfrm>
+          <a:prstGeom prst="rect">
+            <a:avLst/>
+          </a:prstGeom>
+        </p:spPr>
+        <p:txBody>
+          <a:bodyPr vert="horz" lIns="91440" tIns="45720" rIns="91440" bIns="45720" rtlCol="0"/>
+          <a:lstStyle>
+            <a:lvl1pPr algn="r">
+              <a:defRPr sz="1200"/>
+            </a:lvl1pPr>
+          </a:lstStyle>
+          <a:p>
+            <a:fld id="{F83A257F-875F-8C4B-B304-6B4292583FC0}" type="datetimeFigureOut">
+              <a:t>28/02/2023</a:t>
+            </a:fld>
+            <a:endParaRPr lang="en-VN"/>
+          </a:p>
+        </p:txBody>
+      </p:sp>
+      <p:sp>
+        <p:nvSpPr>
+          <p:cNvPr id="4" name="Slide Image Placeholder 3"/>
+          <p:cNvSpPr>
+            <a:spLocks noGrp="1" noRot="1" noChangeAspect="1"/>
+          </p:cNvSpPr>
+          <p:nvPr>
+            <p:ph type="sldImg" idx="2"/>
+          </p:nvPr>
+        </p:nvSpPr>
+        <p:spPr>
+          <a:xfrm>
+            <a:off x="685800" y="1143000"/>
+            <a:ext cx="5486400" cy="3086100"/>
+          </a:xfrm>
+          <a:prstGeom prst="rect">
+            <a:avLst/>
+          </a:prstGeom>
+          <a:noFill/>
+          <a:ln w="12700">
+            <a:solidFill>
+              <a:prstClr val="black"/>
+            </a:solidFill>
+          </a:ln>
+        </p:spPr>
+        <p:txBody>
+          <a:bodyPr vert="horz" lIns="91440" tIns="45720" rIns="91440" bIns="45720" rtlCol="0" anchor="ctr"/>
+          <a:lstStyle/>
+          <a:p>
+            <a:endParaRPr lang="en-VN"/>
+          </a:p>
+        </p:txBody>
+      </p:sp>
+      <p:sp>
+        <p:nvSpPr>
+          <p:cNvPr id="5" name="Notes Placeholder 4"/>
+          <p:cNvSpPr>
+            <a:spLocks noGrp="1"/>
+          </p:cNvSpPr>
+          <p:nvPr>
+            <p:ph type="body" sz="quarter" idx="3"/>
+          </p:nvPr>
+        </p:nvSpPr>
+        <p:spPr>
+          <a:xfrm>
+            <a:off x="685800" y="4400550"/>
+            <a:ext cx="5486400" cy="3600450"/>
+          </a:xfrm>
+          <a:prstGeom prst="rect">
+            <a:avLst/>
+          </a:prstGeom>
+        </p:spPr>
+        <p:txBody>
+          <a:bodyPr vert="horz" lIns="91440" tIns="45720" rIns="91440" bIns="45720" rtlCol="0"/>
+          <a:lstStyle/>
+          <a:p>
+            <a:pPr lvl="0"/>
+            <a:r>
+              <a:rPr lang="en-US"/>
+              <a:t>Click to edit Master text styles</a:t>
+            </a:r>
+          </a:p>
+          <a:p>
+            <a:pPr lvl="1"/>
+            <a:r>
+              <a:rPr lang="en-US"/>
+              <a:t>Second level</a:t>
+            </a:r>
+          </a:p>
+          <a:p>
+            <a:pPr lvl="2"/>
+            <a:r>
+              <a:rPr lang="en-US"/>
+              <a:t>Third level</a:t>
+            </a:r>
+          </a:p>
+          <a:p>
+            <a:pPr lvl="3"/>
+            <a:r>
+              <a:rPr lang="en-US"/>
+              <a:t>Fourth level</a:t>
+            </a:r>
+          </a:p>
+          <a:p>
+            <a:pPr lvl="4"/>
+            <a:r>
+              <a:rPr lang="en-US"/>
+              <a:t>Fifth level</a:t>
+            </a:r>
+            <a:endParaRPr lang="en-VN"/>
+          </a:p>
+        </p:txBody>
+      </p:sp>
+      <p:sp>
+        <p:nvSpPr>
+          <p:cNvPr id="6" name="Footer Placeholder 5"/>
+          <p:cNvSpPr>
+            <a:spLocks noGrp="1"/>
+          </p:cNvSpPr>
+          <p:nvPr>
+            <p:ph type="ftr" sz="quarter" idx="4"/>
+          </p:nvPr>
+        </p:nvSpPr>
+        <p:spPr>
+          <a:xfrm>
+            <a:off x="0" y="8685213"/>
+            <a:ext cx="2971800" cy="458787"/>
+          </a:xfrm>
+          <a:prstGeom prst="rect">
+            <a:avLst/>
+          </a:prstGeom>
+        </p:spPr>
+        <p:txBody>
+          <a:bodyPr vert="horz" lIns="91440" tIns="45720" rIns="91440" bIns="45720" rtlCol="0" anchor="b"/>
+          <a:lstStyle>
+            <a:lvl1pPr algn="l">
+              <a:defRPr sz="1200"/>
+            </a:lvl1pPr>
+          </a:lstStyle>
+          <a:p>
+            <a:endParaRPr lang="en-VN"/>
+          </a:p>
+        </p:txBody>
+      </p:sp>
+      <p:sp>
+        <p:nvSpPr>
+          <p:cNvPr id="7" name="Slide Number Placeholder 6"/>
+          <p:cNvSpPr>
+            <a:spLocks noGrp="1"/>
+          </p:cNvSpPr>
+          <p:nvPr>
+            <p:ph type="sldNum" sz="quarter" idx="5"/>
+          </p:nvPr>
+        </p:nvSpPr>
+        <p:spPr>
+          <a:xfrm>
+            <a:off x="3884613" y="8685213"/>
+            <a:ext cx="2971800" cy="458787"/>
+          </a:xfrm>
+          <a:prstGeom prst="rect">
+            <a:avLst/>
+          </a:prstGeom>
+        </p:spPr>
+        <p:txBody>
+          <a:bodyPr vert="horz" lIns="91440" tIns="45720" rIns="91440" bIns="45720" rtlCol="0" anchor="b"/>
+          <a:lstStyle>
+            <a:lvl1pPr algn="r">
+              <a:defRPr sz="1200"/>
+            </a:lvl1pPr>
+          </a:lstStyle>
+          <a:p>
+            <a:fld id="{D56C1891-AB31-3F44-A103-83E37EA5A7D3}" type="slidenum">
+              <a:t>‹#›</a:t>
+            </a:fld>
+            <a:endParaRPr lang="en-VN"/>
+          </a:p>
+        </p:txBody>
+      </p:sp>
+    </p:spTree>
+    <p:extLst>
+      <p:ext uri="{BB962C8B-B14F-4D97-AF65-F5344CB8AC3E}">
+        <p14:creationId xmlns:p14="http://schemas.microsoft.com/office/powerpoint/2010/main" val="2436466627"/>
+      </p:ext>
+    </p:extLst>
+  </p:cSld>
+  <p:clrMap bg1="lt1" tx1="dk1" bg2="lt2" tx2="dk2" accent1="accent1" accent2="accent2" accent3="accent3" accent4="accent4" accent5="accent5" accent6="accent6" hlink="hlink" folHlink="folHlink"/>
+  <p:notesStyle>
+    <a:lvl1pPr marL="0" algn="l" defTabSz="914400" rtl="0" eaLnBrk="1" latinLnBrk="0" hangingPunct="1">
+      <a:defRPr sz="1200" kern="1200">
+        <a:solidFill>
+          <a:schemeClr val="tx1"/>
+        </a:solidFill>
+        <a:latin typeface="+mn-lt"/>
+        <a:ea typeface="+mn-ea"/>
+        <a:cs typeface="+mn-cs"/>
+      </a:defRPr>
+    </a:lvl1pPr>
+    <a:lvl2pPr marL="457200" algn="l" defTabSz="914400" rtl="0" eaLnBrk="1" latinLnBrk="0" hangingPunct="1">
+      <a:defRPr sz="1200" kern="1200">
+        <a:solidFill>
+          <a:schemeClr val="tx1"/>
+        </a:solidFill>
+        <a:latin typeface="+mn-lt"/>
+        <a:ea typeface="+mn-ea"/>
+        <a:cs typeface="+mn-cs"/>
+      </a:defRPr>
+    </a:lvl2pPr>
+    <a:lvl3pPr marL="914400" algn="l" defTabSz="914400" rtl="0" eaLnBrk="1" latinLnBrk="0" hangingPunct="1">
+      <a:defRPr sz="1200" kern="1200">
+        <a:solidFill>
+          <a:schemeClr val="tx1"/>
+        </a:solidFill>
+        <a:latin typeface="+mn-lt"/>
+        <a:ea typeface="+mn-ea"/>
+        <a:cs typeface="+mn-cs"/>
+      </a:defRPr>
+    </a:lvl3pPr>
+    <a:lvl4pPr marL="1371600" algn="l" defTabSz="914400" rtl="0" eaLnBrk="1" latinLnBrk="0" hangingPunct="1">
+      <a:defRPr sz="1200" kern="1200">
+        <a:solidFill>
+          <a:schemeClr val="tx1"/>
+        </a:solidFill>
+        <a:latin typeface="+mn-lt"/>
+        <a:ea typeface="+mn-ea"/>
+        <a:cs typeface="+mn-cs"/>
+      </a:defRPr>
+    </a:lvl4pPr>
+    <a:lvl5pPr marL="1828800" algn="l" defTabSz="914400" rtl="0" eaLnBrk="1" latinLnBrk="0" hangingPunct="1">
+      <a:defRPr sz="1200" kern="1200">
+        <a:solidFill>
+          <a:schemeClr val="tx1"/>
+        </a:solidFill>
+        <a:latin typeface="+mn-lt"/>
+        <a:ea typeface="+mn-ea"/>
+        <a:cs typeface="+mn-cs"/>
+      </a:defRPr>
+    </a:lvl5pPr>
+    <a:lvl6pPr marL="2286000" algn="l" defTabSz="914400" rtl="0" eaLnBrk="1" latinLnBrk="0" hangingPunct="1">
+      <a:defRPr sz="1200" kern="1200">
+        <a:solidFill>
+          <a:schemeClr val="tx1"/>
+        </a:solidFill>
+        <a:latin typeface="+mn-lt"/>
+        <a:ea typeface="+mn-ea"/>
+        <a:cs typeface="+mn-cs"/>
+      </a:defRPr>
+    </a:lvl6pPr>
+    <a:lvl7pPr marL="2743200" algn="l" defTabSz="914400" rtl="0" eaLnBrk="1" latinLnBrk="0" hangingPunct="1">
+      <a:defRPr sz="1200" kern="1200">
+        <a:solidFill>
+          <a:schemeClr val="tx1"/>
+        </a:solidFill>
+        <a:latin typeface="+mn-lt"/>
+        <a:ea typeface="+mn-ea"/>
+        <a:cs typeface="+mn-cs"/>
+      </a:defRPr>
+    </a:lvl7pPr>
+    <a:lvl8pPr marL="3200400" algn="l" defTabSz="914400" rtl="0" eaLnBrk="1" latinLnBrk="0" hangingPunct="1">
+      <a:defRPr sz="1200" kern="1200">
+        <a:solidFill>
+          <a:schemeClr val="tx1"/>
+        </a:solidFill>
+        <a:latin typeface="+mn-lt"/>
+        <a:ea typeface="+mn-ea"/>
+        <a:cs typeface="+mn-cs"/>
+      </a:defRPr>
+    </a:lvl8pPr>
+    <a:lvl9pPr marL="3657600" algn="l" defTabSz="914400" rtl="0" eaLnBrk="1" latinLnBrk="0" hangingPunct="1">
+      <a:defRPr sz="1200" kern="1200">
+        <a:solidFill>
+          <a:schemeClr val="tx1"/>
+        </a:solidFill>
+        <a:latin typeface="+mn-lt"/>
+        <a:ea typeface="+mn-ea"/>
+        <a:cs typeface="+mn-cs"/>
+      </a:defRPr>
+    </a:lvl9pPr>
+  </p:notesStyle>
+</p:notesMaster>
+</file>
+
 <file path=ppt/slideLayouts/slideLayout1.xml><?xml version="1.0" encoding="utf-8"?>
 <p:sldLayout xmlns:a="http://schemas.openxmlformats.org/drawingml/2006/main" xmlns:r="http://schemas.openxmlformats.org/officeDocument/2006/relationships" xmlns:p="http://schemas.openxmlformats.org/presentationml/2006/main" type="title" preserve="1">
   <p:cSld name="Title Slide">
@@ -244,9 +595,8 @@
           <a:bodyPr/>
           <a:lstStyle/>
           <a:p>
-            <a:fld id="{199A3582-EB61-4765-8E60-B3244E8DDD3F}" type="datetimeFigureOut">
-              <a:rPr lang="en-US" smtClean="0"/>
-              <a:t>11/26/2021</a:t>
+            <a:fld id="{9E62A50D-677F-514A-A76A-8493635696EB}" type="datetime1">
+              <a:t>2/28/23</a:t>
             </a:fld>
             <a:endParaRPr lang="en-US"/>
           </a:p>
@@ -412,9 +762,8 @@
           <a:bodyPr/>
           <a:lstStyle/>
           <a:p>
-            <a:fld id="{199A3582-EB61-4765-8E60-B3244E8DDD3F}" type="datetimeFigureOut">
-              <a:rPr lang="en-US" smtClean="0"/>
-              <a:t>11/26/2021</a:t>
+            <a:fld id="{EDA265A2-E252-6648-B293-C1D52D00F416}" type="datetime1">
+              <a:t>2/28/23</a:t>
             </a:fld>
             <a:endParaRPr lang="en-US"/>
           </a:p>
@@ -590,9 +939,8 @@
           <a:bodyPr/>
           <a:lstStyle/>
           <a:p>
-            <a:fld id="{199A3582-EB61-4765-8E60-B3244E8DDD3F}" type="datetimeFigureOut">
-              <a:rPr lang="en-US" smtClean="0"/>
-              <a:t>11/26/2021</a:t>
+            <a:fld id="{1421615E-0DA9-6C4A-BED4-76FCA5112777}" type="datetime1">
+              <a:t>2/28/23</a:t>
             </a:fld>
             <a:endParaRPr lang="en-US"/>
           </a:p>
@@ -758,9 +1106,8 @@
           <a:bodyPr/>
           <a:lstStyle/>
           <a:p>
-            <a:fld id="{199A3582-EB61-4765-8E60-B3244E8DDD3F}" type="datetimeFigureOut">
-              <a:rPr lang="en-US" smtClean="0"/>
-              <a:t>11/26/2021</a:t>
+            <a:fld id="{62348915-379E-BD49-AC39-B5D06432DD3E}" type="datetime1">
+              <a:t>2/28/23</a:t>
             </a:fld>
             <a:endParaRPr lang="en-US"/>
           </a:p>
@@ -1003,9 +1350,8 @@
           <a:bodyPr/>
           <a:lstStyle/>
           <a:p>
-            <a:fld id="{199A3582-EB61-4765-8E60-B3244E8DDD3F}" type="datetimeFigureOut">
-              <a:rPr lang="en-US" smtClean="0"/>
-              <a:t>11/26/2021</a:t>
+            <a:fld id="{BC775D4F-12F5-8145-BB27-A9ECDA7B3CFE}" type="datetime1">
+              <a:t>2/28/23</a:t>
             </a:fld>
             <a:endParaRPr lang="en-US"/>
           </a:p>
@@ -1232,9 +1578,8 @@
           <a:bodyPr/>
           <a:lstStyle/>
           <a:p>
-            <a:fld id="{199A3582-EB61-4765-8E60-B3244E8DDD3F}" type="datetimeFigureOut">
-              <a:rPr lang="en-US" smtClean="0"/>
-              <a:t>11/26/2021</a:t>
+            <a:fld id="{EB93F325-36A4-2442-BEE8-9BADADDB57F6}" type="datetime1">
+              <a:t>2/28/23</a:t>
             </a:fld>
             <a:endParaRPr lang="en-US"/>
           </a:p>
@@ -1596,9 +1941,8 @@
           <a:bodyPr/>
           <a:lstStyle/>
           <a:p>
-            <a:fld id="{199A3582-EB61-4765-8E60-B3244E8DDD3F}" type="datetimeFigureOut">
-              <a:rPr lang="en-US" smtClean="0"/>
-              <a:t>11/26/2021</a:t>
+            <a:fld id="{2AFA1591-BFCF-AC40-9C9D-36B111687EF1}" type="datetime1">
+              <a:t>2/28/23</a:t>
             </a:fld>
             <a:endParaRPr lang="en-US"/>
           </a:p>
@@ -1713,9 +2057,8 @@
           <a:bodyPr/>
           <a:lstStyle/>
           <a:p>
-            <a:fld id="{199A3582-EB61-4765-8E60-B3244E8DDD3F}" type="datetimeFigureOut">
-              <a:rPr lang="en-US" smtClean="0"/>
-              <a:t>11/26/2021</a:t>
+            <a:fld id="{95831373-AA01-534D-8DB3-F605A6E4E9BE}" type="datetime1">
+              <a:t>2/28/23</a:t>
             </a:fld>
             <a:endParaRPr lang="en-US"/>
           </a:p>
@@ -1808,9 +2151,8 @@
           <a:bodyPr/>
           <a:lstStyle/>
           <a:p>
-            <a:fld id="{199A3582-EB61-4765-8E60-B3244E8DDD3F}" type="datetimeFigureOut">
-              <a:rPr lang="en-US" smtClean="0"/>
-              <a:t>11/26/2021</a:t>
+            <a:fld id="{C2A6FFE6-5185-D44B-B28D-509886EB528A}" type="datetime1">
+              <a:t>2/28/23</a:t>
             </a:fld>
             <a:endParaRPr lang="en-US"/>
           </a:p>
@@ -2083,9 +2425,8 @@
           <a:bodyPr/>
           <a:lstStyle/>
           <a:p>
-            <a:fld id="{199A3582-EB61-4765-8E60-B3244E8DDD3F}" type="datetimeFigureOut">
-              <a:rPr lang="en-US" smtClean="0"/>
-              <a:t>11/26/2021</a:t>
+            <a:fld id="{6F976AC8-7087-4C43-97D3-D7E9DEEC1C31}" type="datetime1">
+              <a:t>2/28/23</a:t>
             </a:fld>
             <a:endParaRPr lang="en-US"/>
           </a:p>
@@ -2335,9 +2676,8 @@
           <a:bodyPr/>
           <a:lstStyle/>
           <a:p>
-            <a:fld id="{199A3582-EB61-4765-8E60-B3244E8DDD3F}" type="datetimeFigureOut">
-              <a:rPr lang="en-US" smtClean="0"/>
-              <a:t>11/26/2021</a:t>
+            <a:fld id="{52850C19-619A-2344-9601-1568C663EFB9}" type="datetime1">
+              <a:t>2/28/23</a:t>
             </a:fld>
             <a:endParaRPr lang="en-US"/>
           </a:p>
@@ -2546,9 +2886,8 @@
             </a:lvl1pPr>
           </a:lstStyle>
           <a:p>
-            <a:fld id="{199A3582-EB61-4765-8E60-B3244E8DDD3F}" type="datetimeFigureOut">
-              <a:rPr lang="en-US" smtClean="0"/>
-              <a:t>11/26/2021</a:t>
+            <a:fld id="{20DAB6DA-FC09-7C41-8835-D24E32DCEA48}" type="datetime1">
+              <a:t>2/28/23</a:t>
             </a:fld>
             <a:endParaRPr lang="en-US"/>
           </a:p>
@@ -2653,6 +2992,7 @@
     <p:sldLayoutId id="2147483658" r:id="rId10"/>
     <p:sldLayoutId id="2147483659" r:id="rId11"/>
   </p:sldLayoutIdLst>
+  <p:hf hdr="0" ftr="0" dt="0"/>
   <p:txStyles>
     <p:titleStyle>
       <a:lvl1pPr algn="l" defTabSz="914400" rtl="0" eaLnBrk="1" latinLnBrk="0" hangingPunct="1">
@@ -2997,6 +3337,35 @@
           </a:p>
         </p:txBody>
       </p:sp>
+      <p:sp>
+        <p:nvSpPr>
+          <p:cNvPr id="5" name="Slide Number Placeholder 4">
+            <a:extLst>
+              <a:ext uri="{FF2B5EF4-FFF2-40B4-BE49-F238E27FC236}">
+                <a16:creationId xmlns:a16="http://schemas.microsoft.com/office/drawing/2014/main" id="{3B1634A8-5FC4-A41D-2F10-8315576C7463}"/>
+              </a:ext>
+            </a:extLst>
+          </p:cNvPr>
+          <p:cNvSpPr>
+            <a:spLocks noGrp="1"/>
+          </p:cNvSpPr>
+          <p:nvPr>
+            <p:ph type="sldNum" sz="quarter" idx="12"/>
+          </p:nvPr>
+        </p:nvSpPr>
+        <p:spPr/>
+        <p:txBody>
+          <a:bodyPr/>
+          <a:lstStyle/>
+          <a:p>
+            <a:fld id="{9D563E13-6253-4AA0-BAE6-80A963751161}" type="slidenum">
+              <a:rPr lang="en-US" smtClean="0"/>
+              <a:t>1</a:t>
+            </a:fld>
+            <a:endParaRPr lang="en-US"/>
+          </a:p>
+        </p:txBody>
+      </p:sp>
     </p:spTree>
     <p:extLst>
       <p:ext uri="{BB962C8B-B14F-4D97-AF65-F5344CB8AC3E}">
@@ -3087,7 +3456,7 @@
             </a:pPr>
             <a:r>
               <a:rPr lang="en-US"/>
-              <a:t>+ Nếu đặt ở private ?</a:t>
+              <a:t>+ Nếu đặt ở private ? (Tham khảo Design Pattern Singleton)</a:t>
             </a:r>
           </a:p>
           <a:p>
@@ -3112,6 +3481,35 @@
             <a:pPr marL="0" indent="0">
               <a:buNone/>
             </a:pPr>
+            <a:endParaRPr lang="en-US"/>
+          </a:p>
+        </p:txBody>
+      </p:sp>
+      <p:sp>
+        <p:nvSpPr>
+          <p:cNvPr id="5" name="Slide Number Placeholder 4">
+            <a:extLst>
+              <a:ext uri="{FF2B5EF4-FFF2-40B4-BE49-F238E27FC236}">
+                <a16:creationId xmlns:a16="http://schemas.microsoft.com/office/drawing/2014/main" id="{703E08ED-52B0-624D-BD25-B6D77080C76F}"/>
+              </a:ext>
+            </a:extLst>
+          </p:cNvPr>
+          <p:cNvSpPr>
+            <a:spLocks noGrp="1"/>
+          </p:cNvSpPr>
+          <p:nvPr>
+            <p:ph type="sldNum" sz="quarter" idx="12"/>
+          </p:nvPr>
+        </p:nvSpPr>
+        <p:spPr/>
+        <p:txBody>
+          <a:bodyPr/>
+          <a:lstStyle/>
+          <a:p>
+            <a:fld id="{9D563E13-6253-4AA0-BAE6-80A963751161}" type="slidenum">
+              <a:rPr lang="en-US" smtClean="0"/>
+              <a:t>2</a:t>
+            </a:fld>
             <a:endParaRPr lang="en-US"/>
           </a:p>
         </p:txBody>
@@ -3703,7 +4101,7 @@
             </a:pPr>
             <a:r>
               <a:rPr lang="en-US"/>
-              <a:t>Copy constructor, tham số truyền vào chính là đối tượng cùng kiểu.</a:t>
+              <a:t>+ Copy constructor, tham số truyền vào chính là đối tượng cùng kiểu.</a:t>
             </a:r>
           </a:p>
           <a:p>
@@ -3721,7 +4119,7 @@
             </a:pPr>
             <a:r>
               <a:rPr lang="en-US"/>
-              <a:t>Default constructor, không sử dụng tham số, được tự động tạo.</a:t>
+              <a:t>+ Default constructor, không sử dụng tham số, được tự động tạo.</a:t>
             </a:r>
           </a:p>
           <a:p>
@@ -3739,7 +4137,7 @@
             </a:pPr>
             <a:r>
               <a:rPr lang="en-US"/>
-              <a:t>Constructor có tham số mặc nhiên</a:t>
+              <a:t>+ Constructor có tham số mặc nhiên</a:t>
             </a:r>
           </a:p>
           <a:p>
@@ -3751,14 +4149,34 @@
               <a:t>A (int a = 5, int b = 6)</a:t>
             </a:r>
           </a:p>
-          <a:p>
-            <a:pPr marL="0" indent="0">
-              <a:buNone/>
-            </a:pPr>
-            <a:r>
-              <a:rPr lang="en-US"/>
-              <a:t>…</a:t>
-            </a:r>
+        </p:txBody>
+      </p:sp>
+      <p:sp>
+        <p:nvSpPr>
+          <p:cNvPr id="5" name="Slide Number Placeholder 4">
+            <a:extLst>
+              <a:ext uri="{FF2B5EF4-FFF2-40B4-BE49-F238E27FC236}">
+                <a16:creationId xmlns:a16="http://schemas.microsoft.com/office/drawing/2014/main" id="{E97F0868-609C-57E1-A1F1-B3539E5A49AD}"/>
+              </a:ext>
+            </a:extLst>
+          </p:cNvPr>
+          <p:cNvSpPr>
+            <a:spLocks noGrp="1"/>
+          </p:cNvSpPr>
+          <p:nvPr>
+            <p:ph type="sldNum" sz="quarter" idx="12"/>
+          </p:nvPr>
+        </p:nvSpPr>
+        <p:spPr/>
+        <p:txBody>
+          <a:bodyPr/>
+          <a:lstStyle/>
+          <a:p>
+            <a:fld id="{9D563E13-6253-4AA0-BAE6-80A963751161}" type="slidenum">
+              <a:rPr lang="en-US" smtClean="0"/>
+              <a:t>3</a:t>
+            </a:fld>
+            <a:endParaRPr lang="en-US"/>
           </a:p>
         </p:txBody>
       </p:sp>
@@ -4338,91 +4756,6 @@
                                   </p:childTnLst>
                                 </p:cTn>
                               </p:par>
-                              <p:par>
-                                <p:cTn id="33" presetID="2" presetClass="entr" presetSubtype="4" fill="hold" nodeType="withEffect">
-                                  <p:stCondLst>
-                                    <p:cond delay="0"/>
-                                  </p:stCondLst>
-                                  <p:childTnLst>
-                                    <p:set>
-                                      <p:cBhvr>
-                                        <p:cTn id="34" dur="1" fill="hold">
-                                          <p:stCondLst>
-                                            <p:cond delay="0"/>
-                                          </p:stCondLst>
-                                        </p:cTn>
-                                        <p:tgtEl>
-                                          <p:spTgt spid="3">
-                                            <p:txEl>
-                                              <p:pRg st="6" end="6"/>
-                                            </p:txEl>
-                                          </p:spTgt>
-                                        </p:tgtEl>
-                                        <p:attrNameLst>
-                                          <p:attrName>style.visibility</p:attrName>
-                                        </p:attrNameLst>
-                                      </p:cBhvr>
-                                      <p:to>
-                                        <p:strVal val="visible"/>
-                                      </p:to>
-                                    </p:set>
-                                    <p:anim calcmode="lin" valueType="num">
-                                      <p:cBhvr additive="base">
-                                        <p:cTn id="35" dur="500" fill="hold"/>
-                                        <p:tgtEl>
-                                          <p:spTgt spid="3">
-                                            <p:txEl>
-                                              <p:pRg st="6" end="6"/>
-                                            </p:txEl>
-                                          </p:spTgt>
-                                        </p:tgtEl>
-                                        <p:attrNameLst>
-                                          <p:attrName>ppt_x</p:attrName>
-                                        </p:attrNameLst>
-                                      </p:cBhvr>
-                                      <p:tavLst>
-                                        <p:tav tm="0">
-                                          <p:val>
-                                            <p:strVal val="#ppt_x"/>
-                                          </p:val>
-                                        </p:tav>
-                                        <p:tav tm="100000">
-                                          <p:val>
-                                            <p:strVal val="#ppt_x"/>
-                                          </p:val>
-                                        </p:tav>
-                                      </p:tavLst>
-                                    </p:anim>
-                                    <p:anim calcmode="lin" valueType="num">
-                                      <p:cBhvr additive="base">
-                                        <p:cTn id="36" dur="500" fill="hold"/>
-                                        <p:tgtEl>
-                                          <p:spTgt spid="3">
-                                            <p:txEl>
-                                              <p:pRg st="6" end="6"/>
-                                            </p:txEl>
-                                          </p:spTgt>
-                                        </p:tgtEl>
-                                        <p:attrNameLst>
-                                          <p:attrName>ppt_y</p:attrName>
-                                        </p:attrNameLst>
-                                      </p:cBhvr>
-                                      <p:tavLst>
-                                        <p:tav tm="0">
-                                          <p:val>
-                                            <p:strVal val="1+#ppt_h/2"/>
-                                          </p:val>
-                                        </p:tav>
-                                        <p:tav tm="100000">
-                                          <p:val>
-                                            <p:strVal val="#ppt_y"/>
-                                          </p:val>
-                                        </p:tav>
-                                      </p:tavLst>
-                                    </p:anim>
-                                  </p:childTnLst>
-                                </p:cTn>
-                              </p:par>
                             </p:childTnLst>
                           </p:cTn>
                         </p:par>
@@ -5665,6 +5998,35 @@
               <a:rPr lang="en-US"/>
               <a:t>Như vậy phải thực thi copy constructor riêng để tránh vấn đề xóa con trỏ đã được xóa.</a:t>
             </a:r>
+          </a:p>
+        </p:txBody>
+      </p:sp>
+      <p:sp>
+        <p:nvSpPr>
+          <p:cNvPr id="6" name="Slide Number Placeholder 5">
+            <a:extLst>
+              <a:ext uri="{FF2B5EF4-FFF2-40B4-BE49-F238E27FC236}">
+                <a16:creationId xmlns:a16="http://schemas.microsoft.com/office/drawing/2014/main" id="{5AB24DE7-6807-AB71-2DEB-FB5B73B99A6A}"/>
+              </a:ext>
+            </a:extLst>
+          </p:cNvPr>
+          <p:cNvSpPr>
+            <a:spLocks noGrp="1"/>
+          </p:cNvSpPr>
+          <p:nvPr>
+            <p:ph type="sldNum" sz="quarter" idx="12"/>
+          </p:nvPr>
+        </p:nvSpPr>
+        <p:spPr/>
+        <p:txBody>
+          <a:bodyPr/>
+          <a:lstStyle/>
+          <a:p>
+            <a:fld id="{9D563E13-6253-4AA0-BAE6-80A963751161}" type="slidenum">
+              <a:rPr lang="en-US" smtClean="0"/>
+              <a:t>4</a:t>
+            </a:fld>
+            <a:endParaRPr lang="en-US"/>
           </a:p>
         </p:txBody>
       </p:sp>
@@ -6255,7 +6617,7 @@
           <a:p>
             <a:r>
               <a:rPr lang="en-US"/>
-              <a:t>Tầm vực - Scope</a:t>
+              <a:t>Tầm vực / Phạm vi - Scope</a:t>
             </a:r>
           </a:p>
         </p:txBody>
@@ -6555,6 +6917,35 @@
           </a:graphicData>
         </a:graphic>
       </p:graphicFrame>
+      <p:sp>
+        <p:nvSpPr>
+          <p:cNvPr id="5" name="Slide Number Placeholder 4">
+            <a:extLst>
+              <a:ext uri="{FF2B5EF4-FFF2-40B4-BE49-F238E27FC236}">
+                <a16:creationId xmlns:a16="http://schemas.microsoft.com/office/drawing/2014/main" id="{D7C48B66-F633-171A-81B4-91885A83D72B}"/>
+              </a:ext>
+            </a:extLst>
+          </p:cNvPr>
+          <p:cNvSpPr>
+            <a:spLocks noGrp="1"/>
+          </p:cNvSpPr>
+          <p:nvPr>
+            <p:ph type="sldNum" sz="quarter" idx="12"/>
+          </p:nvPr>
+        </p:nvSpPr>
+        <p:spPr/>
+        <p:txBody>
+          <a:bodyPr/>
+          <a:lstStyle/>
+          <a:p>
+            <a:fld id="{9D563E13-6253-4AA0-BAE6-80A963751161}" type="slidenum">
+              <a:rPr lang="en-US" smtClean="0"/>
+              <a:t>5</a:t>
+            </a:fld>
+            <a:endParaRPr lang="en-US"/>
+          </a:p>
+        </p:txBody>
+      </p:sp>
     </p:spTree>
     <p:extLst>
       <p:ext uri="{BB962C8B-B14F-4D97-AF65-F5344CB8AC3E}">
@@ -6665,6 +7056,35 @@
               <a:rPr lang="en-US"/>
               <a:t>Việc gán và xét dữ liệu lung tung có thể khiến dữ liệu object bị rối loạn.</a:t>
             </a:r>
+          </a:p>
+        </p:txBody>
+      </p:sp>
+      <p:sp>
+        <p:nvSpPr>
+          <p:cNvPr id="5" name="Slide Number Placeholder 4">
+            <a:extLst>
+              <a:ext uri="{FF2B5EF4-FFF2-40B4-BE49-F238E27FC236}">
+                <a16:creationId xmlns:a16="http://schemas.microsoft.com/office/drawing/2014/main" id="{7F26CD9D-3F4E-CC74-5344-956FC18883E8}"/>
+              </a:ext>
+            </a:extLst>
+          </p:cNvPr>
+          <p:cNvSpPr>
+            <a:spLocks noGrp="1"/>
+          </p:cNvSpPr>
+          <p:nvPr>
+            <p:ph type="sldNum" sz="quarter" idx="12"/>
+          </p:nvPr>
+        </p:nvSpPr>
+        <p:spPr/>
+        <p:txBody>
+          <a:bodyPr/>
+          <a:lstStyle/>
+          <a:p>
+            <a:fld id="{9D563E13-6253-4AA0-BAE6-80A963751161}" type="slidenum">
+              <a:rPr lang="en-US" smtClean="0"/>
+              <a:t>6</a:t>
+            </a:fld>
+            <a:endParaRPr lang="en-US"/>
           </a:p>
         </p:txBody>
       </p:sp>
@@ -7323,4 +7743,299 @@
     </a:ext>
   </a:extLst>
 </a:theme>
+</file>
+
+<file path=ppt/theme/theme2.xml><?xml version="1.0" encoding="utf-8"?>
+<a:theme xmlns:a="http://schemas.openxmlformats.org/drawingml/2006/main" name="Office Theme">
+  <a:themeElements>
+    <a:clrScheme name="Office">
+      <a:dk1>
+        <a:sysClr val="windowText" lastClr="000000"/>
+      </a:dk1>
+      <a:lt1>
+        <a:sysClr val="window" lastClr="FFFFFF"/>
+      </a:lt1>
+      <a:dk2>
+        <a:srgbClr val="44546A"/>
+      </a:dk2>
+      <a:lt2>
+        <a:srgbClr val="E7E6E6"/>
+      </a:lt2>
+      <a:accent1>
+        <a:srgbClr val="4472C4"/>
+      </a:accent1>
+      <a:accent2>
+        <a:srgbClr val="ED7D31"/>
+      </a:accent2>
+      <a:accent3>
+        <a:srgbClr val="A5A5A5"/>
+      </a:accent3>
+      <a:accent4>
+        <a:srgbClr val="FFC000"/>
+      </a:accent4>
+      <a:accent5>
+        <a:srgbClr val="5B9BD5"/>
+      </a:accent5>
+      <a:accent6>
+        <a:srgbClr val="70AD47"/>
+      </a:accent6>
+      <a:hlink>
+        <a:srgbClr val="0563C1"/>
+      </a:hlink>
+      <a:folHlink>
+        <a:srgbClr val="954F72"/>
+      </a:folHlink>
+    </a:clrScheme>
+    <a:fontScheme name="Office">
+      <a:majorFont>
+        <a:latin typeface="Calibri Light" panose="020F0302020204030204"/>
+        <a:ea typeface=""/>
+        <a:cs typeface=""/>
+        <a:font script="Jpan" typeface="游ゴシック Light"/>
+        <a:font script="Hang" typeface="맑은 고딕"/>
+        <a:font script="Hans" typeface="等线 Light"/>
+        <a:font script="Hant" typeface="新細明體"/>
+        <a:font script="Arab" typeface="Times New Roman"/>
+        <a:font script="Hebr" typeface="Times New Roman"/>
+        <a:font script="Thai" typeface="Angsana New"/>
+        <a:font script="Ethi" typeface="Nyala"/>
+        <a:font script="Beng" typeface="Vrinda"/>
+        <a:font script="Gujr" typeface="Shruti"/>
+        <a:font script="Khmr" typeface="MoolBoran"/>
+        <a:font script="Knda" typeface="Tunga"/>
+        <a:font script="Guru" typeface="Raavi"/>
+        <a:font script="Cans" typeface="Euphemia"/>
+        <a:font script="Cher" typeface="Plantagenet Cherokee"/>
+        <a:font script="Yiii" typeface="Microsoft Yi Baiti"/>
+        <a:font script="Tibt" typeface="Microsoft Himalaya"/>
+        <a:font script="Thaa" typeface="MV Boli"/>
+        <a:font script="Deva" typeface="Mangal"/>
+        <a:font script="Telu" typeface="Gautami"/>
+        <a:font script="Taml" typeface="Latha"/>
+        <a:font script="Syrc" typeface="Estrangelo Edessa"/>
+        <a:font script="Orya" typeface="Kalinga"/>
+        <a:font script="Mlym" typeface="Kartika"/>
+        <a:font script="Laoo" typeface="DokChampa"/>
+        <a:font script="Sinh" typeface="Iskoola Pota"/>
+        <a:font script="Mong" typeface="Mongolian Baiti"/>
+        <a:font script="Viet" typeface="Times New Roman"/>
+        <a:font script="Uigh" typeface="Microsoft Uighur"/>
+        <a:font script="Geor" typeface="Sylfaen"/>
+        <a:font script="Armn" typeface="Arial"/>
+        <a:font script="Bugi" typeface="Leelawadee UI"/>
+        <a:font script="Bopo" typeface="Microsoft JhengHei"/>
+        <a:font script="Java" typeface="Javanese Text"/>
+        <a:font script="Lisu" typeface="Segoe UI"/>
+        <a:font script="Mymr" typeface="Myanmar Text"/>
+        <a:font script="Nkoo" typeface="Ebrima"/>
+        <a:font script="Olck" typeface="Nirmala UI"/>
+        <a:font script="Osma" typeface="Ebrima"/>
+        <a:font script="Phag" typeface="Phagspa"/>
+        <a:font script="Syrn" typeface="Estrangelo Edessa"/>
+        <a:font script="Syrj" typeface="Estrangelo Edessa"/>
+        <a:font script="Syre" typeface="Estrangelo Edessa"/>
+        <a:font script="Sora" typeface="Nirmala UI"/>
+        <a:font script="Tale" typeface="Microsoft Tai Le"/>
+        <a:font script="Talu" typeface="Microsoft New Tai Lue"/>
+        <a:font script="Tfng" typeface="Ebrima"/>
+      </a:majorFont>
+      <a:minorFont>
+        <a:latin typeface="Calibri" panose="020F0502020204030204"/>
+        <a:ea typeface=""/>
+        <a:cs typeface=""/>
+        <a:font script="Jpan" typeface="游ゴシック"/>
+        <a:font script="Hang" typeface="맑은 고딕"/>
+        <a:font script="Hans" typeface="等线"/>
+        <a:font script="Hant" typeface="新細明體"/>
+        <a:font script="Arab" typeface="Arial"/>
+        <a:font script="Hebr" typeface="Arial"/>
+        <a:font script="Thai" typeface="Cordia New"/>
+        <a:font script="Ethi" typeface="Nyala"/>
+        <a:font script="Beng" typeface="Vrinda"/>
+        <a:font script="Gujr" typeface="Shruti"/>
+        <a:font script="Khmr" typeface="DaunPenh"/>
+        <a:font script="Knda" typeface="Tunga"/>
+        <a:font script="Guru" typeface="Raavi"/>
+        <a:font script="Cans" typeface="Euphemia"/>
+        <a:font script="Cher" typeface="Plantagenet Cherokee"/>
+        <a:font script="Yiii" typeface="Microsoft Yi Baiti"/>
+        <a:font script="Tibt" typeface="Microsoft Himalaya"/>
+        <a:font script="Thaa" typeface="MV Boli"/>
+        <a:font script="Deva" typeface="Mangal"/>
+        <a:font script="Telu" typeface="Gautami"/>
+        <a:font script="Taml" typeface="Latha"/>
+        <a:font script="Syrc" typeface="Estrangelo Edessa"/>
+        <a:font script="Orya" typeface="Kalinga"/>
+        <a:font script="Mlym" typeface="Kartika"/>
+        <a:font script="Laoo" typeface="DokChampa"/>
+        <a:font script="Sinh" typeface="Iskoola Pota"/>
+        <a:font script="Mong" typeface="Mongolian Baiti"/>
+        <a:font script="Viet" typeface="Arial"/>
+        <a:font script="Uigh" typeface="Microsoft Uighur"/>
+        <a:font script="Geor" typeface="Sylfaen"/>
+        <a:font script="Armn" typeface="Arial"/>
+        <a:font script="Bugi" typeface="Leelawadee UI"/>
+        <a:font script="Bopo" typeface="Microsoft JhengHei"/>
+        <a:font script="Java" typeface="Javanese Text"/>
+        <a:font script="Lisu" typeface="Segoe UI"/>
+        <a:font script="Mymr" typeface="Myanmar Text"/>
+        <a:font script="Nkoo" typeface="Ebrima"/>
+        <a:font script="Olck" typeface="Nirmala UI"/>
+        <a:font script="Osma" typeface="Ebrima"/>
+        <a:font script="Phag" typeface="Phagspa"/>
+        <a:font script="Syrn" typeface="Estrangelo Edessa"/>
+        <a:font script="Syrj" typeface="Estrangelo Edessa"/>
+        <a:font script="Syre" typeface="Estrangelo Edessa"/>
+        <a:font script="Sora" typeface="Nirmala UI"/>
+        <a:font script="Tale" typeface="Microsoft Tai Le"/>
+        <a:font script="Talu" typeface="Microsoft New Tai Lue"/>
+        <a:font script="Tfng" typeface="Ebrima"/>
+      </a:minorFont>
+    </a:fontScheme>
+    <a:fmtScheme name="Office">
+      <a:fillStyleLst>
+        <a:solidFill>
+          <a:schemeClr val="phClr"/>
+        </a:solidFill>
+        <a:gradFill rotWithShape="1">
+          <a:gsLst>
+            <a:gs pos="0">
+              <a:schemeClr val="phClr">
+                <a:lumMod val="110000"/>
+                <a:satMod val="105000"/>
+                <a:tint val="67000"/>
+              </a:schemeClr>
+            </a:gs>
+            <a:gs pos="50000">
+              <a:schemeClr val="phClr">
+                <a:lumMod val="105000"/>
+                <a:satMod val="103000"/>
+                <a:tint val="73000"/>
+              </a:schemeClr>
+            </a:gs>
+            <a:gs pos="100000">
+              <a:schemeClr val="phClr">
+                <a:lumMod val="105000"/>
+                <a:satMod val="109000"/>
+                <a:tint val="81000"/>
+              </a:schemeClr>
+            </a:gs>
+          </a:gsLst>
+          <a:lin ang="5400000" scaled="0"/>
+        </a:gradFill>
+        <a:gradFill rotWithShape="1">
+          <a:gsLst>
+            <a:gs pos="0">
+              <a:schemeClr val="phClr">
+                <a:satMod val="103000"/>
+                <a:lumMod val="102000"/>
+                <a:tint val="94000"/>
+              </a:schemeClr>
+            </a:gs>
+            <a:gs pos="50000">
+              <a:schemeClr val="phClr">
+                <a:satMod val="110000"/>
+                <a:lumMod val="100000"/>
+                <a:shade val="100000"/>
+              </a:schemeClr>
+            </a:gs>
+            <a:gs pos="100000">
+              <a:schemeClr val="phClr">
+                <a:lumMod val="99000"/>
+                <a:satMod val="120000"/>
+                <a:shade val="78000"/>
+              </a:schemeClr>
+            </a:gs>
+          </a:gsLst>
+          <a:lin ang="5400000" scaled="0"/>
+        </a:gradFill>
+      </a:fillStyleLst>
+      <a:lnStyleLst>
+        <a:ln w="6350" cap="flat" cmpd="sng" algn="ctr">
+          <a:solidFill>
+            <a:schemeClr val="phClr"/>
+          </a:solidFill>
+          <a:prstDash val="solid"/>
+          <a:miter lim="800000"/>
+        </a:ln>
+        <a:ln w="12700" cap="flat" cmpd="sng" algn="ctr">
+          <a:solidFill>
+            <a:schemeClr val="phClr"/>
+          </a:solidFill>
+          <a:prstDash val="solid"/>
+          <a:miter lim="800000"/>
+        </a:ln>
+        <a:ln w="19050" cap="flat" cmpd="sng" algn="ctr">
+          <a:solidFill>
+            <a:schemeClr val="phClr"/>
+          </a:solidFill>
+          <a:prstDash val="solid"/>
+          <a:miter lim="800000"/>
+        </a:ln>
+      </a:lnStyleLst>
+      <a:effectStyleLst>
+        <a:effectStyle>
+          <a:effectLst/>
+        </a:effectStyle>
+        <a:effectStyle>
+          <a:effectLst/>
+        </a:effectStyle>
+        <a:effectStyle>
+          <a:effectLst>
+            <a:outerShdw blurRad="57150" dist="19050" dir="5400000" algn="ctr" rotWithShape="0">
+              <a:srgbClr val="000000">
+                <a:alpha val="63000"/>
+              </a:srgbClr>
+            </a:outerShdw>
+          </a:effectLst>
+        </a:effectStyle>
+      </a:effectStyleLst>
+      <a:bgFillStyleLst>
+        <a:solidFill>
+          <a:schemeClr val="phClr"/>
+        </a:solidFill>
+        <a:solidFill>
+          <a:schemeClr val="phClr">
+            <a:tint val="95000"/>
+            <a:satMod val="170000"/>
+          </a:schemeClr>
+        </a:solidFill>
+        <a:gradFill rotWithShape="1">
+          <a:gsLst>
+            <a:gs pos="0">
+              <a:schemeClr val="phClr">
+                <a:tint val="93000"/>
+                <a:satMod val="150000"/>
+                <a:shade val="98000"/>
+                <a:lumMod val="102000"/>
+              </a:schemeClr>
+            </a:gs>
+            <a:gs pos="50000">
+              <a:schemeClr val="phClr">
+                <a:tint val="98000"/>
+                <a:satMod val="130000"/>
+                <a:shade val="90000"/>
+                <a:lumMod val="103000"/>
+              </a:schemeClr>
+            </a:gs>
+            <a:gs pos="100000">
+              <a:schemeClr val="phClr">
+                <a:shade val="63000"/>
+                <a:satMod val="120000"/>
+              </a:schemeClr>
+            </a:gs>
+          </a:gsLst>
+          <a:lin ang="5400000" scaled="0"/>
+        </a:gradFill>
+      </a:bgFillStyleLst>
+    </a:fmtScheme>
+  </a:themeElements>
+  <a:objectDefaults/>
+  <a:extraClrSchemeLst/>
+  <a:extLst>
+    <a:ext uri="{05A4C25C-085E-4340-85A3-A5531E510DB2}">
+      <thm15:themeFamily xmlns:thm15="http://schemas.microsoft.com/office/thememl/2012/main" name="Office Theme" id="{62F939B6-93AF-4DB8-9C6B-D6C7DFDC589F}" vid="{4A3C46E8-61CC-4603-A589-7422A47A8E4A}"/>
+    </a:ext>
+  </a:extLst>
+</a:theme>
 </file>
--- a/IT002-OOP/Slide thực hành/Lab 3. Constructor-Destructor-Scope-Get-Set.pptx
+++ b/IT002-OOP/Slide thực hành/Lab 3. Constructor-Destructor-Scope-Get-Set.pptx
@@ -5,15 +5,18 @@
     <p:sldMasterId id="2147483648" r:id="rId1"/>
   </p:sldMasterIdLst>
   <p:notesMasterIdLst>
-    <p:notesMasterId r:id="rId8"/>
+    <p:notesMasterId r:id="rId11"/>
   </p:notesMasterIdLst>
   <p:sldIdLst>
     <p:sldId id="256" r:id="rId2"/>
-    <p:sldId id="267" r:id="rId3"/>
-    <p:sldId id="272" r:id="rId4"/>
-    <p:sldId id="271" r:id="rId5"/>
-    <p:sldId id="268" r:id="rId6"/>
-    <p:sldId id="269" r:id="rId7"/>
+    <p:sldId id="274" r:id="rId3"/>
+    <p:sldId id="268" r:id="rId4"/>
+    <p:sldId id="269" r:id="rId5"/>
+    <p:sldId id="267" r:id="rId6"/>
+    <p:sldId id="275" r:id="rId7"/>
+    <p:sldId id="272" r:id="rId8"/>
+    <p:sldId id="276" r:id="rId9"/>
+    <p:sldId id="270" r:id="rId10"/>
   </p:sldIdLst>
   <p:sldSz cx="12192000" cy="6858000"/>
   <p:notesSz cx="6858000" cy="9144000"/>
@@ -201,7 +204,7 @@
           </a:lstStyle>
           <a:p>
             <a:fld id="{F83A257F-875F-8C4B-B304-6B4292583FC0}" type="datetimeFigureOut">
-              <a:t>28/02/2023</a:t>
+              <a:t>09/05/2023</a:t>
             </a:fld>
             <a:endParaRPr lang="en-VN"/>
           </a:p>
@@ -596,7 +599,7 @@
           <a:lstStyle/>
           <a:p>
             <a:fld id="{9E62A50D-677F-514A-A76A-8493635696EB}" type="datetime1">
-              <a:t>2/28/23</a:t>
+              <a:t>09/05/2023</a:t>
             </a:fld>
             <a:endParaRPr lang="en-US"/>
           </a:p>
@@ -763,7 +766,7 @@
           <a:lstStyle/>
           <a:p>
             <a:fld id="{EDA265A2-E252-6648-B293-C1D52D00F416}" type="datetime1">
-              <a:t>2/28/23</a:t>
+              <a:t>09/05/2023</a:t>
             </a:fld>
             <a:endParaRPr lang="en-US"/>
           </a:p>
@@ -940,7 +943,7 @@
           <a:lstStyle/>
           <a:p>
             <a:fld id="{1421615E-0DA9-6C4A-BED4-76FCA5112777}" type="datetime1">
-              <a:t>2/28/23</a:t>
+              <a:t>09/05/2023</a:t>
             </a:fld>
             <a:endParaRPr lang="en-US"/>
           </a:p>
@@ -1107,7 +1110,7 @@
           <a:lstStyle/>
           <a:p>
             <a:fld id="{62348915-379E-BD49-AC39-B5D06432DD3E}" type="datetime1">
-              <a:t>2/28/23</a:t>
+              <a:t>09/05/2023</a:t>
             </a:fld>
             <a:endParaRPr lang="en-US"/>
           </a:p>
@@ -1351,7 +1354,7 @@
           <a:lstStyle/>
           <a:p>
             <a:fld id="{BC775D4F-12F5-8145-BB27-A9ECDA7B3CFE}" type="datetime1">
-              <a:t>2/28/23</a:t>
+              <a:t>09/05/2023</a:t>
             </a:fld>
             <a:endParaRPr lang="en-US"/>
           </a:p>
@@ -1579,7 +1582,7 @@
           <a:lstStyle/>
           <a:p>
             <a:fld id="{EB93F325-36A4-2442-BEE8-9BADADDB57F6}" type="datetime1">
-              <a:t>2/28/23</a:t>
+              <a:t>09/05/2023</a:t>
             </a:fld>
             <a:endParaRPr lang="en-US"/>
           </a:p>
@@ -1942,7 +1945,7 @@
           <a:lstStyle/>
           <a:p>
             <a:fld id="{2AFA1591-BFCF-AC40-9C9D-36B111687EF1}" type="datetime1">
-              <a:t>2/28/23</a:t>
+              <a:t>09/05/2023</a:t>
             </a:fld>
             <a:endParaRPr lang="en-US"/>
           </a:p>
@@ -2058,7 +2061,7 @@
           <a:lstStyle/>
           <a:p>
             <a:fld id="{95831373-AA01-534D-8DB3-F605A6E4E9BE}" type="datetime1">
-              <a:t>2/28/23</a:t>
+              <a:t>09/05/2023</a:t>
             </a:fld>
             <a:endParaRPr lang="en-US"/>
           </a:p>
@@ -2152,7 +2155,7 @@
           <a:lstStyle/>
           <a:p>
             <a:fld id="{C2A6FFE6-5185-D44B-B28D-509886EB528A}" type="datetime1">
-              <a:t>2/28/23</a:t>
+              <a:t>09/05/2023</a:t>
             </a:fld>
             <a:endParaRPr lang="en-US"/>
           </a:p>
@@ -2426,7 +2429,7 @@
           <a:lstStyle/>
           <a:p>
             <a:fld id="{6F976AC8-7087-4C43-97D3-D7E9DEEC1C31}" type="datetime1">
-              <a:t>2/28/23</a:t>
+              <a:t>09/05/2023</a:t>
             </a:fld>
             <a:endParaRPr lang="en-US"/>
           </a:p>
@@ -2677,7 +2680,7 @@
           <a:lstStyle/>
           <a:p>
             <a:fld id="{52850C19-619A-2344-9601-1568C663EFB9}" type="datetime1">
-              <a:t>2/28/23</a:t>
+              <a:t>09/05/2023</a:t>
             </a:fld>
             <a:endParaRPr lang="en-US"/>
           </a:p>
@@ -2887,7 +2890,7 @@
           </a:lstStyle>
           <a:p>
             <a:fld id="{20DAB6DA-FC09-7C41-8835-D24E32DCEA48}" type="datetime1">
-              <a:t>2/28/23</a:t>
+              <a:t>09/05/2023</a:t>
             </a:fld>
             <a:endParaRPr lang="en-US"/>
           </a:p>
@@ -3398,99 +3401,78 @@
       </p:grpSpPr>
       <p:sp>
         <p:nvSpPr>
-          <p:cNvPr id="2" name="Title 1"/>
-          <p:cNvSpPr>
-            <a:spLocks noGrp="1"/>
-          </p:cNvSpPr>
-          <p:nvPr>
-            <p:ph type="title"/>
-          </p:nvPr>
-        </p:nvSpPr>
-        <p:spPr/>
-        <p:txBody>
-          <a:bodyPr/>
-          <a:lstStyle/>
-          <a:p>
-            <a:r>
-              <a:rPr lang="en-US"/>
-              <a:t>Constructor - Destructor</a:t>
-            </a:r>
-          </a:p>
-        </p:txBody>
-      </p:sp>
-      <p:sp>
-        <p:nvSpPr>
-          <p:cNvPr id="3" name="Content Placeholder 2"/>
-          <p:cNvSpPr>
-            <a:spLocks noGrp="1"/>
-          </p:cNvSpPr>
-          <p:nvPr>
-            <p:ph idx="1"/>
-          </p:nvPr>
-        </p:nvSpPr>
-        <p:spPr/>
-        <p:txBody>
-          <a:bodyPr/>
-          <a:lstStyle/>
-          <a:p>
-            <a:pPr marL="0" indent="0">
-              <a:buNone/>
-            </a:pPr>
-            <a:r>
-              <a:rPr lang="en-US"/>
-              <a:t>Hàm khởi tạo có thể truyền vào các tham số khác nhau, mỗi kiểu tham số sẽ tạo ra constructor mới.</a:t>
-            </a:r>
-          </a:p>
-          <a:p>
-            <a:pPr marL="0" indent="0">
-              <a:buNone/>
-            </a:pPr>
-            <a:r>
-              <a:rPr lang="en-US"/>
-              <a:t>+ Được đặt ở public</a:t>
-            </a:r>
-          </a:p>
-          <a:p>
-            <a:pPr marL="0" indent="0">
-              <a:buNone/>
-            </a:pPr>
-            <a:r>
-              <a:rPr lang="en-US"/>
-              <a:t>+ Nếu đặt ở private ? (Tham khảo Design Pattern Singleton)</a:t>
-            </a:r>
-          </a:p>
-          <a:p>
-            <a:pPr marL="0" indent="0">
-              <a:buNone/>
-            </a:pPr>
-            <a:r>
-              <a:rPr lang="en-US"/>
-              <a:t>Hàm hủy không có tham số và chỉ có một duy nhất</a:t>
-            </a:r>
-          </a:p>
-          <a:p>
-            <a:pPr marL="0" indent="0">
-              <a:buNone/>
-            </a:pPr>
-            <a:r>
-              <a:rPr lang="en-US"/>
-              <a:t>+ Chỉ cần thiết lập khi class có sử dụng con trỏ.</a:t>
-            </a:r>
-          </a:p>
-          <a:p>
-            <a:pPr marL="0" indent="0">
-              <a:buNone/>
-            </a:pPr>
-            <a:endParaRPr lang="en-US"/>
-          </a:p>
-        </p:txBody>
-      </p:sp>
-      <p:sp>
-        <p:nvSpPr>
-          <p:cNvPr id="5" name="Slide Number Placeholder 4">
+          <p:cNvPr id="2" name="Title 1">
             <a:extLst>
               <a:ext uri="{FF2B5EF4-FFF2-40B4-BE49-F238E27FC236}">
-                <a16:creationId xmlns:a16="http://schemas.microsoft.com/office/drawing/2014/main" id="{703E08ED-52B0-624D-BD25-B6D77080C76F}"/>
+                <a16:creationId xmlns:a16="http://schemas.microsoft.com/office/drawing/2014/main" id="{E5784C9C-886F-76DF-12B8-D6297DDC64CE}"/>
+              </a:ext>
+            </a:extLst>
+          </p:cNvPr>
+          <p:cNvSpPr>
+            <a:spLocks noGrp="1"/>
+          </p:cNvSpPr>
+          <p:nvPr>
+            <p:ph type="title"/>
+          </p:nvPr>
+        </p:nvSpPr>
+        <p:spPr/>
+        <p:txBody>
+          <a:bodyPr/>
+          <a:lstStyle/>
+          <a:p>
+            <a:r>
+              <a:rPr lang="en-VN"/>
+              <a:t>Lý thuyết tuần 3</a:t>
+            </a:r>
+          </a:p>
+        </p:txBody>
+      </p:sp>
+      <p:sp>
+        <p:nvSpPr>
+          <p:cNvPr id="3" name="Content Placeholder 2">
+            <a:extLst>
+              <a:ext uri="{FF2B5EF4-FFF2-40B4-BE49-F238E27FC236}">
+                <a16:creationId xmlns:a16="http://schemas.microsoft.com/office/drawing/2014/main" id="{36AB22FD-255F-2387-402B-F8D36FB6C293}"/>
+              </a:ext>
+            </a:extLst>
+          </p:cNvPr>
+          <p:cNvSpPr>
+            <a:spLocks noGrp="1"/>
+          </p:cNvSpPr>
+          <p:nvPr>
+            <p:ph idx="1"/>
+          </p:nvPr>
+        </p:nvSpPr>
+        <p:spPr/>
+        <p:txBody>
+          <a:bodyPr/>
+          <a:lstStyle/>
+          <a:p>
+            <a:r>
+              <a:rPr lang="en-VN"/>
+              <a:t>Tầm vực</a:t>
+            </a:r>
+          </a:p>
+          <a:p>
+            <a:r>
+              <a:rPr lang="en-VN"/>
+              <a:t>Get / Set</a:t>
+            </a:r>
+          </a:p>
+          <a:p>
+            <a:r>
+              <a:rPr lang="en-VN"/>
+              <a:t>Overload operator</a:t>
+            </a:r>
+          </a:p>
+        </p:txBody>
+      </p:sp>
+      <p:sp>
+        <p:nvSpPr>
+          <p:cNvPr id="4" name="Slide Number Placeholder 3">
+            <a:extLst>
+              <a:ext uri="{FF2B5EF4-FFF2-40B4-BE49-F238E27FC236}">
+                <a16:creationId xmlns:a16="http://schemas.microsoft.com/office/drawing/2014/main" id="{24939D83-7C88-9180-D38B-0093069536FA}"/>
               </a:ext>
             </a:extLst>
           </p:cNvPr>
@@ -3517,528 +3499,13 @@
     </p:spTree>
     <p:extLst>
       <p:ext uri="{BB962C8B-B14F-4D97-AF65-F5344CB8AC3E}">
-        <p14:creationId xmlns:p14="http://schemas.microsoft.com/office/powerpoint/2010/main" val="1711368906"/>
+        <p14:creationId xmlns:p14="http://schemas.microsoft.com/office/powerpoint/2010/main" val="4170843541"/>
       </p:ext>
     </p:extLst>
   </p:cSld>
   <p:clrMapOvr>
     <a:masterClrMapping/>
   </p:clrMapOvr>
-  <mc:AlternateContent xmlns:mc="http://schemas.openxmlformats.org/markup-compatibility/2006" xmlns:p14="http://schemas.microsoft.com/office/powerpoint/2010/main">
-    <mc:Choice Requires="p14">
-      <p:transition p14:dur="100">
-        <p:cut/>
-      </p:transition>
-    </mc:Choice>
-    <mc:Fallback xmlns="">
-      <p:transition>
-        <p:cut/>
-      </p:transition>
-    </mc:Fallback>
-  </mc:AlternateContent>
-  <p:timing>
-    <p:tnLst>
-      <p:par>
-        <p:cTn id="1" dur="indefinite" restart="never" nodeType="tmRoot">
-          <p:childTnLst>
-            <p:seq concurrent="1" nextAc="seek">
-              <p:cTn id="2" dur="indefinite" nodeType="mainSeq">
-                <p:childTnLst>
-                  <p:par>
-                    <p:cTn id="3" fill="hold">
-                      <p:stCondLst>
-                        <p:cond delay="indefinite"/>
-                      </p:stCondLst>
-                      <p:childTnLst>
-                        <p:par>
-                          <p:cTn id="4" fill="hold">
-                            <p:stCondLst>
-                              <p:cond delay="0"/>
-                            </p:stCondLst>
-                            <p:childTnLst>
-                              <p:par>
-                                <p:cTn id="5" presetID="2" presetClass="entr" presetSubtype="4" fill="hold" nodeType="clickEffect">
-                                  <p:stCondLst>
-                                    <p:cond delay="0"/>
-                                  </p:stCondLst>
-                                  <p:childTnLst>
-                                    <p:set>
-                                      <p:cBhvr>
-                                        <p:cTn id="6" dur="1" fill="hold">
-                                          <p:stCondLst>
-                                            <p:cond delay="0"/>
-                                          </p:stCondLst>
-                                        </p:cTn>
-                                        <p:tgtEl>
-                                          <p:spTgt spid="3">
-                                            <p:txEl>
-                                              <p:pRg st="0" end="0"/>
-                                            </p:txEl>
-                                          </p:spTgt>
-                                        </p:tgtEl>
-                                        <p:attrNameLst>
-                                          <p:attrName>style.visibility</p:attrName>
-                                        </p:attrNameLst>
-                                      </p:cBhvr>
-                                      <p:to>
-                                        <p:strVal val="visible"/>
-                                      </p:to>
-                                    </p:set>
-                                    <p:anim calcmode="lin" valueType="num">
-                                      <p:cBhvr additive="base">
-                                        <p:cTn id="7" dur="500" fill="hold"/>
-                                        <p:tgtEl>
-                                          <p:spTgt spid="3">
-                                            <p:txEl>
-                                              <p:pRg st="0" end="0"/>
-                                            </p:txEl>
-                                          </p:spTgt>
-                                        </p:tgtEl>
-                                        <p:attrNameLst>
-                                          <p:attrName>ppt_x</p:attrName>
-                                        </p:attrNameLst>
-                                      </p:cBhvr>
-                                      <p:tavLst>
-                                        <p:tav tm="0">
-                                          <p:val>
-                                            <p:strVal val="#ppt_x"/>
-                                          </p:val>
-                                        </p:tav>
-                                        <p:tav tm="100000">
-                                          <p:val>
-                                            <p:strVal val="#ppt_x"/>
-                                          </p:val>
-                                        </p:tav>
-                                      </p:tavLst>
-                                    </p:anim>
-                                    <p:anim calcmode="lin" valueType="num">
-                                      <p:cBhvr additive="base">
-                                        <p:cTn id="8" dur="500" fill="hold"/>
-                                        <p:tgtEl>
-                                          <p:spTgt spid="3">
-                                            <p:txEl>
-                                              <p:pRg st="0" end="0"/>
-                                            </p:txEl>
-                                          </p:spTgt>
-                                        </p:tgtEl>
-                                        <p:attrNameLst>
-                                          <p:attrName>ppt_y</p:attrName>
-                                        </p:attrNameLst>
-                                      </p:cBhvr>
-                                      <p:tavLst>
-                                        <p:tav tm="0">
-                                          <p:val>
-                                            <p:strVal val="1+#ppt_h/2"/>
-                                          </p:val>
-                                        </p:tav>
-                                        <p:tav tm="100000">
-                                          <p:val>
-                                            <p:strVal val="#ppt_y"/>
-                                          </p:val>
-                                        </p:tav>
-                                      </p:tavLst>
-                                    </p:anim>
-                                  </p:childTnLst>
-                                </p:cTn>
-                              </p:par>
-                            </p:childTnLst>
-                          </p:cTn>
-                        </p:par>
-                      </p:childTnLst>
-                    </p:cTn>
-                  </p:par>
-                  <p:par>
-                    <p:cTn id="9" fill="hold">
-                      <p:stCondLst>
-                        <p:cond delay="indefinite"/>
-                      </p:stCondLst>
-                      <p:childTnLst>
-                        <p:par>
-                          <p:cTn id="10" fill="hold">
-                            <p:stCondLst>
-                              <p:cond delay="0"/>
-                            </p:stCondLst>
-                            <p:childTnLst>
-                              <p:par>
-                                <p:cTn id="11" presetID="2" presetClass="entr" presetSubtype="4" fill="hold" nodeType="clickEffect">
-                                  <p:stCondLst>
-                                    <p:cond delay="0"/>
-                                  </p:stCondLst>
-                                  <p:childTnLst>
-                                    <p:set>
-                                      <p:cBhvr>
-                                        <p:cTn id="12" dur="1" fill="hold">
-                                          <p:stCondLst>
-                                            <p:cond delay="0"/>
-                                          </p:stCondLst>
-                                        </p:cTn>
-                                        <p:tgtEl>
-                                          <p:spTgt spid="3">
-                                            <p:txEl>
-                                              <p:pRg st="1" end="1"/>
-                                            </p:txEl>
-                                          </p:spTgt>
-                                        </p:tgtEl>
-                                        <p:attrNameLst>
-                                          <p:attrName>style.visibility</p:attrName>
-                                        </p:attrNameLst>
-                                      </p:cBhvr>
-                                      <p:to>
-                                        <p:strVal val="visible"/>
-                                      </p:to>
-                                    </p:set>
-                                    <p:anim calcmode="lin" valueType="num">
-                                      <p:cBhvr additive="base">
-                                        <p:cTn id="13" dur="500" fill="hold"/>
-                                        <p:tgtEl>
-                                          <p:spTgt spid="3">
-                                            <p:txEl>
-                                              <p:pRg st="1" end="1"/>
-                                            </p:txEl>
-                                          </p:spTgt>
-                                        </p:tgtEl>
-                                        <p:attrNameLst>
-                                          <p:attrName>ppt_x</p:attrName>
-                                        </p:attrNameLst>
-                                      </p:cBhvr>
-                                      <p:tavLst>
-                                        <p:tav tm="0">
-                                          <p:val>
-                                            <p:strVal val="#ppt_x"/>
-                                          </p:val>
-                                        </p:tav>
-                                        <p:tav tm="100000">
-                                          <p:val>
-                                            <p:strVal val="#ppt_x"/>
-                                          </p:val>
-                                        </p:tav>
-                                      </p:tavLst>
-                                    </p:anim>
-                                    <p:anim calcmode="lin" valueType="num">
-                                      <p:cBhvr additive="base">
-                                        <p:cTn id="14" dur="500" fill="hold"/>
-                                        <p:tgtEl>
-                                          <p:spTgt spid="3">
-                                            <p:txEl>
-                                              <p:pRg st="1" end="1"/>
-                                            </p:txEl>
-                                          </p:spTgt>
-                                        </p:tgtEl>
-                                        <p:attrNameLst>
-                                          <p:attrName>ppt_y</p:attrName>
-                                        </p:attrNameLst>
-                                      </p:cBhvr>
-                                      <p:tavLst>
-                                        <p:tav tm="0">
-                                          <p:val>
-                                            <p:strVal val="1+#ppt_h/2"/>
-                                          </p:val>
-                                        </p:tav>
-                                        <p:tav tm="100000">
-                                          <p:val>
-                                            <p:strVal val="#ppt_y"/>
-                                          </p:val>
-                                        </p:tav>
-                                      </p:tavLst>
-                                    </p:anim>
-                                  </p:childTnLst>
-                                </p:cTn>
-                              </p:par>
-                            </p:childTnLst>
-                          </p:cTn>
-                        </p:par>
-                      </p:childTnLst>
-                    </p:cTn>
-                  </p:par>
-                  <p:par>
-                    <p:cTn id="15" fill="hold">
-                      <p:stCondLst>
-                        <p:cond delay="indefinite"/>
-                      </p:stCondLst>
-                      <p:childTnLst>
-                        <p:par>
-                          <p:cTn id="16" fill="hold">
-                            <p:stCondLst>
-                              <p:cond delay="0"/>
-                            </p:stCondLst>
-                            <p:childTnLst>
-                              <p:par>
-                                <p:cTn id="17" presetID="2" presetClass="entr" presetSubtype="4" fill="hold" nodeType="clickEffect">
-                                  <p:stCondLst>
-                                    <p:cond delay="0"/>
-                                  </p:stCondLst>
-                                  <p:childTnLst>
-                                    <p:set>
-                                      <p:cBhvr>
-                                        <p:cTn id="18" dur="1" fill="hold">
-                                          <p:stCondLst>
-                                            <p:cond delay="0"/>
-                                          </p:stCondLst>
-                                        </p:cTn>
-                                        <p:tgtEl>
-                                          <p:spTgt spid="3">
-                                            <p:txEl>
-                                              <p:pRg st="2" end="2"/>
-                                            </p:txEl>
-                                          </p:spTgt>
-                                        </p:tgtEl>
-                                        <p:attrNameLst>
-                                          <p:attrName>style.visibility</p:attrName>
-                                        </p:attrNameLst>
-                                      </p:cBhvr>
-                                      <p:to>
-                                        <p:strVal val="visible"/>
-                                      </p:to>
-                                    </p:set>
-                                    <p:anim calcmode="lin" valueType="num">
-                                      <p:cBhvr additive="base">
-                                        <p:cTn id="19" dur="500" fill="hold"/>
-                                        <p:tgtEl>
-                                          <p:spTgt spid="3">
-                                            <p:txEl>
-                                              <p:pRg st="2" end="2"/>
-                                            </p:txEl>
-                                          </p:spTgt>
-                                        </p:tgtEl>
-                                        <p:attrNameLst>
-                                          <p:attrName>ppt_x</p:attrName>
-                                        </p:attrNameLst>
-                                      </p:cBhvr>
-                                      <p:tavLst>
-                                        <p:tav tm="0">
-                                          <p:val>
-                                            <p:strVal val="#ppt_x"/>
-                                          </p:val>
-                                        </p:tav>
-                                        <p:tav tm="100000">
-                                          <p:val>
-                                            <p:strVal val="#ppt_x"/>
-                                          </p:val>
-                                        </p:tav>
-                                      </p:tavLst>
-                                    </p:anim>
-                                    <p:anim calcmode="lin" valueType="num">
-                                      <p:cBhvr additive="base">
-                                        <p:cTn id="20" dur="500" fill="hold"/>
-                                        <p:tgtEl>
-                                          <p:spTgt spid="3">
-                                            <p:txEl>
-                                              <p:pRg st="2" end="2"/>
-                                            </p:txEl>
-                                          </p:spTgt>
-                                        </p:tgtEl>
-                                        <p:attrNameLst>
-                                          <p:attrName>ppt_y</p:attrName>
-                                        </p:attrNameLst>
-                                      </p:cBhvr>
-                                      <p:tavLst>
-                                        <p:tav tm="0">
-                                          <p:val>
-                                            <p:strVal val="1+#ppt_h/2"/>
-                                          </p:val>
-                                        </p:tav>
-                                        <p:tav tm="100000">
-                                          <p:val>
-                                            <p:strVal val="#ppt_y"/>
-                                          </p:val>
-                                        </p:tav>
-                                      </p:tavLst>
-                                    </p:anim>
-                                  </p:childTnLst>
-                                </p:cTn>
-                              </p:par>
-                            </p:childTnLst>
-                          </p:cTn>
-                        </p:par>
-                      </p:childTnLst>
-                    </p:cTn>
-                  </p:par>
-                  <p:par>
-                    <p:cTn id="21" fill="hold">
-                      <p:stCondLst>
-                        <p:cond delay="indefinite"/>
-                      </p:stCondLst>
-                      <p:childTnLst>
-                        <p:par>
-                          <p:cTn id="22" fill="hold">
-                            <p:stCondLst>
-                              <p:cond delay="0"/>
-                            </p:stCondLst>
-                            <p:childTnLst>
-                              <p:par>
-                                <p:cTn id="23" presetID="10" presetClass="entr" presetSubtype="0" fill="hold" nodeType="clickEffect">
-                                  <p:stCondLst>
-                                    <p:cond delay="0"/>
-                                  </p:stCondLst>
-                                  <p:childTnLst>
-                                    <p:set>
-                                      <p:cBhvr>
-                                        <p:cTn id="24" dur="1" fill="hold">
-                                          <p:stCondLst>
-                                            <p:cond delay="0"/>
-                                          </p:stCondLst>
-                                        </p:cTn>
-                                        <p:tgtEl>
-                                          <p:spTgt spid="3">
-                                            <p:txEl>
-                                              <p:pRg st="3" end="3"/>
-                                            </p:txEl>
-                                          </p:spTgt>
-                                        </p:tgtEl>
-                                        <p:attrNameLst>
-                                          <p:attrName>style.visibility</p:attrName>
-                                        </p:attrNameLst>
-                                      </p:cBhvr>
-                                      <p:to>
-                                        <p:strVal val="visible"/>
-                                      </p:to>
-                                    </p:set>
-                                    <p:animEffect transition="in" filter="fade">
-                                      <p:cBhvr>
-                                        <p:cTn id="25" dur="500"/>
-                                        <p:tgtEl>
-                                          <p:spTgt spid="3">
-                                            <p:txEl>
-                                              <p:pRg st="3" end="3"/>
-                                            </p:txEl>
-                                          </p:spTgt>
-                                        </p:tgtEl>
-                                      </p:cBhvr>
-                                    </p:animEffect>
-                                  </p:childTnLst>
-                                </p:cTn>
-                              </p:par>
-                            </p:childTnLst>
-                          </p:cTn>
-                        </p:par>
-                      </p:childTnLst>
-                    </p:cTn>
-                  </p:par>
-                  <p:par>
-                    <p:cTn id="26" fill="hold">
-                      <p:stCondLst>
-                        <p:cond delay="indefinite"/>
-                      </p:stCondLst>
-                      <p:childTnLst>
-                        <p:par>
-                          <p:cTn id="27" fill="hold">
-                            <p:stCondLst>
-                              <p:cond delay="0"/>
-                            </p:stCondLst>
-                            <p:childTnLst>
-                              <p:par>
-                                <p:cTn id="28" presetID="2" presetClass="entr" presetSubtype="4" fill="hold" nodeType="clickEffect">
-                                  <p:stCondLst>
-                                    <p:cond delay="0"/>
-                                  </p:stCondLst>
-                                  <p:childTnLst>
-                                    <p:set>
-                                      <p:cBhvr>
-                                        <p:cTn id="29" dur="1" fill="hold">
-                                          <p:stCondLst>
-                                            <p:cond delay="0"/>
-                                          </p:stCondLst>
-                                        </p:cTn>
-                                        <p:tgtEl>
-                                          <p:spTgt spid="3">
-                                            <p:txEl>
-                                              <p:pRg st="4" end="4"/>
-                                            </p:txEl>
-                                          </p:spTgt>
-                                        </p:tgtEl>
-                                        <p:attrNameLst>
-                                          <p:attrName>style.visibility</p:attrName>
-                                        </p:attrNameLst>
-                                      </p:cBhvr>
-                                      <p:to>
-                                        <p:strVal val="visible"/>
-                                      </p:to>
-                                    </p:set>
-                                    <p:anim calcmode="lin" valueType="num">
-                                      <p:cBhvr additive="base">
-                                        <p:cTn id="30" dur="500" fill="hold"/>
-                                        <p:tgtEl>
-                                          <p:spTgt spid="3">
-                                            <p:txEl>
-                                              <p:pRg st="4" end="4"/>
-                                            </p:txEl>
-                                          </p:spTgt>
-                                        </p:tgtEl>
-                                        <p:attrNameLst>
-                                          <p:attrName>ppt_x</p:attrName>
-                                        </p:attrNameLst>
-                                      </p:cBhvr>
-                                      <p:tavLst>
-                                        <p:tav tm="0">
-                                          <p:val>
-                                            <p:strVal val="#ppt_x"/>
-                                          </p:val>
-                                        </p:tav>
-                                        <p:tav tm="100000">
-                                          <p:val>
-                                            <p:strVal val="#ppt_x"/>
-                                          </p:val>
-                                        </p:tav>
-                                      </p:tavLst>
-                                    </p:anim>
-                                    <p:anim calcmode="lin" valueType="num">
-                                      <p:cBhvr additive="base">
-                                        <p:cTn id="31" dur="500" fill="hold"/>
-                                        <p:tgtEl>
-                                          <p:spTgt spid="3">
-                                            <p:txEl>
-                                              <p:pRg st="4" end="4"/>
-                                            </p:txEl>
-                                          </p:spTgt>
-                                        </p:tgtEl>
-                                        <p:attrNameLst>
-                                          <p:attrName>ppt_y</p:attrName>
-                                        </p:attrNameLst>
-                                      </p:cBhvr>
-                                      <p:tavLst>
-                                        <p:tav tm="0">
-                                          <p:val>
-                                            <p:strVal val="1+#ppt_h/2"/>
-                                          </p:val>
-                                        </p:tav>
-                                        <p:tav tm="100000">
-                                          <p:val>
-                                            <p:strVal val="#ppt_y"/>
-                                          </p:val>
-                                        </p:tav>
-                                      </p:tavLst>
-                                    </p:anim>
-                                  </p:childTnLst>
-                                </p:cTn>
-                              </p:par>
-                            </p:childTnLst>
-                          </p:cTn>
-                        </p:par>
-                      </p:childTnLst>
-                    </p:cTn>
-                  </p:par>
-                </p:childTnLst>
-              </p:cTn>
-              <p:prevCondLst>
-                <p:cond evt="onPrev" delay="0">
-                  <p:tgtEl>
-                    <p:sldTgt/>
-                  </p:tgtEl>
-                </p:cond>
-              </p:prevCondLst>
-              <p:nextCondLst>
-                <p:cond evt="onNext" delay="0">
-                  <p:tgtEl>
-                    <p:sldTgt/>
-                  </p:tgtEl>
-                </p:cond>
-              </p:nextCondLst>
-            </p:seq>
-          </p:childTnLst>
-        </p:cTn>
-      </p:par>
-    </p:tnLst>
-  </p:timing>
 </p:sld>
 </file>
 
@@ -4076,2548 +3543,7 @@
           <a:p>
             <a:r>
               <a:rPr lang="en-US"/>
-              <a:t>Constructor tiêu biểu</a:t>
-            </a:r>
-          </a:p>
-        </p:txBody>
-      </p:sp>
-      <p:sp>
-        <p:nvSpPr>
-          <p:cNvPr id="3" name="Content Placeholder 2"/>
-          <p:cNvSpPr>
-            <a:spLocks noGrp="1"/>
-          </p:cNvSpPr>
-          <p:nvPr>
-            <p:ph idx="1"/>
-          </p:nvPr>
-        </p:nvSpPr>
-        <p:spPr/>
-        <p:txBody>
-          <a:bodyPr/>
-          <a:lstStyle/>
-          <a:p>
-            <a:pPr marL="0" indent="0">
-              <a:buNone/>
-            </a:pPr>
-            <a:r>
-              <a:rPr lang="en-US"/>
-              <a:t>+ Copy constructor, tham số truyền vào chính là đối tượng cùng kiểu.</a:t>
-            </a:r>
-          </a:p>
-          <a:p>
-            <a:pPr marL="0" indent="0">
-              <a:buNone/>
-            </a:pPr>
-            <a:r>
-              <a:rPr lang="en-US"/>
-              <a:t>A (const &amp;A)</a:t>
-            </a:r>
-          </a:p>
-          <a:p>
-            <a:pPr marL="0" indent="0">
-              <a:buNone/>
-            </a:pPr>
-            <a:r>
-              <a:rPr lang="en-US"/>
-              <a:t>+ Default constructor, không sử dụng tham số, được tự động tạo.</a:t>
-            </a:r>
-          </a:p>
-          <a:p>
-            <a:pPr marL="0" indent="0">
-              <a:buNone/>
-            </a:pPr>
-            <a:r>
-              <a:rPr lang="en-US"/>
-              <a:t>A ()</a:t>
-            </a:r>
-          </a:p>
-          <a:p>
-            <a:pPr marL="0" indent="0">
-              <a:buNone/>
-            </a:pPr>
-            <a:r>
-              <a:rPr lang="en-US"/>
-              <a:t>+ Constructor có tham số mặc nhiên</a:t>
-            </a:r>
-          </a:p>
-          <a:p>
-            <a:pPr marL="0" indent="0">
-              <a:buNone/>
-            </a:pPr>
-            <a:r>
-              <a:rPr lang="en-US"/>
-              <a:t>A (int a = 5, int b = 6)</a:t>
-            </a:r>
-          </a:p>
-        </p:txBody>
-      </p:sp>
-      <p:sp>
-        <p:nvSpPr>
-          <p:cNvPr id="5" name="Slide Number Placeholder 4">
-            <a:extLst>
-              <a:ext uri="{FF2B5EF4-FFF2-40B4-BE49-F238E27FC236}">
-                <a16:creationId xmlns:a16="http://schemas.microsoft.com/office/drawing/2014/main" id="{E97F0868-609C-57E1-A1F1-B3539E5A49AD}"/>
-              </a:ext>
-            </a:extLst>
-          </p:cNvPr>
-          <p:cNvSpPr>
-            <a:spLocks noGrp="1"/>
-          </p:cNvSpPr>
-          <p:nvPr>
-            <p:ph type="sldNum" sz="quarter" idx="12"/>
-          </p:nvPr>
-        </p:nvSpPr>
-        <p:spPr/>
-        <p:txBody>
-          <a:bodyPr/>
-          <a:lstStyle/>
-          <a:p>
-            <a:fld id="{9D563E13-6253-4AA0-BAE6-80A963751161}" type="slidenum">
-              <a:rPr lang="en-US" smtClean="0"/>
-              <a:t>3</a:t>
-            </a:fld>
-            <a:endParaRPr lang="en-US"/>
-          </a:p>
-        </p:txBody>
-      </p:sp>
-    </p:spTree>
-    <p:extLst>
-      <p:ext uri="{BB962C8B-B14F-4D97-AF65-F5344CB8AC3E}">
-        <p14:creationId xmlns:p14="http://schemas.microsoft.com/office/powerpoint/2010/main" val="3757529132"/>
-      </p:ext>
-    </p:extLst>
-  </p:cSld>
-  <p:clrMapOvr>
-    <a:masterClrMapping/>
-  </p:clrMapOvr>
-  <p:timing>
-    <p:tnLst>
-      <p:par>
-        <p:cTn id="1" dur="indefinite" restart="never" nodeType="tmRoot">
-          <p:childTnLst>
-            <p:seq concurrent="1" nextAc="seek">
-              <p:cTn id="2" dur="indefinite" nodeType="mainSeq">
-                <p:childTnLst>
-                  <p:par>
-                    <p:cTn id="3" fill="hold">
-                      <p:stCondLst>
-                        <p:cond delay="indefinite"/>
-                      </p:stCondLst>
-                      <p:childTnLst>
-                        <p:par>
-                          <p:cTn id="4" fill="hold">
-                            <p:stCondLst>
-                              <p:cond delay="0"/>
-                            </p:stCondLst>
-                            <p:childTnLst>
-                              <p:par>
-                                <p:cTn id="5" presetID="2" presetClass="entr" presetSubtype="4" fill="hold" nodeType="clickEffect">
-                                  <p:stCondLst>
-                                    <p:cond delay="0"/>
-                                  </p:stCondLst>
-                                  <p:childTnLst>
-                                    <p:set>
-                                      <p:cBhvr>
-                                        <p:cTn id="6" dur="1" fill="hold">
-                                          <p:stCondLst>
-                                            <p:cond delay="0"/>
-                                          </p:stCondLst>
-                                        </p:cTn>
-                                        <p:tgtEl>
-                                          <p:spTgt spid="3">
-                                            <p:txEl>
-                                              <p:pRg st="0" end="0"/>
-                                            </p:txEl>
-                                          </p:spTgt>
-                                        </p:tgtEl>
-                                        <p:attrNameLst>
-                                          <p:attrName>style.visibility</p:attrName>
-                                        </p:attrNameLst>
-                                      </p:cBhvr>
-                                      <p:to>
-                                        <p:strVal val="visible"/>
-                                      </p:to>
-                                    </p:set>
-                                    <p:anim calcmode="lin" valueType="num">
-                                      <p:cBhvr additive="base">
-                                        <p:cTn id="7" dur="500" fill="hold"/>
-                                        <p:tgtEl>
-                                          <p:spTgt spid="3">
-                                            <p:txEl>
-                                              <p:pRg st="0" end="0"/>
-                                            </p:txEl>
-                                          </p:spTgt>
-                                        </p:tgtEl>
-                                        <p:attrNameLst>
-                                          <p:attrName>ppt_x</p:attrName>
-                                        </p:attrNameLst>
-                                      </p:cBhvr>
-                                      <p:tavLst>
-                                        <p:tav tm="0">
-                                          <p:val>
-                                            <p:strVal val="#ppt_x"/>
-                                          </p:val>
-                                        </p:tav>
-                                        <p:tav tm="100000">
-                                          <p:val>
-                                            <p:strVal val="#ppt_x"/>
-                                          </p:val>
-                                        </p:tav>
-                                      </p:tavLst>
-                                    </p:anim>
-                                    <p:anim calcmode="lin" valueType="num">
-                                      <p:cBhvr additive="base">
-                                        <p:cTn id="8" dur="500" fill="hold"/>
-                                        <p:tgtEl>
-                                          <p:spTgt spid="3">
-                                            <p:txEl>
-                                              <p:pRg st="0" end="0"/>
-                                            </p:txEl>
-                                          </p:spTgt>
-                                        </p:tgtEl>
-                                        <p:attrNameLst>
-                                          <p:attrName>ppt_y</p:attrName>
-                                        </p:attrNameLst>
-                                      </p:cBhvr>
-                                      <p:tavLst>
-                                        <p:tav tm="0">
-                                          <p:val>
-                                            <p:strVal val="1+#ppt_h/2"/>
-                                          </p:val>
-                                        </p:tav>
-                                        <p:tav tm="100000">
-                                          <p:val>
-                                            <p:strVal val="#ppt_y"/>
-                                          </p:val>
-                                        </p:tav>
-                                      </p:tavLst>
-                                    </p:anim>
-                                  </p:childTnLst>
-                                </p:cTn>
-                              </p:par>
-                              <p:par>
-                                <p:cTn id="9" presetID="2" presetClass="entr" presetSubtype="4" fill="hold" nodeType="withEffect">
-                                  <p:stCondLst>
-                                    <p:cond delay="0"/>
-                                  </p:stCondLst>
-                                  <p:childTnLst>
-                                    <p:set>
-                                      <p:cBhvr>
-                                        <p:cTn id="10" dur="1" fill="hold">
-                                          <p:stCondLst>
-                                            <p:cond delay="0"/>
-                                          </p:stCondLst>
-                                        </p:cTn>
-                                        <p:tgtEl>
-                                          <p:spTgt spid="3">
-                                            <p:txEl>
-                                              <p:pRg st="1" end="1"/>
-                                            </p:txEl>
-                                          </p:spTgt>
-                                        </p:tgtEl>
-                                        <p:attrNameLst>
-                                          <p:attrName>style.visibility</p:attrName>
-                                        </p:attrNameLst>
-                                      </p:cBhvr>
-                                      <p:to>
-                                        <p:strVal val="visible"/>
-                                      </p:to>
-                                    </p:set>
-                                    <p:anim calcmode="lin" valueType="num">
-                                      <p:cBhvr additive="base">
-                                        <p:cTn id="11" dur="500" fill="hold"/>
-                                        <p:tgtEl>
-                                          <p:spTgt spid="3">
-                                            <p:txEl>
-                                              <p:pRg st="1" end="1"/>
-                                            </p:txEl>
-                                          </p:spTgt>
-                                        </p:tgtEl>
-                                        <p:attrNameLst>
-                                          <p:attrName>ppt_x</p:attrName>
-                                        </p:attrNameLst>
-                                      </p:cBhvr>
-                                      <p:tavLst>
-                                        <p:tav tm="0">
-                                          <p:val>
-                                            <p:strVal val="#ppt_x"/>
-                                          </p:val>
-                                        </p:tav>
-                                        <p:tav tm="100000">
-                                          <p:val>
-                                            <p:strVal val="#ppt_x"/>
-                                          </p:val>
-                                        </p:tav>
-                                      </p:tavLst>
-                                    </p:anim>
-                                    <p:anim calcmode="lin" valueType="num">
-                                      <p:cBhvr additive="base">
-                                        <p:cTn id="12" dur="500" fill="hold"/>
-                                        <p:tgtEl>
-                                          <p:spTgt spid="3">
-                                            <p:txEl>
-                                              <p:pRg st="1" end="1"/>
-                                            </p:txEl>
-                                          </p:spTgt>
-                                        </p:tgtEl>
-                                        <p:attrNameLst>
-                                          <p:attrName>ppt_y</p:attrName>
-                                        </p:attrNameLst>
-                                      </p:cBhvr>
-                                      <p:tavLst>
-                                        <p:tav tm="0">
-                                          <p:val>
-                                            <p:strVal val="1+#ppt_h/2"/>
-                                          </p:val>
-                                        </p:tav>
-                                        <p:tav tm="100000">
-                                          <p:val>
-                                            <p:strVal val="#ppt_y"/>
-                                          </p:val>
-                                        </p:tav>
-                                      </p:tavLst>
-                                    </p:anim>
-                                  </p:childTnLst>
-                                </p:cTn>
-                              </p:par>
-                            </p:childTnLst>
-                          </p:cTn>
-                        </p:par>
-                      </p:childTnLst>
-                    </p:cTn>
-                  </p:par>
-                  <p:par>
-                    <p:cTn id="13" fill="hold">
-                      <p:stCondLst>
-                        <p:cond delay="indefinite"/>
-                      </p:stCondLst>
-                      <p:childTnLst>
-                        <p:par>
-                          <p:cTn id="14" fill="hold">
-                            <p:stCondLst>
-                              <p:cond delay="0"/>
-                            </p:stCondLst>
-                            <p:childTnLst>
-                              <p:par>
-                                <p:cTn id="15" presetID="2" presetClass="entr" presetSubtype="4" fill="hold" nodeType="clickEffect">
-                                  <p:stCondLst>
-                                    <p:cond delay="0"/>
-                                  </p:stCondLst>
-                                  <p:childTnLst>
-                                    <p:set>
-                                      <p:cBhvr>
-                                        <p:cTn id="16" dur="1" fill="hold">
-                                          <p:stCondLst>
-                                            <p:cond delay="0"/>
-                                          </p:stCondLst>
-                                        </p:cTn>
-                                        <p:tgtEl>
-                                          <p:spTgt spid="3">
-                                            <p:txEl>
-                                              <p:pRg st="2" end="2"/>
-                                            </p:txEl>
-                                          </p:spTgt>
-                                        </p:tgtEl>
-                                        <p:attrNameLst>
-                                          <p:attrName>style.visibility</p:attrName>
-                                        </p:attrNameLst>
-                                      </p:cBhvr>
-                                      <p:to>
-                                        <p:strVal val="visible"/>
-                                      </p:to>
-                                    </p:set>
-                                    <p:anim calcmode="lin" valueType="num">
-                                      <p:cBhvr additive="base">
-                                        <p:cTn id="17" dur="500" fill="hold"/>
-                                        <p:tgtEl>
-                                          <p:spTgt spid="3">
-                                            <p:txEl>
-                                              <p:pRg st="2" end="2"/>
-                                            </p:txEl>
-                                          </p:spTgt>
-                                        </p:tgtEl>
-                                        <p:attrNameLst>
-                                          <p:attrName>ppt_x</p:attrName>
-                                        </p:attrNameLst>
-                                      </p:cBhvr>
-                                      <p:tavLst>
-                                        <p:tav tm="0">
-                                          <p:val>
-                                            <p:strVal val="#ppt_x"/>
-                                          </p:val>
-                                        </p:tav>
-                                        <p:tav tm="100000">
-                                          <p:val>
-                                            <p:strVal val="#ppt_x"/>
-                                          </p:val>
-                                        </p:tav>
-                                      </p:tavLst>
-                                    </p:anim>
-                                    <p:anim calcmode="lin" valueType="num">
-                                      <p:cBhvr additive="base">
-                                        <p:cTn id="18" dur="500" fill="hold"/>
-                                        <p:tgtEl>
-                                          <p:spTgt spid="3">
-                                            <p:txEl>
-                                              <p:pRg st="2" end="2"/>
-                                            </p:txEl>
-                                          </p:spTgt>
-                                        </p:tgtEl>
-                                        <p:attrNameLst>
-                                          <p:attrName>ppt_y</p:attrName>
-                                        </p:attrNameLst>
-                                      </p:cBhvr>
-                                      <p:tavLst>
-                                        <p:tav tm="0">
-                                          <p:val>
-                                            <p:strVal val="1+#ppt_h/2"/>
-                                          </p:val>
-                                        </p:tav>
-                                        <p:tav tm="100000">
-                                          <p:val>
-                                            <p:strVal val="#ppt_y"/>
-                                          </p:val>
-                                        </p:tav>
-                                      </p:tavLst>
-                                    </p:anim>
-                                  </p:childTnLst>
-                                </p:cTn>
-                              </p:par>
-                              <p:par>
-                                <p:cTn id="19" presetID="2" presetClass="entr" presetSubtype="4" fill="hold" nodeType="withEffect">
-                                  <p:stCondLst>
-                                    <p:cond delay="0"/>
-                                  </p:stCondLst>
-                                  <p:childTnLst>
-                                    <p:set>
-                                      <p:cBhvr>
-                                        <p:cTn id="20" dur="1" fill="hold">
-                                          <p:stCondLst>
-                                            <p:cond delay="0"/>
-                                          </p:stCondLst>
-                                        </p:cTn>
-                                        <p:tgtEl>
-                                          <p:spTgt spid="3">
-                                            <p:txEl>
-                                              <p:pRg st="3" end="3"/>
-                                            </p:txEl>
-                                          </p:spTgt>
-                                        </p:tgtEl>
-                                        <p:attrNameLst>
-                                          <p:attrName>style.visibility</p:attrName>
-                                        </p:attrNameLst>
-                                      </p:cBhvr>
-                                      <p:to>
-                                        <p:strVal val="visible"/>
-                                      </p:to>
-                                    </p:set>
-                                    <p:anim calcmode="lin" valueType="num">
-                                      <p:cBhvr additive="base">
-                                        <p:cTn id="21" dur="500" fill="hold"/>
-                                        <p:tgtEl>
-                                          <p:spTgt spid="3">
-                                            <p:txEl>
-                                              <p:pRg st="3" end="3"/>
-                                            </p:txEl>
-                                          </p:spTgt>
-                                        </p:tgtEl>
-                                        <p:attrNameLst>
-                                          <p:attrName>ppt_x</p:attrName>
-                                        </p:attrNameLst>
-                                      </p:cBhvr>
-                                      <p:tavLst>
-                                        <p:tav tm="0">
-                                          <p:val>
-                                            <p:strVal val="#ppt_x"/>
-                                          </p:val>
-                                        </p:tav>
-                                        <p:tav tm="100000">
-                                          <p:val>
-                                            <p:strVal val="#ppt_x"/>
-                                          </p:val>
-                                        </p:tav>
-                                      </p:tavLst>
-                                    </p:anim>
-                                    <p:anim calcmode="lin" valueType="num">
-                                      <p:cBhvr additive="base">
-                                        <p:cTn id="22" dur="500" fill="hold"/>
-                                        <p:tgtEl>
-                                          <p:spTgt spid="3">
-                                            <p:txEl>
-                                              <p:pRg st="3" end="3"/>
-                                            </p:txEl>
-                                          </p:spTgt>
-                                        </p:tgtEl>
-                                        <p:attrNameLst>
-                                          <p:attrName>ppt_y</p:attrName>
-                                        </p:attrNameLst>
-                                      </p:cBhvr>
-                                      <p:tavLst>
-                                        <p:tav tm="0">
-                                          <p:val>
-                                            <p:strVal val="1+#ppt_h/2"/>
-                                          </p:val>
-                                        </p:tav>
-                                        <p:tav tm="100000">
-                                          <p:val>
-                                            <p:strVal val="#ppt_y"/>
-                                          </p:val>
-                                        </p:tav>
-                                      </p:tavLst>
-                                    </p:anim>
-                                  </p:childTnLst>
-                                </p:cTn>
-                              </p:par>
-                            </p:childTnLst>
-                          </p:cTn>
-                        </p:par>
-                      </p:childTnLst>
-                    </p:cTn>
-                  </p:par>
-                  <p:par>
-                    <p:cTn id="23" fill="hold">
-                      <p:stCondLst>
-                        <p:cond delay="indefinite"/>
-                      </p:stCondLst>
-                      <p:childTnLst>
-                        <p:par>
-                          <p:cTn id="24" fill="hold">
-                            <p:stCondLst>
-                              <p:cond delay="0"/>
-                            </p:stCondLst>
-                            <p:childTnLst>
-                              <p:par>
-                                <p:cTn id="25" presetID="2" presetClass="entr" presetSubtype="4" fill="hold" nodeType="clickEffect">
-                                  <p:stCondLst>
-                                    <p:cond delay="0"/>
-                                  </p:stCondLst>
-                                  <p:childTnLst>
-                                    <p:set>
-                                      <p:cBhvr>
-                                        <p:cTn id="26" dur="1" fill="hold">
-                                          <p:stCondLst>
-                                            <p:cond delay="0"/>
-                                          </p:stCondLst>
-                                        </p:cTn>
-                                        <p:tgtEl>
-                                          <p:spTgt spid="3">
-                                            <p:txEl>
-                                              <p:pRg st="4" end="4"/>
-                                            </p:txEl>
-                                          </p:spTgt>
-                                        </p:tgtEl>
-                                        <p:attrNameLst>
-                                          <p:attrName>style.visibility</p:attrName>
-                                        </p:attrNameLst>
-                                      </p:cBhvr>
-                                      <p:to>
-                                        <p:strVal val="visible"/>
-                                      </p:to>
-                                    </p:set>
-                                    <p:anim calcmode="lin" valueType="num">
-                                      <p:cBhvr additive="base">
-                                        <p:cTn id="27" dur="500" fill="hold"/>
-                                        <p:tgtEl>
-                                          <p:spTgt spid="3">
-                                            <p:txEl>
-                                              <p:pRg st="4" end="4"/>
-                                            </p:txEl>
-                                          </p:spTgt>
-                                        </p:tgtEl>
-                                        <p:attrNameLst>
-                                          <p:attrName>ppt_x</p:attrName>
-                                        </p:attrNameLst>
-                                      </p:cBhvr>
-                                      <p:tavLst>
-                                        <p:tav tm="0">
-                                          <p:val>
-                                            <p:strVal val="#ppt_x"/>
-                                          </p:val>
-                                        </p:tav>
-                                        <p:tav tm="100000">
-                                          <p:val>
-                                            <p:strVal val="#ppt_x"/>
-                                          </p:val>
-                                        </p:tav>
-                                      </p:tavLst>
-                                    </p:anim>
-                                    <p:anim calcmode="lin" valueType="num">
-                                      <p:cBhvr additive="base">
-                                        <p:cTn id="28" dur="500" fill="hold"/>
-                                        <p:tgtEl>
-                                          <p:spTgt spid="3">
-                                            <p:txEl>
-                                              <p:pRg st="4" end="4"/>
-                                            </p:txEl>
-                                          </p:spTgt>
-                                        </p:tgtEl>
-                                        <p:attrNameLst>
-                                          <p:attrName>ppt_y</p:attrName>
-                                        </p:attrNameLst>
-                                      </p:cBhvr>
-                                      <p:tavLst>
-                                        <p:tav tm="0">
-                                          <p:val>
-                                            <p:strVal val="1+#ppt_h/2"/>
-                                          </p:val>
-                                        </p:tav>
-                                        <p:tav tm="100000">
-                                          <p:val>
-                                            <p:strVal val="#ppt_y"/>
-                                          </p:val>
-                                        </p:tav>
-                                      </p:tavLst>
-                                    </p:anim>
-                                  </p:childTnLst>
-                                </p:cTn>
-                              </p:par>
-                              <p:par>
-                                <p:cTn id="29" presetID="2" presetClass="entr" presetSubtype="4" fill="hold" nodeType="withEffect">
-                                  <p:stCondLst>
-                                    <p:cond delay="0"/>
-                                  </p:stCondLst>
-                                  <p:childTnLst>
-                                    <p:set>
-                                      <p:cBhvr>
-                                        <p:cTn id="30" dur="1" fill="hold">
-                                          <p:stCondLst>
-                                            <p:cond delay="0"/>
-                                          </p:stCondLst>
-                                        </p:cTn>
-                                        <p:tgtEl>
-                                          <p:spTgt spid="3">
-                                            <p:txEl>
-                                              <p:pRg st="5" end="5"/>
-                                            </p:txEl>
-                                          </p:spTgt>
-                                        </p:tgtEl>
-                                        <p:attrNameLst>
-                                          <p:attrName>style.visibility</p:attrName>
-                                        </p:attrNameLst>
-                                      </p:cBhvr>
-                                      <p:to>
-                                        <p:strVal val="visible"/>
-                                      </p:to>
-                                    </p:set>
-                                    <p:anim calcmode="lin" valueType="num">
-                                      <p:cBhvr additive="base">
-                                        <p:cTn id="31" dur="500" fill="hold"/>
-                                        <p:tgtEl>
-                                          <p:spTgt spid="3">
-                                            <p:txEl>
-                                              <p:pRg st="5" end="5"/>
-                                            </p:txEl>
-                                          </p:spTgt>
-                                        </p:tgtEl>
-                                        <p:attrNameLst>
-                                          <p:attrName>ppt_x</p:attrName>
-                                        </p:attrNameLst>
-                                      </p:cBhvr>
-                                      <p:tavLst>
-                                        <p:tav tm="0">
-                                          <p:val>
-                                            <p:strVal val="#ppt_x"/>
-                                          </p:val>
-                                        </p:tav>
-                                        <p:tav tm="100000">
-                                          <p:val>
-                                            <p:strVal val="#ppt_x"/>
-                                          </p:val>
-                                        </p:tav>
-                                      </p:tavLst>
-                                    </p:anim>
-                                    <p:anim calcmode="lin" valueType="num">
-                                      <p:cBhvr additive="base">
-                                        <p:cTn id="32" dur="500" fill="hold"/>
-                                        <p:tgtEl>
-                                          <p:spTgt spid="3">
-                                            <p:txEl>
-                                              <p:pRg st="5" end="5"/>
-                                            </p:txEl>
-                                          </p:spTgt>
-                                        </p:tgtEl>
-                                        <p:attrNameLst>
-                                          <p:attrName>ppt_y</p:attrName>
-                                        </p:attrNameLst>
-                                      </p:cBhvr>
-                                      <p:tavLst>
-                                        <p:tav tm="0">
-                                          <p:val>
-                                            <p:strVal val="1+#ppt_h/2"/>
-                                          </p:val>
-                                        </p:tav>
-                                        <p:tav tm="100000">
-                                          <p:val>
-                                            <p:strVal val="#ppt_y"/>
-                                          </p:val>
-                                        </p:tav>
-                                      </p:tavLst>
-                                    </p:anim>
-                                  </p:childTnLst>
-                                </p:cTn>
-                              </p:par>
-                            </p:childTnLst>
-                          </p:cTn>
-                        </p:par>
-                      </p:childTnLst>
-                    </p:cTn>
-                  </p:par>
-                </p:childTnLst>
-              </p:cTn>
-              <p:prevCondLst>
-                <p:cond evt="onPrev" delay="0">
-                  <p:tgtEl>
-                    <p:sldTgt/>
-                  </p:tgtEl>
-                </p:cond>
-              </p:prevCondLst>
-              <p:nextCondLst>
-                <p:cond evt="onNext" delay="0">
-                  <p:tgtEl>
-                    <p:sldTgt/>
-                  </p:tgtEl>
-                </p:cond>
-              </p:nextCondLst>
-            </p:seq>
-          </p:childTnLst>
-        </p:cTn>
-      </p:par>
-    </p:tnLst>
-  </p:timing>
-</p:sld>
-</file>
-
-<file path=ppt/slides/slide4.xml><?xml version="1.0" encoding="utf-8"?>
-<p:sld xmlns:a="http://schemas.openxmlformats.org/drawingml/2006/main" xmlns:r="http://schemas.openxmlformats.org/officeDocument/2006/relationships" xmlns:p="http://schemas.openxmlformats.org/presentationml/2006/main">
-  <p:cSld>
-    <p:spTree>
-      <p:nvGrpSpPr>
-        <p:cNvPr id="1" name=""/>
-        <p:cNvGrpSpPr/>
-        <p:nvPr/>
-      </p:nvGrpSpPr>
-      <p:grpSpPr>
-        <a:xfrm>
-          <a:off x="0" y="0"/>
-          <a:ext cx="0" cy="0"/>
-          <a:chOff x="0" y="0"/>
-          <a:chExt cx="0" cy="0"/>
-        </a:xfrm>
-      </p:grpSpPr>
-      <p:sp>
-        <p:nvSpPr>
-          <p:cNvPr id="2" name="Title 1"/>
-          <p:cNvSpPr>
-            <a:spLocks noGrp="1"/>
-          </p:cNvSpPr>
-          <p:nvPr>
-            <p:ph type="title"/>
-          </p:nvPr>
-        </p:nvSpPr>
-        <p:spPr/>
-        <p:txBody>
-          <a:bodyPr/>
-          <a:lstStyle/>
-          <a:p>
-            <a:r>
-              <a:rPr lang="en-US"/>
-              <a:t>Vấn đề với con trỏ</a:t>
-            </a:r>
-          </a:p>
-        </p:txBody>
-      </p:sp>
-      <p:graphicFrame>
-        <p:nvGraphicFramePr>
-          <p:cNvPr id="4" name="Table 3"/>
-          <p:cNvGraphicFramePr>
-            <a:graphicFrameLocks noGrp="1"/>
-          </p:cNvGraphicFramePr>
-          <p:nvPr>
-            <p:extLst>
-              <p:ext uri="{D42A27DB-BD31-4B8C-83A1-F6EECF244321}">
-                <p14:modId xmlns:p14="http://schemas.microsoft.com/office/powerpoint/2010/main" val="949115078"/>
-              </p:ext>
-            </p:extLst>
-          </p:nvPr>
-        </p:nvGraphicFramePr>
-        <p:xfrm>
-          <a:off x="968828" y="1870410"/>
-          <a:ext cx="1709057" cy="1463040"/>
-        </p:xfrm>
-        <a:graphic>
-          <a:graphicData uri="http://schemas.openxmlformats.org/drawingml/2006/table">
-            <a:tbl>
-              <a:tblPr>
-                <a:tableStyleId>{5C22544A-7EE6-4342-B048-85BDC9FD1C3A}</a:tableStyleId>
-              </a:tblPr>
-              <a:tblGrid>
-                <a:gridCol w="1709057">
-                  <a:extLst>
-                    <a:ext uri="{9D8B030D-6E8A-4147-A177-3AD203B41FA5}">
-                      <a16:colId xmlns:a16="http://schemas.microsoft.com/office/drawing/2014/main" val="1234399600"/>
-                    </a:ext>
-                  </a:extLst>
-                </a:gridCol>
-              </a:tblGrid>
-              <a:tr h="370840">
-                <a:tc>
-                  <a:txBody>
-                    <a:bodyPr/>
-                    <a:lstStyle/>
-                    <a:p>
-                      <a:r>
-                        <a:rPr lang="en-US" sz="2600"/>
-                        <a:t>Pointer (a)</a:t>
-                      </a:r>
-                    </a:p>
-                  </a:txBody>
-                  <a:tcPr>
-                    <a:lnL w="12700" cap="flat" cmpd="sng" algn="ctr">
-                      <a:solidFill>
-                        <a:schemeClr val="tx1"/>
-                      </a:solidFill>
-                      <a:prstDash val="solid"/>
-                      <a:round/>
-                      <a:headEnd type="none" w="med" len="med"/>
-                      <a:tailEnd type="none" w="med" len="med"/>
-                    </a:lnL>
-                    <a:lnR w="12700" cap="flat" cmpd="sng" algn="ctr">
-                      <a:solidFill>
-                        <a:schemeClr val="tx1"/>
-                      </a:solidFill>
-                      <a:prstDash val="solid"/>
-                      <a:round/>
-                      <a:headEnd type="none" w="med" len="med"/>
-                      <a:tailEnd type="none" w="med" len="med"/>
-                    </a:lnR>
-                    <a:lnT w="12700" cap="flat" cmpd="sng" algn="ctr">
-                      <a:solidFill>
-                        <a:schemeClr val="tx1"/>
-                      </a:solidFill>
-                      <a:prstDash val="solid"/>
-                      <a:round/>
-                      <a:headEnd type="none" w="med" len="med"/>
-                      <a:tailEnd type="none" w="med" len="med"/>
-                    </a:lnT>
-                    <a:lnB w="12700" cap="flat" cmpd="sng" algn="ctr">
-                      <a:solidFill>
-                        <a:schemeClr val="tx1"/>
-                      </a:solidFill>
-                      <a:prstDash val="solid"/>
-                      <a:round/>
-                      <a:headEnd type="none" w="med" len="med"/>
-                      <a:tailEnd type="none" w="med" len="med"/>
-                    </a:lnB>
-                    <a:solidFill>
-                      <a:schemeClr val="bg1"/>
-                    </a:solidFill>
-                  </a:tcPr>
-                </a:tc>
-                <a:extLst>
-                  <a:ext uri="{0D108BD9-81ED-4DB2-BD59-A6C34878D82A}">
-                    <a16:rowId xmlns:a16="http://schemas.microsoft.com/office/drawing/2014/main" val="140790062"/>
-                  </a:ext>
-                </a:extLst>
-              </a:tr>
-              <a:tr h="370840">
-                <a:tc>
-                  <a:txBody>
-                    <a:bodyPr/>
-                    <a:lstStyle/>
-                    <a:p>
-                      <a:r>
-                        <a:rPr lang="en-US" sz="2600"/>
-                        <a:t>Pointer</a:t>
-                      </a:r>
-                      <a:r>
-                        <a:rPr lang="en-US" sz="2600" baseline="0"/>
-                        <a:t> (b)</a:t>
-                      </a:r>
-                      <a:endParaRPr lang="en-US" sz="2600"/>
-                    </a:p>
-                  </a:txBody>
-                  <a:tcPr>
-                    <a:lnL w="12700" cap="flat" cmpd="sng" algn="ctr">
-                      <a:solidFill>
-                        <a:schemeClr val="tx1"/>
-                      </a:solidFill>
-                      <a:prstDash val="solid"/>
-                      <a:round/>
-                      <a:headEnd type="none" w="med" len="med"/>
-                      <a:tailEnd type="none" w="med" len="med"/>
-                    </a:lnL>
-                    <a:lnR w="12700" cap="flat" cmpd="sng" algn="ctr">
-                      <a:solidFill>
-                        <a:schemeClr val="tx1"/>
-                      </a:solidFill>
-                      <a:prstDash val="solid"/>
-                      <a:round/>
-                      <a:headEnd type="none" w="med" len="med"/>
-                      <a:tailEnd type="none" w="med" len="med"/>
-                    </a:lnR>
-                    <a:lnT w="12700" cap="flat" cmpd="sng" algn="ctr">
-                      <a:solidFill>
-                        <a:schemeClr val="tx1"/>
-                      </a:solidFill>
-                      <a:prstDash val="solid"/>
-                      <a:round/>
-                      <a:headEnd type="none" w="med" len="med"/>
-                      <a:tailEnd type="none" w="med" len="med"/>
-                    </a:lnT>
-                    <a:lnB w="12700" cap="flat" cmpd="sng" algn="ctr">
-                      <a:solidFill>
-                        <a:schemeClr val="tx1"/>
-                      </a:solidFill>
-                      <a:prstDash val="solid"/>
-                      <a:round/>
-                      <a:headEnd type="none" w="med" len="med"/>
-                      <a:tailEnd type="none" w="med" len="med"/>
-                    </a:lnB>
-                    <a:solidFill>
-                      <a:schemeClr val="bg1"/>
-                    </a:solidFill>
-                  </a:tcPr>
-                </a:tc>
-                <a:extLst>
-                  <a:ext uri="{0D108BD9-81ED-4DB2-BD59-A6C34878D82A}">
-                    <a16:rowId xmlns:a16="http://schemas.microsoft.com/office/drawing/2014/main" val="2051485560"/>
-                  </a:ext>
-                </a:extLst>
-              </a:tr>
-              <a:tr h="370840">
-                <a:tc>
-                  <a:txBody>
-                    <a:bodyPr/>
-                    <a:lstStyle/>
-                    <a:p>
-                      <a:r>
-                        <a:rPr lang="en-US" sz="2600" b="1"/>
-                        <a:t>RAM</a:t>
-                      </a:r>
-                    </a:p>
-                  </a:txBody>
-                  <a:tcPr>
-                    <a:lnL w="12700" cap="flat" cmpd="sng" algn="ctr">
-                      <a:solidFill>
-                        <a:schemeClr val="tx1"/>
-                      </a:solidFill>
-                      <a:prstDash val="solid"/>
-                      <a:round/>
-                      <a:headEnd type="none" w="med" len="med"/>
-                      <a:tailEnd type="none" w="med" len="med"/>
-                    </a:lnL>
-                    <a:lnR w="12700" cap="flat" cmpd="sng" algn="ctr">
-                      <a:solidFill>
-                        <a:schemeClr val="tx1"/>
-                      </a:solidFill>
-                      <a:prstDash val="solid"/>
-                      <a:round/>
-                      <a:headEnd type="none" w="med" len="med"/>
-                      <a:tailEnd type="none" w="med" len="med"/>
-                    </a:lnR>
-                    <a:lnT w="12700" cap="flat" cmpd="sng" algn="ctr">
-                      <a:solidFill>
-                        <a:schemeClr val="tx1"/>
-                      </a:solidFill>
-                      <a:prstDash val="solid"/>
-                      <a:round/>
-                      <a:headEnd type="none" w="med" len="med"/>
-                      <a:tailEnd type="none" w="med" len="med"/>
-                    </a:lnT>
-                    <a:lnB w="12700" cap="flat" cmpd="sng" algn="ctr">
-                      <a:solidFill>
-                        <a:schemeClr val="tx1"/>
-                      </a:solidFill>
-                      <a:prstDash val="solid"/>
-                      <a:round/>
-                      <a:headEnd type="none" w="med" len="med"/>
-                      <a:tailEnd type="none" w="med" len="med"/>
-                    </a:lnB>
-                    <a:solidFill>
-                      <a:schemeClr val="bg1"/>
-                    </a:solidFill>
-                  </a:tcPr>
-                </a:tc>
-                <a:extLst>
-                  <a:ext uri="{0D108BD9-81ED-4DB2-BD59-A6C34878D82A}">
-                    <a16:rowId xmlns:a16="http://schemas.microsoft.com/office/drawing/2014/main" val="3385658485"/>
-                  </a:ext>
-                </a:extLst>
-              </a:tr>
-            </a:tbl>
-          </a:graphicData>
-        </a:graphic>
-      </p:graphicFrame>
-      <p:graphicFrame>
-        <p:nvGraphicFramePr>
-          <p:cNvPr id="5" name="Table 4"/>
-          <p:cNvGraphicFramePr>
-            <a:graphicFrameLocks noGrp="1"/>
-          </p:cNvGraphicFramePr>
-          <p:nvPr>
-            <p:extLst>
-              <p:ext uri="{D42A27DB-BD31-4B8C-83A1-F6EECF244321}">
-                <p14:modId xmlns:p14="http://schemas.microsoft.com/office/powerpoint/2010/main" val="1295049127"/>
-              </p:ext>
-            </p:extLst>
-          </p:nvPr>
-        </p:nvGraphicFramePr>
-        <p:xfrm>
-          <a:off x="4478383" y="1870410"/>
-          <a:ext cx="1709057" cy="1463040"/>
-        </p:xfrm>
-        <a:graphic>
-          <a:graphicData uri="http://schemas.openxmlformats.org/drawingml/2006/table">
-            <a:tbl>
-              <a:tblPr>
-                <a:tableStyleId>{5C22544A-7EE6-4342-B048-85BDC9FD1C3A}</a:tableStyleId>
-              </a:tblPr>
-              <a:tblGrid>
-                <a:gridCol w="1709057">
-                  <a:extLst>
-                    <a:ext uri="{9D8B030D-6E8A-4147-A177-3AD203B41FA5}">
-                      <a16:colId xmlns:a16="http://schemas.microsoft.com/office/drawing/2014/main" val="1234399600"/>
-                    </a:ext>
-                  </a:extLst>
-                </a:gridCol>
-              </a:tblGrid>
-              <a:tr h="370840">
-                <a:tc>
-                  <a:txBody>
-                    <a:bodyPr/>
-                    <a:lstStyle/>
-                    <a:p>
-                      <a:r>
-                        <a:rPr lang="en-US" sz="2600"/>
-                        <a:t>5</a:t>
-                      </a:r>
-                    </a:p>
-                  </a:txBody>
-                  <a:tcPr>
-                    <a:lnL w="12700" cap="flat" cmpd="sng" algn="ctr">
-                      <a:solidFill>
-                        <a:schemeClr val="tx1"/>
-                      </a:solidFill>
-                      <a:prstDash val="solid"/>
-                      <a:round/>
-                      <a:headEnd type="none" w="med" len="med"/>
-                      <a:tailEnd type="none" w="med" len="med"/>
-                    </a:lnL>
-                    <a:lnR w="12700" cap="flat" cmpd="sng" algn="ctr">
-                      <a:solidFill>
-                        <a:schemeClr val="tx1"/>
-                      </a:solidFill>
-                      <a:prstDash val="solid"/>
-                      <a:round/>
-                      <a:headEnd type="none" w="med" len="med"/>
-                      <a:tailEnd type="none" w="med" len="med"/>
-                    </a:lnR>
-                    <a:lnT w="12700" cap="flat" cmpd="sng" algn="ctr">
-                      <a:solidFill>
-                        <a:schemeClr val="tx1"/>
-                      </a:solidFill>
-                      <a:prstDash val="solid"/>
-                      <a:round/>
-                      <a:headEnd type="none" w="med" len="med"/>
-                      <a:tailEnd type="none" w="med" len="med"/>
-                    </a:lnT>
-                    <a:lnB w="12700" cap="flat" cmpd="sng" algn="ctr">
-                      <a:solidFill>
-                        <a:schemeClr val="tx1"/>
-                      </a:solidFill>
-                      <a:prstDash val="solid"/>
-                      <a:round/>
-                      <a:headEnd type="none" w="med" len="med"/>
-                      <a:tailEnd type="none" w="med" len="med"/>
-                    </a:lnB>
-                    <a:solidFill>
-                      <a:schemeClr val="bg1"/>
-                    </a:solidFill>
-                  </a:tcPr>
-                </a:tc>
-                <a:extLst>
-                  <a:ext uri="{0D108BD9-81ED-4DB2-BD59-A6C34878D82A}">
-                    <a16:rowId xmlns:a16="http://schemas.microsoft.com/office/drawing/2014/main" val="140790062"/>
-                  </a:ext>
-                </a:extLst>
-              </a:tr>
-              <a:tr h="370840">
-                <a:tc>
-                  <a:txBody>
-                    <a:bodyPr/>
-                    <a:lstStyle/>
-                    <a:p>
-                      <a:endParaRPr lang="en-US" sz="2600"/>
-                    </a:p>
-                  </a:txBody>
-                  <a:tcPr>
-                    <a:lnL w="12700" cap="flat" cmpd="sng" algn="ctr">
-                      <a:solidFill>
-                        <a:schemeClr val="tx1"/>
-                      </a:solidFill>
-                      <a:prstDash val="solid"/>
-                      <a:round/>
-                      <a:headEnd type="none" w="med" len="med"/>
-                      <a:tailEnd type="none" w="med" len="med"/>
-                    </a:lnL>
-                    <a:lnR w="12700" cap="flat" cmpd="sng" algn="ctr">
-                      <a:solidFill>
-                        <a:schemeClr val="tx1"/>
-                      </a:solidFill>
-                      <a:prstDash val="solid"/>
-                      <a:round/>
-                      <a:headEnd type="none" w="med" len="med"/>
-                      <a:tailEnd type="none" w="med" len="med"/>
-                    </a:lnR>
-                    <a:lnT w="12700" cap="flat" cmpd="sng" algn="ctr">
-                      <a:solidFill>
-                        <a:schemeClr val="tx1"/>
-                      </a:solidFill>
-                      <a:prstDash val="solid"/>
-                      <a:round/>
-                      <a:headEnd type="none" w="med" len="med"/>
-                      <a:tailEnd type="none" w="med" len="med"/>
-                    </a:lnT>
-                    <a:lnB w="12700" cap="flat" cmpd="sng" algn="ctr">
-                      <a:solidFill>
-                        <a:schemeClr val="tx1"/>
-                      </a:solidFill>
-                      <a:prstDash val="solid"/>
-                      <a:round/>
-                      <a:headEnd type="none" w="med" len="med"/>
-                      <a:tailEnd type="none" w="med" len="med"/>
-                    </a:lnB>
-                    <a:solidFill>
-                      <a:schemeClr val="bg1"/>
-                    </a:solidFill>
-                  </a:tcPr>
-                </a:tc>
-                <a:extLst>
-                  <a:ext uri="{0D108BD9-81ED-4DB2-BD59-A6C34878D82A}">
-                    <a16:rowId xmlns:a16="http://schemas.microsoft.com/office/drawing/2014/main" val="2051485560"/>
-                  </a:ext>
-                </a:extLst>
-              </a:tr>
-              <a:tr h="370840">
-                <a:tc>
-                  <a:txBody>
-                    <a:bodyPr/>
-                    <a:lstStyle/>
-                    <a:p>
-                      <a:r>
-                        <a:rPr lang="en-US" sz="2600" b="1"/>
-                        <a:t>RAM</a:t>
-                      </a:r>
-                    </a:p>
-                  </a:txBody>
-                  <a:tcPr>
-                    <a:lnL w="12700" cap="flat" cmpd="sng" algn="ctr">
-                      <a:solidFill>
-                        <a:schemeClr val="tx1"/>
-                      </a:solidFill>
-                      <a:prstDash val="solid"/>
-                      <a:round/>
-                      <a:headEnd type="none" w="med" len="med"/>
-                      <a:tailEnd type="none" w="med" len="med"/>
-                    </a:lnL>
-                    <a:lnR w="12700" cap="flat" cmpd="sng" algn="ctr">
-                      <a:solidFill>
-                        <a:schemeClr val="tx1"/>
-                      </a:solidFill>
-                      <a:prstDash val="solid"/>
-                      <a:round/>
-                      <a:headEnd type="none" w="med" len="med"/>
-                      <a:tailEnd type="none" w="med" len="med"/>
-                    </a:lnR>
-                    <a:lnT w="12700" cap="flat" cmpd="sng" algn="ctr">
-                      <a:solidFill>
-                        <a:schemeClr val="tx1"/>
-                      </a:solidFill>
-                      <a:prstDash val="solid"/>
-                      <a:round/>
-                      <a:headEnd type="none" w="med" len="med"/>
-                      <a:tailEnd type="none" w="med" len="med"/>
-                    </a:lnT>
-                    <a:lnB w="12700" cap="flat" cmpd="sng" algn="ctr">
-                      <a:solidFill>
-                        <a:schemeClr val="tx1"/>
-                      </a:solidFill>
-                      <a:prstDash val="solid"/>
-                      <a:round/>
-                      <a:headEnd type="none" w="med" len="med"/>
-                      <a:tailEnd type="none" w="med" len="med"/>
-                    </a:lnB>
-                    <a:solidFill>
-                      <a:schemeClr val="bg1"/>
-                    </a:solidFill>
-                  </a:tcPr>
-                </a:tc>
-                <a:extLst>
-                  <a:ext uri="{0D108BD9-81ED-4DB2-BD59-A6C34878D82A}">
-                    <a16:rowId xmlns:a16="http://schemas.microsoft.com/office/drawing/2014/main" val="3385658485"/>
-                  </a:ext>
-                </a:extLst>
-              </a:tr>
-            </a:tbl>
-          </a:graphicData>
-        </a:graphic>
-      </p:graphicFrame>
-      <p:sp>
-        <p:nvSpPr>
-          <p:cNvPr id="31" name="Content Placeholder 2"/>
-          <p:cNvSpPr txBox="1">
-            <a:spLocks/>
-          </p:cNvSpPr>
-          <p:nvPr/>
-        </p:nvSpPr>
-        <p:spPr>
-          <a:xfrm>
-            <a:off x="838200" y="3748303"/>
-            <a:ext cx="3498669" cy="3005194"/>
-          </a:xfrm>
-          <a:prstGeom prst="rect">
-            <a:avLst/>
-          </a:prstGeom>
-        </p:spPr>
-        <p:txBody>
-          <a:bodyPr vert="horz" lIns="91440" tIns="45720" rIns="91440" bIns="45720" rtlCol="0">
-            <a:normAutofit/>
-          </a:bodyPr>
-          <a:lstStyle>
-            <a:lvl1pPr marL="228600" indent="-228600" algn="l" defTabSz="914400" rtl="0" eaLnBrk="1" latinLnBrk="0" hangingPunct="1">
-              <a:lnSpc>
-                <a:spcPct val="90000"/>
-              </a:lnSpc>
-              <a:spcBef>
-                <a:spcPts val="1000"/>
-              </a:spcBef>
-              <a:buFont typeface="Arial" panose="020B0604020202020204" pitchFamily="34" charset="0"/>
-              <a:buChar char="•"/>
-              <a:defRPr sz="2800" kern="1200">
-                <a:solidFill>
-                  <a:schemeClr val="tx1"/>
-                </a:solidFill>
-                <a:latin typeface="+mn-lt"/>
-                <a:ea typeface="+mn-ea"/>
-                <a:cs typeface="+mn-cs"/>
-              </a:defRPr>
-            </a:lvl1pPr>
-            <a:lvl2pPr marL="685800" indent="-228600" algn="l" defTabSz="914400" rtl="0" eaLnBrk="1" latinLnBrk="0" hangingPunct="1">
-              <a:lnSpc>
-                <a:spcPct val="90000"/>
-              </a:lnSpc>
-              <a:spcBef>
-                <a:spcPts val="500"/>
-              </a:spcBef>
-              <a:buFont typeface="Arial" panose="020B0604020202020204" pitchFamily="34" charset="0"/>
-              <a:buChar char="•"/>
-              <a:defRPr sz="2400" kern="1200">
-                <a:solidFill>
-                  <a:schemeClr val="tx1"/>
-                </a:solidFill>
-                <a:latin typeface="+mn-lt"/>
-                <a:ea typeface="+mn-ea"/>
-                <a:cs typeface="+mn-cs"/>
-              </a:defRPr>
-            </a:lvl2pPr>
-            <a:lvl3pPr marL="1143000" indent="-228600" algn="l" defTabSz="914400" rtl="0" eaLnBrk="1" latinLnBrk="0" hangingPunct="1">
-              <a:lnSpc>
-                <a:spcPct val="90000"/>
-              </a:lnSpc>
-              <a:spcBef>
-                <a:spcPts val="500"/>
-              </a:spcBef>
-              <a:buFont typeface="Arial" panose="020B0604020202020204" pitchFamily="34" charset="0"/>
-              <a:buChar char="•"/>
-              <a:defRPr sz="2000" kern="1200">
-                <a:solidFill>
-                  <a:schemeClr val="tx1"/>
-                </a:solidFill>
-                <a:latin typeface="+mn-lt"/>
-                <a:ea typeface="+mn-ea"/>
-                <a:cs typeface="+mn-cs"/>
-              </a:defRPr>
-            </a:lvl3pPr>
-            <a:lvl4pPr marL="1600200" indent="-228600" algn="l" defTabSz="914400" rtl="0" eaLnBrk="1" latinLnBrk="0" hangingPunct="1">
-              <a:lnSpc>
-                <a:spcPct val="90000"/>
-              </a:lnSpc>
-              <a:spcBef>
-                <a:spcPts val="500"/>
-              </a:spcBef>
-              <a:buFont typeface="Arial" panose="020B0604020202020204" pitchFamily="34" charset="0"/>
-              <a:buChar char="•"/>
-              <a:defRPr sz="1800" kern="1200">
-                <a:solidFill>
-                  <a:schemeClr val="tx1"/>
-                </a:solidFill>
-                <a:latin typeface="+mn-lt"/>
-                <a:ea typeface="+mn-ea"/>
-                <a:cs typeface="+mn-cs"/>
-              </a:defRPr>
-            </a:lvl4pPr>
-            <a:lvl5pPr marL="2057400" indent="-228600" algn="l" defTabSz="914400" rtl="0" eaLnBrk="1" latinLnBrk="0" hangingPunct="1">
-              <a:lnSpc>
-                <a:spcPct val="90000"/>
-              </a:lnSpc>
-              <a:spcBef>
-                <a:spcPts val="500"/>
-              </a:spcBef>
-              <a:buFont typeface="Arial" panose="020B0604020202020204" pitchFamily="34" charset="0"/>
-              <a:buChar char="•"/>
-              <a:defRPr sz="1800" kern="1200">
-                <a:solidFill>
-                  <a:schemeClr val="tx1"/>
-                </a:solidFill>
-                <a:latin typeface="+mn-lt"/>
-                <a:ea typeface="+mn-ea"/>
-                <a:cs typeface="+mn-cs"/>
-              </a:defRPr>
-            </a:lvl5pPr>
-            <a:lvl6pPr marL="2514600" indent="-228600" algn="l" defTabSz="914400" rtl="0" eaLnBrk="1" latinLnBrk="0" hangingPunct="1">
-              <a:lnSpc>
-                <a:spcPct val="90000"/>
-              </a:lnSpc>
-              <a:spcBef>
-                <a:spcPts val="500"/>
-              </a:spcBef>
-              <a:buFont typeface="Arial" panose="020B0604020202020204" pitchFamily="34" charset="0"/>
-              <a:buChar char="•"/>
-              <a:defRPr sz="1800" kern="1200">
-                <a:solidFill>
-                  <a:schemeClr val="tx1"/>
-                </a:solidFill>
-                <a:latin typeface="+mn-lt"/>
-                <a:ea typeface="+mn-ea"/>
-                <a:cs typeface="+mn-cs"/>
-              </a:defRPr>
-            </a:lvl6pPr>
-            <a:lvl7pPr marL="2971800" indent="-228600" algn="l" defTabSz="914400" rtl="0" eaLnBrk="1" latinLnBrk="0" hangingPunct="1">
-              <a:lnSpc>
-                <a:spcPct val="90000"/>
-              </a:lnSpc>
-              <a:spcBef>
-                <a:spcPts val="500"/>
-              </a:spcBef>
-              <a:buFont typeface="Arial" panose="020B0604020202020204" pitchFamily="34" charset="0"/>
-              <a:buChar char="•"/>
-              <a:defRPr sz="1800" kern="1200">
-                <a:solidFill>
-                  <a:schemeClr val="tx1"/>
-                </a:solidFill>
-                <a:latin typeface="+mn-lt"/>
-                <a:ea typeface="+mn-ea"/>
-                <a:cs typeface="+mn-cs"/>
-              </a:defRPr>
-            </a:lvl7pPr>
-            <a:lvl8pPr marL="3429000" indent="-228600" algn="l" defTabSz="914400" rtl="0" eaLnBrk="1" latinLnBrk="0" hangingPunct="1">
-              <a:lnSpc>
-                <a:spcPct val="90000"/>
-              </a:lnSpc>
-              <a:spcBef>
-                <a:spcPts val="500"/>
-              </a:spcBef>
-              <a:buFont typeface="Arial" panose="020B0604020202020204" pitchFamily="34" charset="0"/>
-              <a:buChar char="•"/>
-              <a:defRPr sz="1800" kern="1200">
-                <a:solidFill>
-                  <a:schemeClr val="tx1"/>
-                </a:solidFill>
-                <a:latin typeface="+mn-lt"/>
-                <a:ea typeface="+mn-ea"/>
-                <a:cs typeface="+mn-cs"/>
-              </a:defRPr>
-            </a:lvl8pPr>
-            <a:lvl9pPr marL="3886200" indent="-228600" algn="l" defTabSz="914400" rtl="0" eaLnBrk="1" latinLnBrk="0" hangingPunct="1">
-              <a:lnSpc>
-                <a:spcPct val="90000"/>
-              </a:lnSpc>
-              <a:spcBef>
-                <a:spcPts val="500"/>
-              </a:spcBef>
-              <a:buFont typeface="Arial" panose="020B0604020202020204" pitchFamily="34" charset="0"/>
-              <a:buChar char="•"/>
-              <a:defRPr sz="1800" kern="1200">
-                <a:solidFill>
-                  <a:schemeClr val="tx1"/>
-                </a:solidFill>
-                <a:latin typeface="+mn-lt"/>
-                <a:ea typeface="+mn-ea"/>
-                <a:cs typeface="+mn-cs"/>
-              </a:defRPr>
-            </a:lvl9pPr>
-          </a:lstStyle>
-          <a:p>
-            <a:pPr marL="0" indent="0">
-              <a:buFont typeface="Arial" panose="020B0604020202020204" pitchFamily="34" charset="0"/>
-              <a:buNone/>
-            </a:pPr>
-            <a:r>
-              <a:rPr lang="en-US"/>
-              <a:t>class A {</a:t>
-            </a:r>
-          </a:p>
-          <a:p>
-            <a:pPr marL="0" indent="0">
-              <a:buFont typeface="Arial" panose="020B0604020202020204" pitchFamily="34" charset="0"/>
-              <a:buNone/>
-            </a:pPr>
-            <a:r>
-              <a:rPr lang="en-US"/>
-              <a:t>	int *pointer;</a:t>
-            </a:r>
-          </a:p>
-          <a:p>
-            <a:pPr marL="0" indent="0">
-              <a:buFont typeface="Arial" panose="020B0604020202020204" pitchFamily="34" charset="0"/>
-              <a:buNone/>
-            </a:pPr>
-            <a:r>
-              <a:rPr lang="en-US"/>
-              <a:t>}</a:t>
-            </a:r>
-          </a:p>
-          <a:p>
-            <a:pPr marL="0" indent="0">
-              <a:buFont typeface="Arial" panose="020B0604020202020204" pitchFamily="34" charset="0"/>
-              <a:buNone/>
-            </a:pPr>
-            <a:r>
-              <a:rPr lang="en-US"/>
-              <a:t>A a = A();</a:t>
-            </a:r>
-          </a:p>
-          <a:p>
-            <a:pPr marL="0" indent="0">
-              <a:buFont typeface="Arial" panose="020B0604020202020204" pitchFamily="34" charset="0"/>
-              <a:buNone/>
-            </a:pPr>
-            <a:r>
-              <a:rPr lang="en-US"/>
-              <a:t>A b = a;</a:t>
-            </a:r>
-          </a:p>
-        </p:txBody>
-      </p:sp>
-      <p:cxnSp>
-        <p:nvCxnSpPr>
-          <p:cNvPr id="9" name="Straight Arrow Connector 8"/>
-          <p:cNvCxnSpPr/>
-          <p:nvPr/>
-        </p:nvCxnSpPr>
-        <p:spPr>
-          <a:xfrm>
-            <a:off x="2677885" y="2116183"/>
-            <a:ext cx="1800498" cy="0"/>
-          </a:xfrm>
-          <a:prstGeom prst="straightConnector1">
-            <a:avLst/>
-          </a:prstGeom>
-          <a:ln w="28575">
-            <a:tailEnd type="triangle"/>
-          </a:ln>
-        </p:spPr>
-        <p:style>
-          <a:lnRef idx="1">
-            <a:schemeClr val="dk1"/>
-          </a:lnRef>
-          <a:fillRef idx="0">
-            <a:schemeClr val="dk1"/>
-          </a:fillRef>
-          <a:effectRef idx="0">
-            <a:schemeClr val="dk1"/>
-          </a:effectRef>
-          <a:fontRef idx="minor">
-            <a:schemeClr val="tx1"/>
-          </a:fontRef>
-        </p:style>
-      </p:cxnSp>
-      <p:cxnSp>
-        <p:nvCxnSpPr>
-          <p:cNvPr id="16" name="Straight Arrow Connector 15"/>
-          <p:cNvCxnSpPr>
-            <a:stCxn id="4" idx="3"/>
-          </p:cNvCxnSpPr>
-          <p:nvPr/>
-        </p:nvCxnSpPr>
-        <p:spPr>
-          <a:xfrm flipV="1">
-            <a:off x="2677885" y="2116183"/>
-            <a:ext cx="1800498" cy="485747"/>
-          </a:xfrm>
-          <a:prstGeom prst="straightConnector1">
-            <a:avLst/>
-          </a:prstGeom>
-          <a:ln w="28575">
-            <a:tailEnd type="triangle"/>
-          </a:ln>
-        </p:spPr>
-        <p:style>
-          <a:lnRef idx="1">
-            <a:schemeClr val="dk1"/>
-          </a:lnRef>
-          <a:fillRef idx="0">
-            <a:schemeClr val="dk1"/>
-          </a:fillRef>
-          <a:effectRef idx="0">
-            <a:schemeClr val="dk1"/>
-          </a:effectRef>
-          <a:fontRef idx="minor">
-            <a:schemeClr val="tx1"/>
-          </a:fontRef>
-        </p:style>
-      </p:cxnSp>
-      <p:sp>
-        <p:nvSpPr>
-          <p:cNvPr id="20" name="Content Placeholder 2"/>
-          <p:cNvSpPr txBox="1">
-            <a:spLocks/>
-          </p:cNvSpPr>
-          <p:nvPr/>
-        </p:nvSpPr>
-        <p:spPr>
-          <a:xfrm>
-            <a:off x="4021183" y="3748303"/>
-            <a:ext cx="3498669" cy="3005194"/>
-          </a:xfrm>
-          <a:prstGeom prst="rect">
-            <a:avLst/>
-          </a:prstGeom>
-        </p:spPr>
-        <p:txBody>
-          <a:bodyPr vert="horz" lIns="91440" tIns="45720" rIns="91440" bIns="45720" rtlCol="0">
-            <a:normAutofit/>
-          </a:bodyPr>
-          <a:lstStyle>
-            <a:lvl1pPr marL="228600" indent="-228600" algn="l" defTabSz="914400" rtl="0" eaLnBrk="1" latinLnBrk="0" hangingPunct="1">
-              <a:lnSpc>
-                <a:spcPct val="90000"/>
-              </a:lnSpc>
-              <a:spcBef>
-                <a:spcPts val="1000"/>
-              </a:spcBef>
-              <a:buFont typeface="Arial" panose="020B0604020202020204" pitchFamily="34" charset="0"/>
-              <a:buChar char="•"/>
-              <a:defRPr sz="2800" kern="1200">
-                <a:solidFill>
-                  <a:schemeClr val="tx1"/>
-                </a:solidFill>
-                <a:latin typeface="+mn-lt"/>
-                <a:ea typeface="+mn-ea"/>
-                <a:cs typeface="+mn-cs"/>
-              </a:defRPr>
-            </a:lvl1pPr>
-            <a:lvl2pPr marL="685800" indent="-228600" algn="l" defTabSz="914400" rtl="0" eaLnBrk="1" latinLnBrk="0" hangingPunct="1">
-              <a:lnSpc>
-                <a:spcPct val="90000"/>
-              </a:lnSpc>
-              <a:spcBef>
-                <a:spcPts val="500"/>
-              </a:spcBef>
-              <a:buFont typeface="Arial" panose="020B0604020202020204" pitchFamily="34" charset="0"/>
-              <a:buChar char="•"/>
-              <a:defRPr sz="2400" kern="1200">
-                <a:solidFill>
-                  <a:schemeClr val="tx1"/>
-                </a:solidFill>
-                <a:latin typeface="+mn-lt"/>
-                <a:ea typeface="+mn-ea"/>
-                <a:cs typeface="+mn-cs"/>
-              </a:defRPr>
-            </a:lvl2pPr>
-            <a:lvl3pPr marL="1143000" indent="-228600" algn="l" defTabSz="914400" rtl="0" eaLnBrk="1" latinLnBrk="0" hangingPunct="1">
-              <a:lnSpc>
-                <a:spcPct val="90000"/>
-              </a:lnSpc>
-              <a:spcBef>
-                <a:spcPts val="500"/>
-              </a:spcBef>
-              <a:buFont typeface="Arial" panose="020B0604020202020204" pitchFamily="34" charset="0"/>
-              <a:buChar char="•"/>
-              <a:defRPr sz="2000" kern="1200">
-                <a:solidFill>
-                  <a:schemeClr val="tx1"/>
-                </a:solidFill>
-                <a:latin typeface="+mn-lt"/>
-                <a:ea typeface="+mn-ea"/>
-                <a:cs typeface="+mn-cs"/>
-              </a:defRPr>
-            </a:lvl3pPr>
-            <a:lvl4pPr marL="1600200" indent="-228600" algn="l" defTabSz="914400" rtl="0" eaLnBrk="1" latinLnBrk="0" hangingPunct="1">
-              <a:lnSpc>
-                <a:spcPct val="90000"/>
-              </a:lnSpc>
-              <a:spcBef>
-                <a:spcPts val="500"/>
-              </a:spcBef>
-              <a:buFont typeface="Arial" panose="020B0604020202020204" pitchFamily="34" charset="0"/>
-              <a:buChar char="•"/>
-              <a:defRPr sz="1800" kern="1200">
-                <a:solidFill>
-                  <a:schemeClr val="tx1"/>
-                </a:solidFill>
-                <a:latin typeface="+mn-lt"/>
-                <a:ea typeface="+mn-ea"/>
-                <a:cs typeface="+mn-cs"/>
-              </a:defRPr>
-            </a:lvl4pPr>
-            <a:lvl5pPr marL="2057400" indent="-228600" algn="l" defTabSz="914400" rtl="0" eaLnBrk="1" latinLnBrk="0" hangingPunct="1">
-              <a:lnSpc>
-                <a:spcPct val="90000"/>
-              </a:lnSpc>
-              <a:spcBef>
-                <a:spcPts val="500"/>
-              </a:spcBef>
-              <a:buFont typeface="Arial" panose="020B0604020202020204" pitchFamily="34" charset="0"/>
-              <a:buChar char="•"/>
-              <a:defRPr sz="1800" kern="1200">
-                <a:solidFill>
-                  <a:schemeClr val="tx1"/>
-                </a:solidFill>
-                <a:latin typeface="+mn-lt"/>
-                <a:ea typeface="+mn-ea"/>
-                <a:cs typeface="+mn-cs"/>
-              </a:defRPr>
-            </a:lvl5pPr>
-            <a:lvl6pPr marL="2514600" indent="-228600" algn="l" defTabSz="914400" rtl="0" eaLnBrk="1" latinLnBrk="0" hangingPunct="1">
-              <a:lnSpc>
-                <a:spcPct val="90000"/>
-              </a:lnSpc>
-              <a:spcBef>
-                <a:spcPts val="500"/>
-              </a:spcBef>
-              <a:buFont typeface="Arial" panose="020B0604020202020204" pitchFamily="34" charset="0"/>
-              <a:buChar char="•"/>
-              <a:defRPr sz="1800" kern="1200">
-                <a:solidFill>
-                  <a:schemeClr val="tx1"/>
-                </a:solidFill>
-                <a:latin typeface="+mn-lt"/>
-                <a:ea typeface="+mn-ea"/>
-                <a:cs typeface="+mn-cs"/>
-              </a:defRPr>
-            </a:lvl6pPr>
-            <a:lvl7pPr marL="2971800" indent="-228600" algn="l" defTabSz="914400" rtl="0" eaLnBrk="1" latinLnBrk="0" hangingPunct="1">
-              <a:lnSpc>
-                <a:spcPct val="90000"/>
-              </a:lnSpc>
-              <a:spcBef>
-                <a:spcPts val="500"/>
-              </a:spcBef>
-              <a:buFont typeface="Arial" panose="020B0604020202020204" pitchFamily="34" charset="0"/>
-              <a:buChar char="•"/>
-              <a:defRPr sz="1800" kern="1200">
-                <a:solidFill>
-                  <a:schemeClr val="tx1"/>
-                </a:solidFill>
-                <a:latin typeface="+mn-lt"/>
-                <a:ea typeface="+mn-ea"/>
-                <a:cs typeface="+mn-cs"/>
-              </a:defRPr>
-            </a:lvl7pPr>
-            <a:lvl8pPr marL="3429000" indent="-228600" algn="l" defTabSz="914400" rtl="0" eaLnBrk="1" latinLnBrk="0" hangingPunct="1">
-              <a:lnSpc>
-                <a:spcPct val="90000"/>
-              </a:lnSpc>
-              <a:spcBef>
-                <a:spcPts val="500"/>
-              </a:spcBef>
-              <a:buFont typeface="Arial" panose="020B0604020202020204" pitchFamily="34" charset="0"/>
-              <a:buChar char="•"/>
-              <a:defRPr sz="1800" kern="1200">
-                <a:solidFill>
-                  <a:schemeClr val="tx1"/>
-                </a:solidFill>
-                <a:latin typeface="+mn-lt"/>
-                <a:ea typeface="+mn-ea"/>
-                <a:cs typeface="+mn-cs"/>
-              </a:defRPr>
-            </a:lvl8pPr>
-            <a:lvl9pPr marL="3886200" indent="-228600" algn="l" defTabSz="914400" rtl="0" eaLnBrk="1" latinLnBrk="0" hangingPunct="1">
-              <a:lnSpc>
-                <a:spcPct val="90000"/>
-              </a:lnSpc>
-              <a:spcBef>
-                <a:spcPts val="500"/>
-              </a:spcBef>
-              <a:buFont typeface="Arial" panose="020B0604020202020204" pitchFamily="34" charset="0"/>
-              <a:buChar char="•"/>
-              <a:defRPr sz="1800" kern="1200">
-                <a:solidFill>
-                  <a:schemeClr val="tx1"/>
-                </a:solidFill>
-                <a:latin typeface="+mn-lt"/>
-                <a:ea typeface="+mn-ea"/>
-                <a:cs typeface="+mn-cs"/>
-              </a:defRPr>
-            </a:lvl9pPr>
-          </a:lstStyle>
-          <a:p>
-            <a:pPr marL="0" indent="0">
-              <a:buFont typeface="Arial" panose="020B0604020202020204" pitchFamily="34" charset="0"/>
-              <a:buNone/>
-            </a:pPr>
-            <a:r>
-              <a:rPr lang="en-US"/>
-              <a:t>~ A {</a:t>
-            </a:r>
-          </a:p>
-          <a:p>
-            <a:pPr marL="0" indent="0">
-              <a:buFont typeface="Arial" panose="020B0604020202020204" pitchFamily="34" charset="0"/>
-              <a:buNone/>
-            </a:pPr>
-            <a:r>
-              <a:rPr lang="en-US"/>
-              <a:t>	delete pointer;</a:t>
-            </a:r>
-          </a:p>
-          <a:p>
-            <a:pPr marL="0" indent="0">
-              <a:buFont typeface="Arial" panose="020B0604020202020204" pitchFamily="34" charset="0"/>
-              <a:buNone/>
-            </a:pPr>
-            <a:r>
-              <a:rPr lang="en-US"/>
-              <a:t>}</a:t>
-            </a:r>
-          </a:p>
-          <a:p>
-            <a:pPr marL="0" indent="0">
-              <a:buFont typeface="Arial" panose="020B0604020202020204" pitchFamily="34" charset="0"/>
-              <a:buNone/>
-            </a:pPr>
-            <a:r>
-              <a:rPr lang="en-US"/>
-              <a:t>delete a;</a:t>
-            </a:r>
-          </a:p>
-          <a:p>
-            <a:pPr marL="0" indent="0">
-              <a:buFont typeface="Arial" panose="020B0604020202020204" pitchFamily="34" charset="0"/>
-              <a:buNone/>
-            </a:pPr>
-            <a:r>
-              <a:rPr lang="en-US"/>
-              <a:t>delete b;</a:t>
-            </a:r>
-          </a:p>
-        </p:txBody>
-      </p:sp>
-      <p:sp>
-        <p:nvSpPr>
-          <p:cNvPr id="21" name="Content Placeholder 2"/>
-          <p:cNvSpPr txBox="1">
-            <a:spLocks/>
-          </p:cNvSpPr>
-          <p:nvPr/>
-        </p:nvSpPr>
-        <p:spPr>
-          <a:xfrm>
-            <a:off x="7519852" y="3748303"/>
-            <a:ext cx="3498669" cy="3005194"/>
-          </a:xfrm>
-          <a:prstGeom prst="rect">
-            <a:avLst/>
-          </a:prstGeom>
-        </p:spPr>
-        <p:txBody>
-          <a:bodyPr vert="horz" lIns="91440" tIns="45720" rIns="91440" bIns="45720" rtlCol="0">
-            <a:normAutofit/>
-          </a:bodyPr>
-          <a:lstStyle>
-            <a:lvl1pPr marL="228600" indent="-228600" algn="l" defTabSz="914400" rtl="0" eaLnBrk="1" latinLnBrk="0" hangingPunct="1">
-              <a:lnSpc>
-                <a:spcPct val="90000"/>
-              </a:lnSpc>
-              <a:spcBef>
-                <a:spcPts val="1000"/>
-              </a:spcBef>
-              <a:buFont typeface="Arial" panose="020B0604020202020204" pitchFamily="34" charset="0"/>
-              <a:buChar char="•"/>
-              <a:defRPr sz="2800" kern="1200">
-                <a:solidFill>
-                  <a:schemeClr val="tx1"/>
-                </a:solidFill>
-                <a:latin typeface="+mn-lt"/>
-                <a:ea typeface="+mn-ea"/>
-                <a:cs typeface="+mn-cs"/>
-              </a:defRPr>
-            </a:lvl1pPr>
-            <a:lvl2pPr marL="685800" indent="-228600" algn="l" defTabSz="914400" rtl="0" eaLnBrk="1" latinLnBrk="0" hangingPunct="1">
-              <a:lnSpc>
-                <a:spcPct val="90000"/>
-              </a:lnSpc>
-              <a:spcBef>
-                <a:spcPts val="500"/>
-              </a:spcBef>
-              <a:buFont typeface="Arial" panose="020B0604020202020204" pitchFamily="34" charset="0"/>
-              <a:buChar char="•"/>
-              <a:defRPr sz="2400" kern="1200">
-                <a:solidFill>
-                  <a:schemeClr val="tx1"/>
-                </a:solidFill>
-                <a:latin typeface="+mn-lt"/>
-                <a:ea typeface="+mn-ea"/>
-                <a:cs typeface="+mn-cs"/>
-              </a:defRPr>
-            </a:lvl2pPr>
-            <a:lvl3pPr marL="1143000" indent="-228600" algn="l" defTabSz="914400" rtl="0" eaLnBrk="1" latinLnBrk="0" hangingPunct="1">
-              <a:lnSpc>
-                <a:spcPct val="90000"/>
-              </a:lnSpc>
-              <a:spcBef>
-                <a:spcPts val="500"/>
-              </a:spcBef>
-              <a:buFont typeface="Arial" panose="020B0604020202020204" pitchFamily="34" charset="0"/>
-              <a:buChar char="•"/>
-              <a:defRPr sz="2000" kern="1200">
-                <a:solidFill>
-                  <a:schemeClr val="tx1"/>
-                </a:solidFill>
-                <a:latin typeface="+mn-lt"/>
-                <a:ea typeface="+mn-ea"/>
-                <a:cs typeface="+mn-cs"/>
-              </a:defRPr>
-            </a:lvl3pPr>
-            <a:lvl4pPr marL="1600200" indent="-228600" algn="l" defTabSz="914400" rtl="0" eaLnBrk="1" latinLnBrk="0" hangingPunct="1">
-              <a:lnSpc>
-                <a:spcPct val="90000"/>
-              </a:lnSpc>
-              <a:spcBef>
-                <a:spcPts val="500"/>
-              </a:spcBef>
-              <a:buFont typeface="Arial" panose="020B0604020202020204" pitchFamily="34" charset="0"/>
-              <a:buChar char="•"/>
-              <a:defRPr sz="1800" kern="1200">
-                <a:solidFill>
-                  <a:schemeClr val="tx1"/>
-                </a:solidFill>
-                <a:latin typeface="+mn-lt"/>
-                <a:ea typeface="+mn-ea"/>
-                <a:cs typeface="+mn-cs"/>
-              </a:defRPr>
-            </a:lvl4pPr>
-            <a:lvl5pPr marL="2057400" indent="-228600" algn="l" defTabSz="914400" rtl="0" eaLnBrk="1" latinLnBrk="0" hangingPunct="1">
-              <a:lnSpc>
-                <a:spcPct val="90000"/>
-              </a:lnSpc>
-              <a:spcBef>
-                <a:spcPts val="500"/>
-              </a:spcBef>
-              <a:buFont typeface="Arial" panose="020B0604020202020204" pitchFamily="34" charset="0"/>
-              <a:buChar char="•"/>
-              <a:defRPr sz="1800" kern="1200">
-                <a:solidFill>
-                  <a:schemeClr val="tx1"/>
-                </a:solidFill>
-                <a:latin typeface="+mn-lt"/>
-                <a:ea typeface="+mn-ea"/>
-                <a:cs typeface="+mn-cs"/>
-              </a:defRPr>
-            </a:lvl5pPr>
-            <a:lvl6pPr marL="2514600" indent="-228600" algn="l" defTabSz="914400" rtl="0" eaLnBrk="1" latinLnBrk="0" hangingPunct="1">
-              <a:lnSpc>
-                <a:spcPct val="90000"/>
-              </a:lnSpc>
-              <a:spcBef>
-                <a:spcPts val="500"/>
-              </a:spcBef>
-              <a:buFont typeface="Arial" panose="020B0604020202020204" pitchFamily="34" charset="0"/>
-              <a:buChar char="•"/>
-              <a:defRPr sz="1800" kern="1200">
-                <a:solidFill>
-                  <a:schemeClr val="tx1"/>
-                </a:solidFill>
-                <a:latin typeface="+mn-lt"/>
-                <a:ea typeface="+mn-ea"/>
-                <a:cs typeface="+mn-cs"/>
-              </a:defRPr>
-            </a:lvl6pPr>
-            <a:lvl7pPr marL="2971800" indent="-228600" algn="l" defTabSz="914400" rtl="0" eaLnBrk="1" latinLnBrk="0" hangingPunct="1">
-              <a:lnSpc>
-                <a:spcPct val="90000"/>
-              </a:lnSpc>
-              <a:spcBef>
-                <a:spcPts val="500"/>
-              </a:spcBef>
-              <a:buFont typeface="Arial" panose="020B0604020202020204" pitchFamily="34" charset="0"/>
-              <a:buChar char="•"/>
-              <a:defRPr sz="1800" kern="1200">
-                <a:solidFill>
-                  <a:schemeClr val="tx1"/>
-                </a:solidFill>
-                <a:latin typeface="+mn-lt"/>
-                <a:ea typeface="+mn-ea"/>
-                <a:cs typeface="+mn-cs"/>
-              </a:defRPr>
-            </a:lvl7pPr>
-            <a:lvl8pPr marL="3429000" indent="-228600" algn="l" defTabSz="914400" rtl="0" eaLnBrk="1" latinLnBrk="0" hangingPunct="1">
-              <a:lnSpc>
-                <a:spcPct val="90000"/>
-              </a:lnSpc>
-              <a:spcBef>
-                <a:spcPts val="500"/>
-              </a:spcBef>
-              <a:buFont typeface="Arial" panose="020B0604020202020204" pitchFamily="34" charset="0"/>
-              <a:buChar char="•"/>
-              <a:defRPr sz="1800" kern="1200">
-                <a:solidFill>
-                  <a:schemeClr val="tx1"/>
-                </a:solidFill>
-                <a:latin typeface="+mn-lt"/>
-                <a:ea typeface="+mn-ea"/>
-                <a:cs typeface="+mn-cs"/>
-              </a:defRPr>
-            </a:lvl8pPr>
-            <a:lvl9pPr marL="3886200" indent="-228600" algn="l" defTabSz="914400" rtl="0" eaLnBrk="1" latinLnBrk="0" hangingPunct="1">
-              <a:lnSpc>
-                <a:spcPct val="90000"/>
-              </a:lnSpc>
-              <a:spcBef>
-                <a:spcPts val="500"/>
-              </a:spcBef>
-              <a:buFont typeface="Arial" panose="020B0604020202020204" pitchFamily="34" charset="0"/>
-              <a:buChar char="•"/>
-              <a:defRPr sz="1800" kern="1200">
-                <a:solidFill>
-                  <a:schemeClr val="tx1"/>
-                </a:solidFill>
-                <a:latin typeface="+mn-lt"/>
-                <a:ea typeface="+mn-ea"/>
-                <a:cs typeface="+mn-cs"/>
-              </a:defRPr>
-            </a:lvl9pPr>
-          </a:lstStyle>
-          <a:p>
-            <a:pPr marL="0" indent="0">
-              <a:buFont typeface="Arial" panose="020B0604020202020204" pitchFamily="34" charset="0"/>
-              <a:buNone/>
-            </a:pPr>
-            <a:r>
-              <a:rPr lang="en-US"/>
-              <a:t>Như vậy phải thực thi copy constructor riêng để tránh vấn đề xóa con trỏ đã được xóa.</a:t>
-            </a:r>
-          </a:p>
-        </p:txBody>
-      </p:sp>
-      <p:sp>
-        <p:nvSpPr>
-          <p:cNvPr id="6" name="Slide Number Placeholder 5">
-            <a:extLst>
-              <a:ext uri="{FF2B5EF4-FFF2-40B4-BE49-F238E27FC236}">
-                <a16:creationId xmlns:a16="http://schemas.microsoft.com/office/drawing/2014/main" id="{5AB24DE7-6807-AB71-2DEB-FB5B73B99A6A}"/>
-              </a:ext>
-            </a:extLst>
-          </p:cNvPr>
-          <p:cNvSpPr>
-            <a:spLocks noGrp="1"/>
-          </p:cNvSpPr>
-          <p:nvPr>
-            <p:ph type="sldNum" sz="quarter" idx="12"/>
-          </p:nvPr>
-        </p:nvSpPr>
-        <p:spPr/>
-        <p:txBody>
-          <a:bodyPr/>
-          <a:lstStyle/>
-          <a:p>
-            <a:fld id="{9D563E13-6253-4AA0-BAE6-80A963751161}" type="slidenum">
-              <a:rPr lang="en-US" smtClean="0"/>
-              <a:t>4</a:t>
-            </a:fld>
-            <a:endParaRPr lang="en-US"/>
-          </a:p>
-        </p:txBody>
-      </p:sp>
-    </p:spTree>
-    <p:extLst>
-      <p:ext uri="{BB962C8B-B14F-4D97-AF65-F5344CB8AC3E}">
-        <p14:creationId xmlns:p14="http://schemas.microsoft.com/office/powerpoint/2010/main" val="3561898806"/>
-      </p:ext>
-    </p:extLst>
-  </p:cSld>
-  <p:clrMapOvr>
-    <a:masterClrMapping/>
-  </p:clrMapOvr>
-  <p:timing>
-    <p:tnLst>
-      <p:par>
-        <p:cTn id="1" dur="indefinite" restart="never" nodeType="tmRoot">
-          <p:childTnLst>
-            <p:seq concurrent="1" nextAc="seek">
-              <p:cTn id="2" dur="indefinite" nodeType="mainSeq">
-                <p:childTnLst>
-                  <p:par>
-                    <p:cTn id="3" fill="hold">
-                      <p:stCondLst>
-                        <p:cond delay="indefinite"/>
-                      </p:stCondLst>
-                      <p:childTnLst>
-                        <p:par>
-                          <p:cTn id="4" fill="hold">
-                            <p:stCondLst>
-                              <p:cond delay="0"/>
-                            </p:stCondLst>
-                            <p:childTnLst>
-                              <p:par>
-                                <p:cTn id="5" presetID="2" presetClass="entr" presetSubtype="4" fill="hold" grpId="0" nodeType="clickEffect">
-                                  <p:stCondLst>
-                                    <p:cond delay="0"/>
-                                  </p:stCondLst>
-                                  <p:childTnLst>
-                                    <p:set>
-                                      <p:cBhvr>
-                                        <p:cTn id="6" dur="1" fill="hold">
-                                          <p:stCondLst>
-                                            <p:cond delay="0"/>
-                                          </p:stCondLst>
-                                        </p:cTn>
-                                        <p:tgtEl>
-                                          <p:spTgt spid="31"/>
-                                        </p:tgtEl>
-                                        <p:attrNameLst>
-                                          <p:attrName>style.visibility</p:attrName>
-                                        </p:attrNameLst>
-                                      </p:cBhvr>
-                                      <p:to>
-                                        <p:strVal val="visible"/>
-                                      </p:to>
-                                    </p:set>
-                                    <p:anim calcmode="lin" valueType="num">
-                                      <p:cBhvr additive="base">
-                                        <p:cTn id="7" dur="500" fill="hold"/>
-                                        <p:tgtEl>
-                                          <p:spTgt spid="31"/>
-                                        </p:tgtEl>
-                                        <p:attrNameLst>
-                                          <p:attrName>ppt_x</p:attrName>
-                                        </p:attrNameLst>
-                                      </p:cBhvr>
-                                      <p:tavLst>
-                                        <p:tav tm="0">
-                                          <p:val>
-                                            <p:strVal val="#ppt_x"/>
-                                          </p:val>
-                                        </p:tav>
-                                        <p:tav tm="100000">
-                                          <p:val>
-                                            <p:strVal val="#ppt_x"/>
-                                          </p:val>
-                                        </p:tav>
-                                      </p:tavLst>
-                                    </p:anim>
-                                    <p:anim calcmode="lin" valueType="num">
-                                      <p:cBhvr additive="base">
-                                        <p:cTn id="8" dur="500" fill="hold"/>
-                                        <p:tgtEl>
-                                          <p:spTgt spid="31"/>
-                                        </p:tgtEl>
-                                        <p:attrNameLst>
-                                          <p:attrName>ppt_y</p:attrName>
-                                        </p:attrNameLst>
-                                      </p:cBhvr>
-                                      <p:tavLst>
-                                        <p:tav tm="0">
-                                          <p:val>
-                                            <p:strVal val="1+#ppt_h/2"/>
-                                          </p:val>
-                                        </p:tav>
-                                        <p:tav tm="100000">
-                                          <p:val>
-                                            <p:strVal val="#ppt_y"/>
-                                          </p:val>
-                                        </p:tav>
-                                      </p:tavLst>
-                                    </p:anim>
-                                  </p:childTnLst>
-                                </p:cTn>
-                              </p:par>
-                            </p:childTnLst>
-                          </p:cTn>
-                        </p:par>
-                      </p:childTnLst>
-                    </p:cTn>
-                  </p:par>
-                  <p:par>
-                    <p:cTn id="9" fill="hold">
-                      <p:stCondLst>
-                        <p:cond delay="indefinite"/>
-                      </p:stCondLst>
-                      <p:childTnLst>
-                        <p:par>
-                          <p:cTn id="10" fill="hold">
-                            <p:stCondLst>
-                              <p:cond delay="0"/>
-                            </p:stCondLst>
-                            <p:childTnLst>
-                              <p:par>
-                                <p:cTn id="11" presetID="10" presetClass="entr" presetSubtype="0" fill="hold" nodeType="clickEffect">
-                                  <p:stCondLst>
-                                    <p:cond delay="0"/>
-                                  </p:stCondLst>
-                                  <p:childTnLst>
-                                    <p:set>
-                                      <p:cBhvr>
-                                        <p:cTn id="12" dur="1" fill="hold">
-                                          <p:stCondLst>
-                                            <p:cond delay="0"/>
-                                          </p:stCondLst>
-                                        </p:cTn>
-                                        <p:tgtEl>
-                                          <p:spTgt spid="4"/>
-                                        </p:tgtEl>
-                                        <p:attrNameLst>
-                                          <p:attrName>style.visibility</p:attrName>
-                                        </p:attrNameLst>
-                                      </p:cBhvr>
-                                      <p:to>
-                                        <p:strVal val="visible"/>
-                                      </p:to>
-                                    </p:set>
-                                    <p:animEffect transition="in" filter="fade">
-                                      <p:cBhvr>
-                                        <p:cTn id="13" dur="500"/>
-                                        <p:tgtEl>
-                                          <p:spTgt spid="4"/>
-                                        </p:tgtEl>
-                                      </p:cBhvr>
-                                    </p:animEffect>
-                                  </p:childTnLst>
-                                </p:cTn>
-                              </p:par>
-                            </p:childTnLst>
-                          </p:cTn>
-                        </p:par>
-                      </p:childTnLst>
-                    </p:cTn>
-                  </p:par>
-                  <p:par>
-                    <p:cTn id="14" fill="hold">
-                      <p:stCondLst>
-                        <p:cond delay="indefinite"/>
-                      </p:stCondLst>
-                      <p:childTnLst>
-                        <p:par>
-                          <p:cTn id="15" fill="hold">
-                            <p:stCondLst>
-                              <p:cond delay="0"/>
-                            </p:stCondLst>
-                            <p:childTnLst>
-                              <p:par>
-                                <p:cTn id="16" presetID="2" presetClass="entr" presetSubtype="4" fill="hold" nodeType="clickEffect">
-                                  <p:stCondLst>
-                                    <p:cond delay="0"/>
-                                  </p:stCondLst>
-                                  <p:childTnLst>
-                                    <p:set>
-                                      <p:cBhvr>
-                                        <p:cTn id="17" dur="1" fill="hold">
-                                          <p:stCondLst>
-                                            <p:cond delay="0"/>
-                                          </p:stCondLst>
-                                        </p:cTn>
-                                        <p:tgtEl>
-                                          <p:spTgt spid="5"/>
-                                        </p:tgtEl>
-                                        <p:attrNameLst>
-                                          <p:attrName>style.visibility</p:attrName>
-                                        </p:attrNameLst>
-                                      </p:cBhvr>
-                                      <p:to>
-                                        <p:strVal val="visible"/>
-                                      </p:to>
-                                    </p:set>
-                                    <p:anim calcmode="lin" valueType="num">
-                                      <p:cBhvr additive="base">
-                                        <p:cTn id="18" dur="500" fill="hold"/>
-                                        <p:tgtEl>
-                                          <p:spTgt spid="5"/>
-                                        </p:tgtEl>
-                                        <p:attrNameLst>
-                                          <p:attrName>ppt_x</p:attrName>
-                                        </p:attrNameLst>
-                                      </p:cBhvr>
-                                      <p:tavLst>
-                                        <p:tav tm="0">
-                                          <p:val>
-                                            <p:strVal val="#ppt_x"/>
-                                          </p:val>
-                                        </p:tav>
-                                        <p:tav tm="100000">
-                                          <p:val>
-                                            <p:strVal val="#ppt_x"/>
-                                          </p:val>
-                                        </p:tav>
-                                      </p:tavLst>
-                                    </p:anim>
-                                    <p:anim calcmode="lin" valueType="num">
-                                      <p:cBhvr additive="base">
-                                        <p:cTn id="19" dur="500" fill="hold"/>
-                                        <p:tgtEl>
-                                          <p:spTgt spid="5"/>
-                                        </p:tgtEl>
-                                        <p:attrNameLst>
-                                          <p:attrName>ppt_y</p:attrName>
-                                        </p:attrNameLst>
-                                      </p:cBhvr>
-                                      <p:tavLst>
-                                        <p:tav tm="0">
-                                          <p:val>
-                                            <p:strVal val="1+#ppt_h/2"/>
-                                          </p:val>
-                                        </p:tav>
-                                        <p:tav tm="100000">
-                                          <p:val>
-                                            <p:strVal val="#ppt_y"/>
-                                          </p:val>
-                                        </p:tav>
-                                      </p:tavLst>
-                                    </p:anim>
-                                  </p:childTnLst>
-                                </p:cTn>
-                              </p:par>
-                            </p:childTnLst>
-                          </p:cTn>
-                        </p:par>
-                      </p:childTnLst>
-                    </p:cTn>
-                  </p:par>
-                  <p:par>
-                    <p:cTn id="20" fill="hold">
-                      <p:stCondLst>
-                        <p:cond delay="indefinite"/>
-                      </p:stCondLst>
-                      <p:childTnLst>
-                        <p:par>
-                          <p:cTn id="21" fill="hold">
-                            <p:stCondLst>
-                              <p:cond delay="0"/>
-                            </p:stCondLst>
-                            <p:childTnLst>
-                              <p:par>
-                                <p:cTn id="22" presetID="2" presetClass="entr" presetSubtype="4" fill="hold" nodeType="clickEffect">
-                                  <p:stCondLst>
-                                    <p:cond delay="0"/>
-                                  </p:stCondLst>
-                                  <p:childTnLst>
-                                    <p:set>
-                                      <p:cBhvr>
-                                        <p:cTn id="23" dur="1" fill="hold">
-                                          <p:stCondLst>
-                                            <p:cond delay="0"/>
-                                          </p:stCondLst>
-                                        </p:cTn>
-                                        <p:tgtEl>
-                                          <p:spTgt spid="9"/>
-                                        </p:tgtEl>
-                                        <p:attrNameLst>
-                                          <p:attrName>style.visibility</p:attrName>
-                                        </p:attrNameLst>
-                                      </p:cBhvr>
-                                      <p:to>
-                                        <p:strVal val="visible"/>
-                                      </p:to>
-                                    </p:set>
-                                    <p:anim calcmode="lin" valueType="num">
-                                      <p:cBhvr additive="base">
-                                        <p:cTn id="24" dur="500" fill="hold"/>
-                                        <p:tgtEl>
-                                          <p:spTgt spid="9"/>
-                                        </p:tgtEl>
-                                        <p:attrNameLst>
-                                          <p:attrName>ppt_x</p:attrName>
-                                        </p:attrNameLst>
-                                      </p:cBhvr>
-                                      <p:tavLst>
-                                        <p:tav tm="0">
-                                          <p:val>
-                                            <p:strVal val="#ppt_x"/>
-                                          </p:val>
-                                        </p:tav>
-                                        <p:tav tm="100000">
-                                          <p:val>
-                                            <p:strVal val="#ppt_x"/>
-                                          </p:val>
-                                        </p:tav>
-                                      </p:tavLst>
-                                    </p:anim>
-                                    <p:anim calcmode="lin" valueType="num">
-                                      <p:cBhvr additive="base">
-                                        <p:cTn id="25" dur="500" fill="hold"/>
-                                        <p:tgtEl>
-                                          <p:spTgt spid="9"/>
-                                        </p:tgtEl>
-                                        <p:attrNameLst>
-                                          <p:attrName>ppt_y</p:attrName>
-                                        </p:attrNameLst>
-                                      </p:cBhvr>
-                                      <p:tavLst>
-                                        <p:tav tm="0">
-                                          <p:val>
-                                            <p:strVal val="1+#ppt_h/2"/>
-                                          </p:val>
-                                        </p:tav>
-                                        <p:tav tm="100000">
-                                          <p:val>
-                                            <p:strVal val="#ppt_y"/>
-                                          </p:val>
-                                        </p:tav>
-                                      </p:tavLst>
-                                    </p:anim>
-                                  </p:childTnLst>
-                                </p:cTn>
-                              </p:par>
-                              <p:par>
-                                <p:cTn id="26" presetID="2" presetClass="entr" presetSubtype="4" fill="hold" nodeType="withEffect">
-                                  <p:stCondLst>
-                                    <p:cond delay="0"/>
-                                  </p:stCondLst>
-                                  <p:childTnLst>
-                                    <p:set>
-                                      <p:cBhvr>
-                                        <p:cTn id="27" dur="1" fill="hold">
-                                          <p:stCondLst>
-                                            <p:cond delay="0"/>
-                                          </p:stCondLst>
-                                        </p:cTn>
-                                        <p:tgtEl>
-                                          <p:spTgt spid="16"/>
-                                        </p:tgtEl>
-                                        <p:attrNameLst>
-                                          <p:attrName>style.visibility</p:attrName>
-                                        </p:attrNameLst>
-                                      </p:cBhvr>
-                                      <p:to>
-                                        <p:strVal val="visible"/>
-                                      </p:to>
-                                    </p:set>
-                                    <p:anim calcmode="lin" valueType="num">
-                                      <p:cBhvr additive="base">
-                                        <p:cTn id="28" dur="500" fill="hold"/>
-                                        <p:tgtEl>
-                                          <p:spTgt spid="16"/>
-                                        </p:tgtEl>
-                                        <p:attrNameLst>
-                                          <p:attrName>ppt_x</p:attrName>
-                                        </p:attrNameLst>
-                                      </p:cBhvr>
-                                      <p:tavLst>
-                                        <p:tav tm="0">
-                                          <p:val>
-                                            <p:strVal val="#ppt_x"/>
-                                          </p:val>
-                                        </p:tav>
-                                        <p:tav tm="100000">
-                                          <p:val>
-                                            <p:strVal val="#ppt_x"/>
-                                          </p:val>
-                                        </p:tav>
-                                      </p:tavLst>
-                                    </p:anim>
-                                    <p:anim calcmode="lin" valueType="num">
-                                      <p:cBhvr additive="base">
-                                        <p:cTn id="29" dur="500" fill="hold"/>
-                                        <p:tgtEl>
-                                          <p:spTgt spid="16"/>
-                                        </p:tgtEl>
-                                        <p:attrNameLst>
-                                          <p:attrName>ppt_y</p:attrName>
-                                        </p:attrNameLst>
-                                      </p:cBhvr>
-                                      <p:tavLst>
-                                        <p:tav tm="0">
-                                          <p:val>
-                                            <p:strVal val="1+#ppt_h/2"/>
-                                          </p:val>
-                                        </p:tav>
-                                        <p:tav tm="100000">
-                                          <p:val>
-                                            <p:strVal val="#ppt_y"/>
-                                          </p:val>
-                                        </p:tav>
-                                      </p:tavLst>
-                                    </p:anim>
-                                  </p:childTnLst>
-                                </p:cTn>
-                              </p:par>
-                            </p:childTnLst>
-                          </p:cTn>
-                        </p:par>
-                      </p:childTnLst>
-                    </p:cTn>
-                  </p:par>
-                  <p:par>
-                    <p:cTn id="30" fill="hold">
-                      <p:stCondLst>
-                        <p:cond delay="indefinite"/>
-                      </p:stCondLst>
-                      <p:childTnLst>
-                        <p:par>
-                          <p:cTn id="31" fill="hold">
-                            <p:stCondLst>
-                              <p:cond delay="0"/>
-                            </p:stCondLst>
-                            <p:childTnLst>
-                              <p:par>
-                                <p:cTn id="32" presetID="10" presetClass="entr" presetSubtype="0" fill="hold" grpId="0" nodeType="clickEffect">
-                                  <p:stCondLst>
-                                    <p:cond delay="0"/>
-                                  </p:stCondLst>
-                                  <p:childTnLst>
-                                    <p:set>
-                                      <p:cBhvr>
-                                        <p:cTn id="33" dur="1" fill="hold">
-                                          <p:stCondLst>
-                                            <p:cond delay="0"/>
-                                          </p:stCondLst>
-                                        </p:cTn>
-                                        <p:tgtEl>
-                                          <p:spTgt spid="20"/>
-                                        </p:tgtEl>
-                                        <p:attrNameLst>
-                                          <p:attrName>style.visibility</p:attrName>
-                                        </p:attrNameLst>
-                                      </p:cBhvr>
-                                      <p:to>
-                                        <p:strVal val="visible"/>
-                                      </p:to>
-                                    </p:set>
-                                    <p:animEffect transition="in" filter="fade">
-                                      <p:cBhvr>
-                                        <p:cTn id="34" dur="500"/>
-                                        <p:tgtEl>
-                                          <p:spTgt spid="20"/>
-                                        </p:tgtEl>
-                                      </p:cBhvr>
-                                    </p:animEffect>
-                                  </p:childTnLst>
-                                </p:cTn>
-                              </p:par>
-                            </p:childTnLst>
-                          </p:cTn>
-                        </p:par>
-                      </p:childTnLst>
-                    </p:cTn>
-                  </p:par>
-                  <p:par>
-                    <p:cTn id="35" fill="hold">
-                      <p:stCondLst>
-                        <p:cond delay="indefinite"/>
-                      </p:stCondLst>
-                      <p:childTnLst>
-                        <p:par>
-                          <p:cTn id="36" fill="hold">
-                            <p:stCondLst>
-                              <p:cond delay="0"/>
-                            </p:stCondLst>
-                            <p:childTnLst>
-                              <p:par>
-                                <p:cTn id="37" presetID="10" presetClass="entr" presetSubtype="0" fill="hold" grpId="0" nodeType="clickEffect">
-                                  <p:stCondLst>
-                                    <p:cond delay="0"/>
-                                  </p:stCondLst>
-                                  <p:childTnLst>
-                                    <p:set>
-                                      <p:cBhvr>
-                                        <p:cTn id="38" dur="1" fill="hold">
-                                          <p:stCondLst>
-                                            <p:cond delay="0"/>
-                                          </p:stCondLst>
-                                        </p:cTn>
-                                        <p:tgtEl>
-                                          <p:spTgt spid="21"/>
-                                        </p:tgtEl>
-                                        <p:attrNameLst>
-                                          <p:attrName>style.visibility</p:attrName>
-                                        </p:attrNameLst>
-                                      </p:cBhvr>
-                                      <p:to>
-                                        <p:strVal val="visible"/>
-                                      </p:to>
-                                    </p:set>
-                                    <p:animEffect transition="in" filter="fade">
-                                      <p:cBhvr>
-                                        <p:cTn id="39" dur="500"/>
-                                        <p:tgtEl>
-                                          <p:spTgt spid="21"/>
-                                        </p:tgtEl>
-                                      </p:cBhvr>
-                                    </p:animEffect>
-                                  </p:childTnLst>
-                                </p:cTn>
-                              </p:par>
-                            </p:childTnLst>
-                          </p:cTn>
-                        </p:par>
-                      </p:childTnLst>
-                    </p:cTn>
-                  </p:par>
-                </p:childTnLst>
-              </p:cTn>
-              <p:prevCondLst>
-                <p:cond evt="onPrev" delay="0">
-                  <p:tgtEl>
-                    <p:sldTgt/>
-                  </p:tgtEl>
-                </p:cond>
-              </p:prevCondLst>
-              <p:nextCondLst>
-                <p:cond evt="onNext" delay="0">
-                  <p:tgtEl>
-                    <p:sldTgt/>
-                  </p:tgtEl>
-                </p:cond>
-              </p:nextCondLst>
-            </p:seq>
-          </p:childTnLst>
-        </p:cTn>
-      </p:par>
-    </p:tnLst>
-    <p:bldLst>
-      <p:bldP spid="31" grpId="0"/>
-      <p:bldP spid="20" grpId="0"/>
-      <p:bldP spid="21" grpId="0"/>
-    </p:bldLst>
-  </p:timing>
-</p:sld>
-</file>
-
-<file path=ppt/slides/slide5.xml><?xml version="1.0" encoding="utf-8"?>
-<p:sld xmlns:a="http://schemas.openxmlformats.org/drawingml/2006/main" xmlns:r="http://schemas.openxmlformats.org/officeDocument/2006/relationships" xmlns:p="http://schemas.openxmlformats.org/presentationml/2006/main">
-  <p:cSld>
-    <p:spTree>
-      <p:nvGrpSpPr>
-        <p:cNvPr id="1" name=""/>
-        <p:cNvGrpSpPr/>
-        <p:nvPr/>
-      </p:nvGrpSpPr>
-      <p:grpSpPr>
-        <a:xfrm>
-          <a:off x="0" y="0"/>
-          <a:ext cx="0" cy="0"/>
-          <a:chOff x="0" y="0"/>
-          <a:chExt cx="0" cy="0"/>
-        </a:xfrm>
-      </p:grpSpPr>
-      <p:sp>
-        <p:nvSpPr>
-          <p:cNvPr id="2" name="Title 1"/>
-          <p:cNvSpPr>
-            <a:spLocks noGrp="1"/>
-          </p:cNvSpPr>
-          <p:nvPr>
-            <p:ph type="title"/>
-          </p:nvPr>
-        </p:nvSpPr>
-        <p:spPr/>
-        <p:txBody>
-          <a:bodyPr/>
-          <a:lstStyle/>
-          <a:p>
-            <a:r>
-              <a:rPr lang="en-US"/>
-              <a:t>Tầm vực / Phạm vi - Scope</a:t>
+              <a:t>3.1. Tầm vực / Phạm vi - Scope</a:t>
             </a:r>
           </a:p>
         </p:txBody>
@@ -6940,7 +3866,7 @@
           <a:p>
             <a:fld id="{9D563E13-6253-4AA0-BAE6-80A963751161}" type="slidenum">
               <a:rPr lang="en-US" smtClean="0"/>
-              <a:t>5</a:t>
+              <a:t>3</a:t>
             </a:fld>
             <a:endParaRPr lang="en-US"/>
           </a:p>
@@ -6959,7 +3885,7 @@
 </p:sld>
 </file>
 
-<file path=ppt/slides/slide6.xml><?xml version="1.0" encoding="utf-8"?>
+<file path=ppt/slides/slide4.xml><?xml version="1.0" encoding="utf-8"?>
 <p:sld xmlns:a="http://schemas.openxmlformats.org/drawingml/2006/main" xmlns:r="http://schemas.openxmlformats.org/officeDocument/2006/relationships" xmlns:p="http://schemas.openxmlformats.org/presentationml/2006/main">
   <p:cSld>
     <p:spTree>
@@ -6993,7 +3919,7 @@
           <a:p>
             <a:r>
               <a:rPr lang="en-US"/>
-              <a:t>Get - Set</a:t>
+              <a:t>3.2. Get - Set</a:t>
             </a:r>
           </a:p>
         </p:txBody>
@@ -7046,15 +3972,6 @@
             <a:r>
               <a:rPr lang="en-US"/>
               <a:t>Tại sao không để tất cả thuộc tính là public ?</a:t>
-            </a:r>
-          </a:p>
-          <a:p>
-            <a:pPr marL="0" indent="0">
-              <a:buNone/>
-            </a:pPr>
-            <a:r>
-              <a:rPr lang="en-US"/>
-              <a:t>Việc gán và xét dữ liệu lung tung có thể khiến dữ liệu object bị rối loạn.</a:t>
             </a:r>
           </a:p>
         </p:txBody>
@@ -7082,7 +3999,7 @@
           <a:p>
             <a:fld id="{9D563E13-6253-4AA0-BAE6-80A963751161}" type="slidenum">
               <a:rPr lang="en-US" smtClean="0"/>
-              <a:t>6</a:t>
+              <a:t>4</a:t>
             </a:fld>
             <a:endParaRPr lang="en-US"/>
           </a:p>
@@ -7356,109 +4273,6 @@
                       </p:childTnLst>
                     </p:cTn>
                   </p:par>
-                  <p:par>
-                    <p:cTn id="20" fill="hold">
-                      <p:stCondLst>
-                        <p:cond delay="indefinite"/>
-                      </p:stCondLst>
-                      <p:childTnLst>
-                        <p:par>
-                          <p:cTn id="21" fill="hold">
-                            <p:stCondLst>
-                              <p:cond delay="0"/>
-                            </p:stCondLst>
-                            <p:childTnLst>
-                              <p:par>
-                                <p:cTn id="22" presetID="2" presetClass="entr" presetSubtype="4" fill="hold" nodeType="clickEffect">
-                                  <p:stCondLst>
-                                    <p:cond delay="0"/>
-                                  </p:stCondLst>
-                                  <p:childTnLst>
-                                    <p:set>
-                                      <p:cBhvr>
-                                        <p:cTn id="23" dur="1" fill="hold">
-                                          <p:stCondLst>
-                                            <p:cond delay="0"/>
-                                          </p:stCondLst>
-                                        </p:cTn>
-                                        <p:tgtEl>
-                                          <p:spTgt spid="3">
-                                            <p:txEl>
-                                              <p:pRg st="4" end="4"/>
-                                            </p:txEl>
-                                          </p:spTgt>
-                                        </p:tgtEl>
-                                        <p:attrNameLst>
-                                          <p:attrName>style.visibility</p:attrName>
-                                        </p:attrNameLst>
-                                      </p:cBhvr>
-                                      <p:to>
-                                        <p:strVal val="visible"/>
-                                      </p:to>
-                                    </p:set>
-                                    <p:anim calcmode="lin" valueType="num">
-                                      <p:cBhvr additive="base">
-                                        <p:cTn id="24" dur="500" fill="hold"/>
-                                        <p:tgtEl>
-                                          <p:spTgt spid="3">
-                                            <p:txEl>
-                                              <p:pRg st="4" end="4"/>
-                                            </p:txEl>
-                                          </p:spTgt>
-                                        </p:tgtEl>
-                                        <p:attrNameLst>
-                                          <p:attrName>ppt_x</p:attrName>
-                                        </p:attrNameLst>
-                                      </p:cBhvr>
-                                      <p:tavLst>
-                                        <p:tav tm="0">
-                                          <p:val>
-                                            <p:strVal val="#ppt_x"/>
-                                          </p:val>
-                                        </p:tav>
-                                        <p:tav tm="100000">
-                                          <p:val>
-                                            <p:strVal val="#ppt_x"/>
-                                          </p:val>
-                                        </p:tav>
-                                      </p:tavLst>
-                                    </p:anim>
-                                    <p:anim calcmode="lin" valueType="num">
-                                      <p:cBhvr additive="base">
-                                        <p:cTn id="25" dur="500" fill="hold"/>
-                                        <p:tgtEl>
-                                          <p:spTgt spid="3">
-                                            <p:txEl>
-                                              <p:pRg st="4" end="4"/>
-                                            </p:txEl>
-                                          </p:spTgt>
-                                        </p:tgtEl>
-                                        <p:attrNameLst>
-                                          <p:attrName>ppt_y</p:attrName>
-                                        </p:attrNameLst>
-                                      </p:cBhvr>
-                                      <p:tavLst>
-                                        <p:tav tm="0">
-                                          <p:val>
-                                            <p:strVal val="1+#ppt_h/2"/>
-                                          </p:val>
-                                        </p:tav>
-                                        <p:tav tm="100000">
-                                          <p:val>
-                                            <p:strVal val="#ppt_y"/>
-                                          </p:val>
-                                        </p:tav>
-                                      </p:tavLst>
-                                    </p:anim>
-                                  </p:childTnLst>
-                                </p:cTn>
-                              </p:par>
-                            </p:childTnLst>
-                          </p:cTn>
-                        </p:par>
-                      </p:childTnLst>
-                    </p:cTn>
-                  </p:par>
                 </p:childTnLst>
               </p:cTn>
               <p:prevCondLst>
@@ -7481,6 +4295,1645 @@
       </p:par>
     </p:tnLst>
   </p:timing>
+</p:sld>
+</file>
+
+<file path=ppt/slides/slide5.xml><?xml version="1.0" encoding="utf-8"?>
+<p:sld xmlns:a="http://schemas.openxmlformats.org/drawingml/2006/main" xmlns:r="http://schemas.openxmlformats.org/officeDocument/2006/relationships" xmlns:p="http://schemas.openxmlformats.org/presentationml/2006/main">
+  <p:cSld>
+    <p:spTree>
+      <p:nvGrpSpPr>
+        <p:cNvPr id="1" name=""/>
+        <p:cNvGrpSpPr/>
+        <p:nvPr/>
+      </p:nvGrpSpPr>
+      <p:grpSpPr>
+        <a:xfrm>
+          <a:off x="0" y="0"/>
+          <a:ext cx="0" cy="0"/>
+          <a:chOff x="0" y="0"/>
+          <a:chExt cx="0" cy="0"/>
+        </a:xfrm>
+      </p:grpSpPr>
+      <p:sp>
+        <p:nvSpPr>
+          <p:cNvPr id="2" name="Title 1"/>
+          <p:cNvSpPr>
+            <a:spLocks noGrp="1"/>
+          </p:cNvSpPr>
+          <p:nvPr>
+            <p:ph type="title"/>
+          </p:nvPr>
+        </p:nvSpPr>
+        <p:spPr/>
+        <p:txBody>
+          <a:bodyPr/>
+          <a:lstStyle/>
+          <a:p>
+            <a:r>
+              <a:rPr lang="en-US"/>
+              <a:t>3.3. Overload</a:t>
+            </a:r>
+          </a:p>
+        </p:txBody>
+      </p:sp>
+      <p:sp>
+        <p:nvSpPr>
+          <p:cNvPr id="3" name="Content Placeholder 2"/>
+          <p:cNvSpPr>
+            <a:spLocks noGrp="1"/>
+          </p:cNvSpPr>
+          <p:nvPr>
+            <p:ph idx="1"/>
+          </p:nvPr>
+        </p:nvSpPr>
+        <p:spPr/>
+        <p:txBody>
+          <a:bodyPr/>
+          <a:lstStyle/>
+          <a:p>
+            <a:pPr marL="0" indent="0">
+              <a:buNone/>
+            </a:pPr>
+            <a:r>
+              <a:rPr lang="en-US"/>
+              <a:t>Cú pháp: [Kiểu trả về] operator [kí hiệu toán tử] [Danh sách tham số]</a:t>
+            </a:r>
+          </a:p>
+          <a:p>
+            <a:pPr marL="0" indent="0">
+              <a:buNone/>
+            </a:pPr>
+            <a:r>
+              <a:rPr lang="en-US"/>
+              <a:t>Bao gồm 3 loại:</a:t>
+            </a:r>
+          </a:p>
+          <a:p>
+            <a:pPr>
+              <a:buFontTx/>
+              <a:buChar char="-"/>
+            </a:pPr>
+            <a:r>
+              <a:rPr lang="en-US"/>
+              <a:t>Tiền tố (prefix): thực hiện trước câu lệnh</a:t>
+            </a:r>
+          </a:p>
+          <a:p>
+            <a:pPr>
+              <a:buFontTx/>
+              <a:buChar char="-"/>
+            </a:pPr>
+            <a:r>
+              <a:rPr lang="en-US"/>
+              <a:t>Trung tố (infix): thứ tự thực hiện bình thường</a:t>
+            </a:r>
+          </a:p>
+          <a:p>
+            <a:pPr>
+              <a:buFontTx/>
+              <a:buChar char="-"/>
+            </a:pPr>
+            <a:r>
+              <a:rPr lang="en-US"/>
+              <a:t>Hậu tố (postfix): thực hiện sau câu lệnh</a:t>
+            </a:r>
+          </a:p>
+          <a:p>
+            <a:pPr marL="0" indent="0">
+              <a:buNone/>
+            </a:pPr>
+            <a:r>
+              <a:rPr lang="en-US"/>
+              <a:t>Lưu ý: phân biệt operator khác loại nhưng cùng tên bằng tham số giả</a:t>
+            </a:r>
+          </a:p>
+          <a:p>
+            <a:pPr marL="0" indent="0">
+              <a:buNone/>
+            </a:pPr>
+            <a:endParaRPr lang="en-US"/>
+          </a:p>
+        </p:txBody>
+      </p:sp>
+      <p:sp>
+        <p:nvSpPr>
+          <p:cNvPr id="4" name="Slide Number Placeholder 3">
+            <a:extLst>
+              <a:ext uri="{FF2B5EF4-FFF2-40B4-BE49-F238E27FC236}">
+                <a16:creationId xmlns:a16="http://schemas.microsoft.com/office/drawing/2014/main" id="{B9F26939-232D-0FA1-ED5D-773EDAAE3C7A}"/>
+              </a:ext>
+            </a:extLst>
+          </p:cNvPr>
+          <p:cNvSpPr>
+            <a:spLocks noGrp="1"/>
+          </p:cNvSpPr>
+          <p:nvPr>
+            <p:ph type="sldNum" sz="quarter" idx="12"/>
+          </p:nvPr>
+        </p:nvSpPr>
+        <p:spPr/>
+        <p:txBody>
+          <a:bodyPr/>
+          <a:lstStyle/>
+          <a:p>
+            <a:fld id="{9D563E13-6253-4AA0-BAE6-80A963751161}" type="slidenum">
+              <a:rPr lang="en-US" smtClean="0"/>
+              <a:t>5</a:t>
+            </a:fld>
+            <a:endParaRPr lang="en-US"/>
+          </a:p>
+        </p:txBody>
+      </p:sp>
+    </p:spTree>
+    <p:extLst>
+      <p:ext uri="{BB962C8B-B14F-4D97-AF65-F5344CB8AC3E}">
+        <p14:creationId xmlns:p14="http://schemas.microsoft.com/office/powerpoint/2010/main" val="1711368906"/>
+      </p:ext>
+    </p:extLst>
+  </p:cSld>
+  <p:clrMapOvr>
+    <a:masterClrMapping/>
+  </p:clrMapOvr>
+</p:sld>
+</file>
+
+<file path=ppt/slides/slide6.xml><?xml version="1.0" encoding="utf-8"?>
+<p:sld xmlns:a="http://schemas.openxmlformats.org/drawingml/2006/main" xmlns:r="http://schemas.openxmlformats.org/officeDocument/2006/relationships" xmlns:p="http://schemas.openxmlformats.org/presentationml/2006/main">
+  <p:cSld>
+    <p:spTree>
+      <p:nvGrpSpPr>
+        <p:cNvPr id="1" name=""/>
+        <p:cNvGrpSpPr/>
+        <p:nvPr/>
+      </p:nvGrpSpPr>
+      <p:grpSpPr>
+        <a:xfrm>
+          <a:off x="0" y="0"/>
+          <a:ext cx="0" cy="0"/>
+          <a:chOff x="0" y="0"/>
+          <a:chExt cx="0" cy="0"/>
+        </a:xfrm>
+      </p:grpSpPr>
+      <p:sp>
+        <p:nvSpPr>
+          <p:cNvPr id="2" name="Title 1"/>
+          <p:cNvSpPr>
+            <a:spLocks noGrp="1"/>
+          </p:cNvSpPr>
+          <p:nvPr>
+            <p:ph type="title"/>
+          </p:nvPr>
+        </p:nvSpPr>
+        <p:spPr/>
+        <p:txBody>
+          <a:bodyPr/>
+          <a:lstStyle/>
+          <a:p>
+            <a:r>
+              <a:rPr lang="en-US"/>
+              <a:t>3.3. Overload</a:t>
+            </a:r>
+          </a:p>
+        </p:txBody>
+      </p:sp>
+      <p:sp>
+        <p:nvSpPr>
+          <p:cNvPr id="4" name="Slide Number Placeholder 3">
+            <a:extLst>
+              <a:ext uri="{FF2B5EF4-FFF2-40B4-BE49-F238E27FC236}">
+                <a16:creationId xmlns:a16="http://schemas.microsoft.com/office/drawing/2014/main" id="{9AF3C0BB-D0BA-6BF2-E06C-37CC650AEEDB}"/>
+              </a:ext>
+            </a:extLst>
+          </p:cNvPr>
+          <p:cNvSpPr>
+            <a:spLocks noGrp="1"/>
+          </p:cNvSpPr>
+          <p:nvPr>
+            <p:ph type="sldNum" sz="quarter" idx="12"/>
+          </p:nvPr>
+        </p:nvSpPr>
+        <p:spPr/>
+        <p:txBody>
+          <a:bodyPr/>
+          <a:lstStyle/>
+          <a:p>
+            <a:fld id="{9D563E13-6253-4AA0-BAE6-80A963751161}" type="slidenum">
+              <a:rPr lang="en-US" smtClean="0"/>
+              <a:t>6</a:t>
+            </a:fld>
+            <a:endParaRPr lang="en-US"/>
+          </a:p>
+        </p:txBody>
+      </p:sp>
+      <p:graphicFrame>
+        <p:nvGraphicFramePr>
+          <p:cNvPr id="5" name="Table 4">
+            <a:extLst>
+              <a:ext uri="{FF2B5EF4-FFF2-40B4-BE49-F238E27FC236}">
+                <a16:creationId xmlns:a16="http://schemas.microsoft.com/office/drawing/2014/main" id="{81985922-EECE-FAB5-D954-9A7F812EDECD}"/>
+              </a:ext>
+            </a:extLst>
+          </p:cNvPr>
+          <p:cNvGraphicFramePr>
+            <a:graphicFrameLocks noGrp="1"/>
+          </p:cNvGraphicFramePr>
+          <p:nvPr>
+            <p:extLst>
+              <p:ext uri="{D42A27DB-BD31-4B8C-83A1-F6EECF244321}">
+                <p14:modId xmlns:p14="http://schemas.microsoft.com/office/powerpoint/2010/main" val="4079643260"/>
+              </p:ext>
+            </p:extLst>
+          </p:nvPr>
+        </p:nvGraphicFramePr>
+        <p:xfrm>
+          <a:off x="838199" y="1690688"/>
+          <a:ext cx="10515600" cy="2423942"/>
+        </p:xfrm>
+        <a:graphic>
+          <a:graphicData uri="http://schemas.openxmlformats.org/drawingml/2006/table">
+            <a:tbl>
+              <a:tblPr firstRow="1" bandRow="1">
+                <a:tableStyleId>{5940675A-B579-460E-94D1-54222C63F5DA}</a:tableStyleId>
+              </a:tblPr>
+              <a:tblGrid>
+                <a:gridCol w="3505200">
+                  <a:extLst>
+                    <a:ext uri="{9D8B030D-6E8A-4147-A177-3AD203B41FA5}">
+                      <a16:colId xmlns:a16="http://schemas.microsoft.com/office/drawing/2014/main" val="2115164099"/>
+                    </a:ext>
+                  </a:extLst>
+                </a:gridCol>
+                <a:gridCol w="3505200">
+                  <a:extLst>
+                    <a:ext uri="{9D8B030D-6E8A-4147-A177-3AD203B41FA5}">
+                      <a16:colId xmlns:a16="http://schemas.microsoft.com/office/drawing/2014/main" val="998940162"/>
+                    </a:ext>
+                  </a:extLst>
+                </a:gridCol>
+                <a:gridCol w="3505200">
+                  <a:extLst>
+                    <a:ext uri="{9D8B030D-6E8A-4147-A177-3AD203B41FA5}">
+                      <a16:colId xmlns:a16="http://schemas.microsoft.com/office/drawing/2014/main" val="2497242787"/>
+                    </a:ext>
+                  </a:extLst>
+                </a:gridCol>
+              </a:tblGrid>
+              <a:tr h="534182">
+                <a:tc>
+                  <a:txBody>
+                    <a:bodyPr/>
+                    <a:lstStyle/>
+                    <a:p>
+                      <a:pPr algn="ctr"/>
+                      <a:r>
+                        <a:rPr lang="en-US" sz="2800" b="1"/>
+                        <a:t>Prefix</a:t>
+                      </a:r>
+                    </a:p>
+                  </a:txBody>
+                  <a:tcPr anchor="ctr"/>
+                </a:tc>
+                <a:tc>
+                  <a:txBody>
+                    <a:bodyPr/>
+                    <a:lstStyle/>
+                    <a:p>
+                      <a:pPr algn="ctr"/>
+                      <a:r>
+                        <a:rPr lang="en-US" sz="2800" b="1"/>
+                        <a:t>Postfix</a:t>
+                      </a:r>
+                    </a:p>
+                  </a:txBody>
+                  <a:tcPr anchor="ctr"/>
+                </a:tc>
+                <a:tc>
+                  <a:txBody>
+                    <a:bodyPr/>
+                    <a:lstStyle/>
+                    <a:p>
+                      <a:pPr algn="ctr"/>
+                      <a:r>
+                        <a:rPr lang="en-US" sz="2800" b="1"/>
+                        <a:t>Infix</a:t>
+                      </a:r>
+                    </a:p>
+                  </a:txBody>
+                  <a:tcPr anchor="ctr"/>
+                </a:tc>
+                <a:extLst>
+                  <a:ext uri="{0D108BD9-81ED-4DB2-BD59-A6C34878D82A}">
+                    <a16:rowId xmlns:a16="http://schemas.microsoft.com/office/drawing/2014/main" val="1665349436"/>
+                  </a:ext>
+                </a:extLst>
+              </a:tr>
+              <a:tr h="534182">
+                <a:tc>
+                  <a:txBody>
+                    <a:bodyPr/>
+                    <a:lstStyle/>
+                    <a:p>
+                      <a:pPr marL="0" indent="0" algn="l">
+                        <a:buNone/>
+                      </a:pPr>
+                      <a:r>
+                        <a:rPr lang="en-US" sz="2800"/>
+                        <a:t>int a = 0; int b = 0;</a:t>
+                      </a:r>
+                    </a:p>
+                    <a:p>
+                      <a:pPr marL="0" indent="0" algn="l">
+                        <a:buNone/>
+                      </a:pPr>
+                      <a:r>
+                        <a:rPr lang="en-US" sz="2800"/>
+                        <a:t>b = ++a + 1;</a:t>
+                      </a:r>
+                    </a:p>
+                  </a:txBody>
+                  <a:tcPr anchor="ctr"/>
+                </a:tc>
+                <a:tc>
+                  <a:txBody>
+                    <a:bodyPr/>
+                    <a:lstStyle/>
+                    <a:p>
+                      <a:pPr algn="l"/>
+                      <a:r>
+                        <a:rPr lang="en-US" sz="2800"/>
+                        <a:t>b = (a++) + 1;</a:t>
+                      </a:r>
+                    </a:p>
+                    <a:p>
+                      <a:pPr algn="l"/>
+                      <a:endParaRPr lang="en-US" sz="2800"/>
+                    </a:p>
+                  </a:txBody>
+                  <a:tcPr anchor="ctr"/>
+                </a:tc>
+                <a:tc>
+                  <a:txBody>
+                    <a:bodyPr/>
+                    <a:lstStyle/>
+                    <a:p>
+                      <a:pPr algn="l"/>
+                      <a:r>
+                        <a:rPr lang="en-US" sz="2800"/>
+                        <a:t>b = a + b;</a:t>
+                      </a:r>
+                    </a:p>
+                    <a:p>
+                      <a:pPr algn="l"/>
+                      <a:endParaRPr lang="en-US" sz="2800"/>
+                    </a:p>
+                  </a:txBody>
+                  <a:tcPr anchor="ctr"/>
+                </a:tc>
+                <a:extLst>
+                  <a:ext uri="{0D108BD9-81ED-4DB2-BD59-A6C34878D82A}">
+                    <a16:rowId xmlns:a16="http://schemas.microsoft.com/office/drawing/2014/main" val="3880408710"/>
+                  </a:ext>
+                </a:extLst>
+              </a:tr>
+              <a:tr h="534182">
+                <a:tc>
+                  <a:txBody>
+                    <a:bodyPr/>
+                    <a:lstStyle/>
+                    <a:p>
+                      <a:pPr algn="l"/>
+                      <a:r>
+                        <a:rPr lang="en-US" sz="2800"/>
+                        <a:t>Thực hiện a = a + 1 trước</a:t>
+                      </a:r>
+                    </a:p>
+                  </a:txBody>
+                  <a:tcPr anchor="ctr"/>
+                </a:tc>
+                <a:tc>
+                  <a:txBody>
+                    <a:bodyPr/>
+                    <a:lstStyle/>
+                    <a:p>
+                      <a:pPr algn="l"/>
+                      <a:r>
+                        <a:rPr lang="en-US" sz="2800"/>
+                        <a:t>Thực hiện a = a + 1 sau</a:t>
+                      </a:r>
+                    </a:p>
+                    <a:p>
+                      <a:pPr algn="l"/>
+                      <a:endParaRPr lang="en-US" sz="2800"/>
+                    </a:p>
+                  </a:txBody>
+                  <a:tcPr anchor="ctr"/>
+                </a:tc>
+                <a:tc>
+                  <a:txBody>
+                    <a:bodyPr/>
+                    <a:lstStyle/>
+                    <a:p>
+                      <a:pPr algn="l"/>
+                      <a:r>
+                        <a:rPr lang="en-US" sz="2800"/>
+                        <a:t>Theo thứ tự từ trái sang phải</a:t>
+                      </a:r>
+                    </a:p>
+                  </a:txBody>
+                  <a:tcPr anchor="ctr"/>
+                </a:tc>
+                <a:extLst>
+                  <a:ext uri="{0D108BD9-81ED-4DB2-BD59-A6C34878D82A}">
+                    <a16:rowId xmlns:a16="http://schemas.microsoft.com/office/drawing/2014/main" val="3714706938"/>
+                  </a:ext>
+                </a:extLst>
+              </a:tr>
+            </a:tbl>
+          </a:graphicData>
+        </a:graphic>
+      </p:graphicFrame>
+    </p:spTree>
+    <p:extLst>
+      <p:ext uri="{BB962C8B-B14F-4D97-AF65-F5344CB8AC3E}">
+        <p14:creationId xmlns:p14="http://schemas.microsoft.com/office/powerpoint/2010/main" val="2669055546"/>
+      </p:ext>
+    </p:extLst>
+  </p:cSld>
+  <p:clrMapOvr>
+    <a:masterClrMapping/>
+  </p:clrMapOvr>
+</p:sld>
+</file>
+
+<file path=ppt/slides/slide7.xml><?xml version="1.0" encoding="utf-8"?>
+<p:sld xmlns:a="http://schemas.openxmlformats.org/drawingml/2006/main" xmlns:r="http://schemas.openxmlformats.org/officeDocument/2006/relationships" xmlns:p="http://schemas.openxmlformats.org/presentationml/2006/main">
+  <p:cSld>
+    <p:spTree>
+      <p:nvGrpSpPr>
+        <p:cNvPr id="1" name=""/>
+        <p:cNvGrpSpPr/>
+        <p:nvPr/>
+      </p:nvGrpSpPr>
+      <p:grpSpPr>
+        <a:xfrm>
+          <a:off x="0" y="0"/>
+          <a:ext cx="0" cy="0"/>
+          <a:chOff x="0" y="0"/>
+          <a:chExt cx="0" cy="0"/>
+        </a:xfrm>
+      </p:grpSpPr>
+      <p:sp>
+        <p:nvSpPr>
+          <p:cNvPr id="2" name="Title 1"/>
+          <p:cNvSpPr>
+            <a:spLocks noGrp="1"/>
+          </p:cNvSpPr>
+          <p:nvPr>
+            <p:ph type="title"/>
+          </p:nvPr>
+        </p:nvSpPr>
+        <p:spPr/>
+        <p:txBody>
+          <a:bodyPr/>
+          <a:lstStyle/>
+          <a:p>
+            <a:r>
+              <a:rPr lang="en-US"/>
+              <a:t>3.3. Overload</a:t>
+            </a:r>
+          </a:p>
+        </p:txBody>
+      </p:sp>
+      <p:sp>
+        <p:nvSpPr>
+          <p:cNvPr id="3" name="Content Placeholder 2"/>
+          <p:cNvSpPr>
+            <a:spLocks noGrp="1"/>
+          </p:cNvSpPr>
+          <p:nvPr>
+            <p:ph idx="1"/>
+          </p:nvPr>
+        </p:nvSpPr>
+        <p:spPr/>
+        <p:txBody>
+          <a:bodyPr/>
+          <a:lstStyle/>
+          <a:p>
+            <a:pPr marL="0" indent="0">
+              <a:buNone/>
+            </a:pPr>
+            <a:r>
+              <a:rPr lang="en-US"/>
+              <a:t>Một số toán tử đặc biệt</a:t>
+            </a:r>
+          </a:p>
+          <a:p>
+            <a:pPr>
+              <a:buFontTx/>
+              <a:buChar char="-"/>
+            </a:pPr>
+            <a:r>
+              <a:rPr lang="en-US"/>
+              <a:t>Toán tử gán ( = ): cần implement khi class có con trỏ</a:t>
+            </a:r>
+          </a:p>
+          <a:p>
+            <a:pPr>
+              <a:buFontTx/>
+              <a:buChar char="-"/>
+            </a:pPr>
+            <a:r>
+              <a:rPr lang="en-US"/>
+              <a:t>Toán tử truy xuất ([]): cần implement khi class là mảng đối tượng</a:t>
+            </a:r>
+          </a:p>
+          <a:p>
+            <a:pPr>
+              <a:buFontTx/>
+              <a:buChar char="-"/>
+            </a:pPr>
+            <a:r>
+              <a:rPr lang="en-US"/>
+              <a:t>…</a:t>
+            </a:r>
+          </a:p>
+        </p:txBody>
+      </p:sp>
+      <p:sp>
+        <p:nvSpPr>
+          <p:cNvPr id="4" name="Slide Number Placeholder 3">
+            <a:extLst>
+              <a:ext uri="{FF2B5EF4-FFF2-40B4-BE49-F238E27FC236}">
+                <a16:creationId xmlns:a16="http://schemas.microsoft.com/office/drawing/2014/main" id="{B62D1C47-1546-C097-69D2-9A5AD3D21A2B}"/>
+              </a:ext>
+            </a:extLst>
+          </p:cNvPr>
+          <p:cNvSpPr>
+            <a:spLocks noGrp="1"/>
+          </p:cNvSpPr>
+          <p:nvPr>
+            <p:ph type="sldNum" sz="quarter" idx="12"/>
+          </p:nvPr>
+        </p:nvSpPr>
+        <p:spPr/>
+        <p:txBody>
+          <a:bodyPr/>
+          <a:lstStyle/>
+          <a:p>
+            <a:fld id="{9D563E13-6253-4AA0-BAE6-80A963751161}" type="slidenum">
+              <a:rPr lang="en-US" smtClean="0"/>
+              <a:t>7</a:t>
+            </a:fld>
+            <a:endParaRPr lang="en-US"/>
+          </a:p>
+        </p:txBody>
+      </p:sp>
+    </p:spTree>
+    <p:extLst>
+      <p:ext uri="{BB962C8B-B14F-4D97-AF65-F5344CB8AC3E}">
+        <p14:creationId xmlns:p14="http://schemas.microsoft.com/office/powerpoint/2010/main" val="2454614943"/>
+      </p:ext>
+    </p:extLst>
+  </p:cSld>
+  <p:clrMapOvr>
+    <a:masterClrMapping/>
+  </p:clrMapOvr>
+</p:sld>
+</file>
+
+<file path=ppt/slides/slide8.xml><?xml version="1.0" encoding="utf-8"?>
+<p:sld xmlns:a="http://schemas.openxmlformats.org/drawingml/2006/main" xmlns:r="http://schemas.openxmlformats.org/officeDocument/2006/relationships" xmlns:p="http://schemas.openxmlformats.org/presentationml/2006/main">
+  <p:cSld>
+    <p:spTree>
+      <p:nvGrpSpPr>
+        <p:cNvPr id="1" name=""/>
+        <p:cNvGrpSpPr/>
+        <p:nvPr/>
+      </p:nvGrpSpPr>
+      <p:grpSpPr>
+        <a:xfrm>
+          <a:off x="0" y="0"/>
+          <a:ext cx="0" cy="0"/>
+          <a:chOff x="0" y="0"/>
+          <a:chExt cx="0" cy="0"/>
+        </a:xfrm>
+      </p:grpSpPr>
+      <p:sp>
+        <p:nvSpPr>
+          <p:cNvPr id="2" name="Title 1"/>
+          <p:cNvSpPr>
+            <a:spLocks noGrp="1"/>
+          </p:cNvSpPr>
+          <p:nvPr>
+            <p:ph type="title"/>
+          </p:nvPr>
+        </p:nvSpPr>
+        <p:spPr/>
+        <p:txBody>
+          <a:bodyPr/>
+          <a:lstStyle/>
+          <a:p>
+            <a:r>
+              <a:rPr lang="en-US"/>
+              <a:t>3.4. Override</a:t>
+            </a:r>
+          </a:p>
+        </p:txBody>
+      </p:sp>
+      <p:sp>
+        <p:nvSpPr>
+          <p:cNvPr id="3" name="Content Placeholder 2"/>
+          <p:cNvSpPr>
+            <a:spLocks noGrp="1"/>
+          </p:cNvSpPr>
+          <p:nvPr>
+            <p:ph idx="1"/>
+          </p:nvPr>
+        </p:nvSpPr>
+        <p:spPr>
+          <a:xfrm>
+            <a:off x="838200" y="1825625"/>
+            <a:ext cx="10515600" cy="892175"/>
+          </a:xfrm>
+        </p:spPr>
+        <p:txBody>
+          <a:bodyPr/>
+          <a:lstStyle/>
+          <a:p>
+            <a:pPr marL="0" indent="0">
+              <a:buNone/>
+            </a:pPr>
+            <a:r>
+              <a:rPr lang="en-US"/>
+              <a:t>Cùng tên hàm, cùng kiểu trả về nhưng khác đối số và nội dung hàm</a:t>
+            </a:r>
+          </a:p>
+        </p:txBody>
+      </p:sp>
+      <p:sp>
+        <p:nvSpPr>
+          <p:cNvPr id="4" name="Slide Number Placeholder 3">
+            <a:extLst>
+              <a:ext uri="{FF2B5EF4-FFF2-40B4-BE49-F238E27FC236}">
+                <a16:creationId xmlns:a16="http://schemas.microsoft.com/office/drawing/2014/main" id="{4F6088AD-86E9-986B-6DAE-1F39F06094A7}"/>
+              </a:ext>
+            </a:extLst>
+          </p:cNvPr>
+          <p:cNvSpPr>
+            <a:spLocks noGrp="1"/>
+          </p:cNvSpPr>
+          <p:nvPr>
+            <p:ph type="sldNum" sz="quarter" idx="12"/>
+          </p:nvPr>
+        </p:nvSpPr>
+        <p:spPr/>
+        <p:txBody>
+          <a:bodyPr/>
+          <a:lstStyle/>
+          <a:p>
+            <a:fld id="{9D563E13-6253-4AA0-BAE6-80A963751161}" type="slidenum">
+              <a:rPr lang="en-US" smtClean="0"/>
+              <a:t>8</a:t>
+            </a:fld>
+            <a:endParaRPr lang="en-US"/>
+          </a:p>
+        </p:txBody>
+      </p:sp>
+      <mc:AlternateContent xmlns:mc="http://schemas.openxmlformats.org/markup-compatibility/2006">
+        <mc:Choice xmlns:a14="http://schemas.microsoft.com/office/drawing/2010/main" Requires="a14">
+          <p:graphicFrame>
+            <p:nvGraphicFramePr>
+              <p:cNvPr id="5" name="Table 4">
+                <a:extLst>
+                  <a:ext uri="{FF2B5EF4-FFF2-40B4-BE49-F238E27FC236}">
+                    <a16:creationId xmlns:a16="http://schemas.microsoft.com/office/drawing/2014/main" id="{95E71F26-2331-5260-9BD8-FCF221628D6D}"/>
+                  </a:ext>
+                </a:extLst>
+              </p:cNvPr>
+              <p:cNvGraphicFramePr>
+                <a:graphicFrameLocks noGrp="1"/>
+              </p:cNvGraphicFramePr>
+              <p:nvPr>
+                <p:extLst>
+                  <p:ext uri="{D42A27DB-BD31-4B8C-83A1-F6EECF244321}">
+                    <p14:modId xmlns:p14="http://schemas.microsoft.com/office/powerpoint/2010/main" val="10939124"/>
+                  </p:ext>
+                </p:extLst>
+              </p:nvPr>
+            </p:nvGraphicFramePr>
+            <p:xfrm>
+              <a:off x="838200" y="2537655"/>
+              <a:ext cx="10414000" cy="1602546"/>
+            </p:xfrm>
+            <a:graphic>
+              <a:graphicData uri="http://schemas.openxmlformats.org/drawingml/2006/table">
+                <a:tbl>
+                  <a:tblPr firstRow="1" bandRow="1">
+                    <a:tableStyleId>{5940675A-B579-460E-94D1-54222C63F5DA}</a:tableStyleId>
+                  </a:tblPr>
+                  <a:tblGrid>
+                    <a:gridCol w="685800">
+                      <a:extLst>
+                        <a:ext uri="{9D8B030D-6E8A-4147-A177-3AD203B41FA5}">
+                          <a16:colId xmlns:a16="http://schemas.microsoft.com/office/drawing/2014/main" val="2115164099"/>
+                        </a:ext>
+                      </a:extLst>
+                    </a:gridCol>
+                    <a:gridCol w="9728200">
+                      <a:extLst>
+                        <a:ext uri="{9D8B030D-6E8A-4147-A177-3AD203B41FA5}">
+                          <a16:colId xmlns:a16="http://schemas.microsoft.com/office/drawing/2014/main" val="998940162"/>
+                        </a:ext>
+                      </a:extLst>
+                    </a:gridCol>
+                  </a:tblGrid>
+                  <a:tr h="534182">
+                    <a:tc>
+                      <a:txBody>
+                        <a:bodyPr/>
+                        <a:lstStyle/>
+                        <a:p>
+                          <a:pPr algn="l"/>
+                          <a:r>
+                            <a:rPr lang="en-US" sz="2800" b="0"/>
+                            <a:t>1</a:t>
+                          </a:r>
+                        </a:p>
+                      </a:txBody>
+                      <a:tcPr anchor="ctr"/>
+                    </a:tc>
+                    <a:tc>
+                      <a:txBody>
+                        <a:bodyPr/>
+                        <a:lstStyle/>
+                        <a:p>
+                          <a:pPr marL="0" indent="0" algn="l">
+                            <a:buNone/>
+                          </a:pPr>
+                          <a:r>
+                            <a:rPr lang="en-US" sz="2800" b="0"/>
+                            <a:t>PhanSo a, b; </a:t>
+                          </a:r>
+                        </a:p>
+                      </a:txBody>
+                      <a:tcPr anchor="ctr"/>
+                    </a:tc>
+                    <a:extLst>
+                      <a:ext uri="{0D108BD9-81ED-4DB2-BD59-A6C34878D82A}">
+                        <a16:rowId xmlns:a16="http://schemas.microsoft.com/office/drawing/2014/main" val="1665349436"/>
+                      </a:ext>
+                    </a:extLst>
+                  </a:tr>
+                  <a:tr h="534182">
+                    <a:tc>
+                      <a:txBody>
+                        <a:bodyPr/>
+                        <a:lstStyle/>
+                        <a:p>
+                          <a:pPr marL="0" indent="0" algn="l">
+                            <a:buNone/>
+                          </a:pPr>
+                          <a:r>
+                            <a:rPr lang="en-US" sz="2800" b="0"/>
+                            <a:t>2</a:t>
+                          </a:r>
+                        </a:p>
+                      </a:txBody>
+                      <a:tcPr anchor="ctr"/>
+                    </a:tc>
+                    <a:tc>
+                      <a:txBody>
+                        <a:bodyPr/>
+                        <a:lstStyle/>
+                        <a:p>
+                          <a:pPr marL="0" indent="0" algn="l">
+                            <a:buNone/>
+                          </a:pPr>
+                          <a:r>
+                            <a:rPr lang="en-US" sz="2800" b="0"/>
+                            <a:t>a = a + 1; // a + new PhanSo (1) </a:t>
+                          </a:r>
+                          <a14:m>
+                            <m:oMath xmlns:m="http://schemas.openxmlformats.org/officeDocument/2006/math">
+                              <m:r>
+                                <a:rPr lang="en-US" sz="2800" b="0" i="1" smtClean="0">
+                                  <a:latin typeface="Cambria Math" panose="02040503050406030204" pitchFamily="18" charset="0"/>
+                                </a:rPr>
+                                <m:t>→</m:t>
+                              </m:r>
+                            </m:oMath>
+                          </a14:m>
+                          <a:r>
+                            <a:rPr lang="en-US" sz="2800" b="0"/>
+                            <a:t> Override bằng constructor</a:t>
+                          </a:r>
+                        </a:p>
+                      </a:txBody>
+                      <a:tcPr anchor="ctr"/>
+                    </a:tc>
+                    <a:extLst>
+                      <a:ext uri="{0D108BD9-81ED-4DB2-BD59-A6C34878D82A}">
+                        <a16:rowId xmlns:a16="http://schemas.microsoft.com/office/drawing/2014/main" val="3880408710"/>
+                      </a:ext>
+                    </a:extLst>
+                  </a:tr>
+                  <a:tr h="534182">
+                    <a:tc>
+                      <a:txBody>
+                        <a:bodyPr/>
+                        <a:lstStyle/>
+                        <a:p>
+                          <a:pPr algn="l"/>
+                          <a:r>
+                            <a:rPr lang="en-US" sz="2800" b="0"/>
+                            <a:t>3</a:t>
+                          </a:r>
+                        </a:p>
+                      </a:txBody>
+                      <a:tcPr anchor="ctr"/>
+                    </a:tc>
+                    <a:tc>
+                      <a:txBody>
+                        <a:bodyPr/>
+                        <a:lstStyle/>
+                        <a:p>
+                          <a:pPr marL="0" indent="0" algn="l">
+                            <a:buNone/>
+                          </a:pPr>
+                          <a:r>
+                            <a:rPr lang="en-US" sz="2800" b="0"/>
+                            <a:t>a = a + 2; // a.tuso += 2*a.mauso </a:t>
+                          </a:r>
+                          <a14:m>
+                            <m:oMath xmlns:m="http://schemas.openxmlformats.org/officeDocument/2006/math">
+                              <m:r>
+                                <a:rPr lang="en-US" sz="2800" b="0" i="1">
+                                  <a:latin typeface="Cambria Math" panose="02040503050406030204" pitchFamily="18" charset="0"/>
+                                </a:rPr>
+                                <m:t>→</m:t>
+                              </m:r>
+                            </m:oMath>
+                          </a14:m>
+                          <a:r>
+                            <a:rPr lang="en-US" sz="2800" b="0"/>
+                            <a:t> Override bằng operator</a:t>
+                          </a:r>
+                        </a:p>
+                      </a:txBody>
+                      <a:tcPr anchor="ctr"/>
+                    </a:tc>
+                    <a:extLst>
+                      <a:ext uri="{0D108BD9-81ED-4DB2-BD59-A6C34878D82A}">
+                        <a16:rowId xmlns:a16="http://schemas.microsoft.com/office/drawing/2014/main" val="3714706938"/>
+                      </a:ext>
+                    </a:extLst>
+                  </a:tr>
+                </a:tbl>
+              </a:graphicData>
+            </a:graphic>
+          </p:graphicFrame>
+        </mc:Choice>
+        <mc:Fallback>
+          <p:graphicFrame>
+            <p:nvGraphicFramePr>
+              <p:cNvPr id="5" name="Table 4">
+                <a:extLst>
+                  <a:ext uri="{FF2B5EF4-FFF2-40B4-BE49-F238E27FC236}">
+                    <a16:creationId xmlns:a16="http://schemas.microsoft.com/office/drawing/2014/main" id="{95E71F26-2331-5260-9BD8-FCF221628D6D}"/>
+                  </a:ext>
+                </a:extLst>
+              </p:cNvPr>
+              <p:cNvGraphicFramePr>
+                <a:graphicFrameLocks noGrp="1"/>
+              </p:cNvGraphicFramePr>
+              <p:nvPr>
+                <p:extLst>
+                  <p:ext uri="{D42A27DB-BD31-4B8C-83A1-F6EECF244321}">
+                    <p14:modId xmlns:p14="http://schemas.microsoft.com/office/powerpoint/2010/main" val="10939124"/>
+                  </p:ext>
+                </p:extLst>
+              </p:nvPr>
+            </p:nvGraphicFramePr>
+            <p:xfrm>
+              <a:off x="838200" y="2537655"/>
+              <a:ext cx="10414000" cy="1602546"/>
+            </p:xfrm>
+            <a:graphic>
+              <a:graphicData uri="http://schemas.openxmlformats.org/drawingml/2006/table">
+                <a:tbl>
+                  <a:tblPr firstRow="1" bandRow="1">
+                    <a:tableStyleId>{5940675A-B579-460E-94D1-54222C63F5DA}</a:tableStyleId>
+                  </a:tblPr>
+                  <a:tblGrid>
+                    <a:gridCol w="685800">
+                      <a:extLst>
+                        <a:ext uri="{9D8B030D-6E8A-4147-A177-3AD203B41FA5}">
+                          <a16:colId xmlns:a16="http://schemas.microsoft.com/office/drawing/2014/main" val="2115164099"/>
+                        </a:ext>
+                      </a:extLst>
+                    </a:gridCol>
+                    <a:gridCol w="9728200">
+                      <a:extLst>
+                        <a:ext uri="{9D8B030D-6E8A-4147-A177-3AD203B41FA5}">
+                          <a16:colId xmlns:a16="http://schemas.microsoft.com/office/drawing/2014/main" val="998940162"/>
+                        </a:ext>
+                      </a:extLst>
+                    </a:gridCol>
+                  </a:tblGrid>
+                  <a:tr h="534182">
+                    <a:tc>
+                      <a:txBody>
+                        <a:bodyPr/>
+                        <a:lstStyle/>
+                        <a:p>
+                          <a:pPr algn="l"/>
+                          <a:r>
+                            <a:rPr lang="en-US" sz="2800" b="0"/>
+                            <a:t>1</a:t>
+                          </a:r>
+                        </a:p>
+                      </a:txBody>
+                      <a:tcPr anchor="ctr"/>
+                    </a:tc>
+                    <a:tc>
+                      <a:txBody>
+                        <a:bodyPr/>
+                        <a:lstStyle/>
+                        <a:p>
+                          <a:pPr marL="0" indent="0" algn="l">
+                            <a:buNone/>
+                          </a:pPr>
+                          <a:r>
+                            <a:rPr lang="en-US" sz="2800" b="0"/>
+                            <a:t>PhanSo a, b; </a:t>
+                          </a:r>
+                        </a:p>
+                      </a:txBody>
+                      <a:tcPr anchor="ctr"/>
+                    </a:tc>
+                    <a:extLst>
+                      <a:ext uri="{0D108BD9-81ED-4DB2-BD59-A6C34878D82A}">
+                        <a16:rowId xmlns:a16="http://schemas.microsoft.com/office/drawing/2014/main" val="1665349436"/>
+                      </a:ext>
+                    </a:extLst>
+                  </a:tr>
+                  <a:tr h="534182">
+                    <a:tc>
+                      <a:txBody>
+                        <a:bodyPr/>
+                        <a:lstStyle/>
+                        <a:p>
+                          <a:pPr marL="0" indent="0" algn="l">
+                            <a:buNone/>
+                          </a:pPr>
+                          <a:r>
+                            <a:rPr lang="en-US" sz="2800" b="0"/>
+                            <a:t>2</a:t>
+                          </a:r>
+                        </a:p>
+                      </a:txBody>
+                      <a:tcPr anchor="ctr"/>
+                    </a:tc>
+                    <a:tc>
+                      <a:txBody>
+                        <a:bodyPr/>
+                        <a:lstStyle/>
+                        <a:p>
+                          <a:endParaRPr lang="en-VN"/>
+                        </a:p>
+                      </a:txBody>
+                      <a:tcPr anchor="ctr">
+                        <a:blipFill>
+                          <a:blip r:embed="rId2"/>
+                          <a:stretch>
+                            <a:fillRect l="-7180" t="-111905" r="-261" b="-130952"/>
+                          </a:stretch>
+                        </a:blipFill>
+                      </a:tcPr>
+                    </a:tc>
+                    <a:extLst>
+                      <a:ext uri="{0D108BD9-81ED-4DB2-BD59-A6C34878D82A}">
+                        <a16:rowId xmlns:a16="http://schemas.microsoft.com/office/drawing/2014/main" val="3880408710"/>
+                      </a:ext>
+                    </a:extLst>
+                  </a:tr>
+                  <a:tr h="534182">
+                    <a:tc>
+                      <a:txBody>
+                        <a:bodyPr/>
+                        <a:lstStyle/>
+                        <a:p>
+                          <a:pPr algn="l"/>
+                          <a:r>
+                            <a:rPr lang="en-US" sz="2800" b="0"/>
+                            <a:t>3</a:t>
+                          </a:r>
+                        </a:p>
+                      </a:txBody>
+                      <a:tcPr anchor="ctr"/>
+                    </a:tc>
+                    <a:tc>
+                      <a:txBody>
+                        <a:bodyPr/>
+                        <a:lstStyle/>
+                        <a:p>
+                          <a:endParaRPr lang="en-VN"/>
+                        </a:p>
+                      </a:txBody>
+                      <a:tcPr anchor="ctr">
+                        <a:blipFill>
+                          <a:blip r:embed="rId2"/>
+                          <a:stretch>
+                            <a:fillRect l="-7180" t="-206977" r="-261" b="-27907"/>
+                          </a:stretch>
+                        </a:blipFill>
+                      </a:tcPr>
+                    </a:tc>
+                    <a:extLst>
+                      <a:ext uri="{0D108BD9-81ED-4DB2-BD59-A6C34878D82A}">
+                        <a16:rowId xmlns:a16="http://schemas.microsoft.com/office/drawing/2014/main" val="3714706938"/>
+                      </a:ext>
+                    </a:extLst>
+                  </a:tr>
+                </a:tbl>
+              </a:graphicData>
+            </a:graphic>
+          </p:graphicFrame>
+        </mc:Fallback>
+      </mc:AlternateContent>
+    </p:spTree>
+    <p:extLst>
+      <p:ext uri="{BB962C8B-B14F-4D97-AF65-F5344CB8AC3E}">
+        <p14:creationId xmlns:p14="http://schemas.microsoft.com/office/powerpoint/2010/main" val="3762160149"/>
+      </p:ext>
+    </p:extLst>
+  </p:cSld>
+  <p:clrMapOvr>
+    <a:masterClrMapping/>
+  </p:clrMapOvr>
+</p:sld>
+</file>
+
+<file path=ppt/slides/slide9.xml><?xml version="1.0" encoding="utf-8"?>
+<p:sld xmlns:a="http://schemas.openxmlformats.org/drawingml/2006/main" xmlns:r="http://schemas.openxmlformats.org/officeDocument/2006/relationships" xmlns:p="http://schemas.openxmlformats.org/presentationml/2006/main">
+  <p:cSld>
+    <p:spTree>
+      <p:nvGrpSpPr>
+        <p:cNvPr id="1" name=""/>
+        <p:cNvGrpSpPr/>
+        <p:nvPr/>
+      </p:nvGrpSpPr>
+      <p:grpSpPr>
+        <a:xfrm>
+          <a:off x="0" y="0"/>
+          <a:ext cx="0" cy="0"/>
+          <a:chOff x="0" y="0"/>
+          <a:chExt cx="0" cy="0"/>
+        </a:xfrm>
+      </p:grpSpPr>
+      <p:sp>
+        <p:nvSpPr>
+          <p:cNvPr id="2" name="Title 1"/>
+          <p:cNvSpPr>
+            <a:spLocks noGrp="1"/>
+          </p:cNvSpPr>
+          <p:nvPr>
+            <p:ph type="title"/>
+          </p:nvPr>
+        </p:nvSpPr>
+        <p:spPr/>
+        <p:txBody>
+          <a:bodyPr/>
+          <a:lstStyle/>
+          <a:p>
+            <a:r>
+              <a:rPr lang="en-US"/>
+              <a:t>3.4. Override – Vấn đề</a:t>
+            </a:r>
+          </a:p>
+        </p:txBody>
+      </p:sp>
+      <p:sp>
+        <p:nvSpPr>
+          <p:cNvPr id="3" name="Content Placeholder 2"/>
+          <p:cNvSpPr>
+            <a:spLocks noGrp="1"/>
+          </p:cNvSpPr>
+          <p:nvPr>
+            <p:ph idx="1"/>
+          </p:nvPr>
+        </p:nvSpPr>
+        <p:spPr>
+          <a:xfrm>
+            <a:off x="838200" y="1825625"/>
+            <a:ext cx="11179630" cy="4797244"/>
+          </a:xfrm>
+        </p:spPr>
+        <p:txBody>
+          <a:bodyPr>
+            <a:normAutofit/>
+          </a:bodyPr>
+          <a:lstStyle/>
+          <a:p>
+            <a:pPr marL="0" indent="0">
+              <a:buNone/>
+            </a:pPr>
+            <a:r>
+              <a:rPr lang="en-US"/>
+              <a:t>Ambiguous: C++ có xu hướng tìm constructor và operator khi biên dịch. </a:t>
+            </a:r>
+          </a:p>
+          <a:p>
+            <a:pPr marL="0" indent="0">
+              <a:buNone/>
+            </a:pPr>
+            <a:endParaRPr lang="en-US"/>
+          </a:p>
+          <a:p>
+            <a:pPr marL="0" indent="0">
+              <a:buNone/>
+            </a:pPr>
+            <a:endParaRPr lang="en-US"/>
+          </a:p>
+        </p:txBody>
+      </p:sp>
+      <p:sp>
+        <p:nvSpPr>
+          <p:cNvPr id="4" name="Slide Number Placeholder 3">
+            <a:extLst>
+              <a:ext uri="{FF2B5EF4-FFF2-40B4-BE49-F238E27FC236}">
+                <a16:creationId xmlns:a16="http://schemas.microsoft.com/office/drawing/2014/main" id="{3235C1AB-9958-1D10-4B57-85140E5B1CFB}"/>
+              </a:ext>
+            </a:extLst>
+          </p:cNvPr>
+          <p:cNvSpPr>
+            <a:spLocks noGrp="1"/>
+          </p:cNvSpPr>
+          <p:nvPr>
+            <p:ph type="sldNum" sz="quarter" idx="12"/>
+          </p:nvPr>
+        </p:nvSpPr>
+        <p:spPr/>
+        <p:txBody>
+          <a:bodyPr/>
+          <a:lstStyle/>
+          <a:p>
+            <a:fld id="{9D563E13-6253-4AA0-BAE6-80A963751161}" type="slidenum">
+              <a:rPr lang="en-US" smtClean="0"/>
+              <a:t>9</a:t>
+            </a:fld>
+            <a:endParaRPr lang="en-US"/>
+          </a:p>
+        </p:txBody>
+      </p:sp>
+      <mc:AlternateContent xmlns:mc="http://schemas.openxmlformats.org/markup-compatibility/2006">
+        <mc:Choice xmlns:a14="http://schemas.microsoft.com/office/drawing/2010/main" Requires="a14">
+          <p:graphicFrame>
+            <p:nvGraphicFramePr>
+              <p:cNvPr id="5" name="Table 4">
+                <a:extLst>
+                  <a:ext uri="{FF2B5EF4-FFF2-40B4-BE49-F238E27FC236}">
+                    <a16:creationId xmlns:a16="http://schemas.microsoft.com/office/drawing/2014/main" id="{B6ABD935-D216-0A16-7F65-7A74B7B0CE50}"/>
+                  </a:ext>
+                </a:extLst>
+              </p:cNvPr>
+              <p:cNvGraphicFramePr>
+                <a:graphicFrameLocks noGrp="1"/>
+              </p:cNvGraphicFramePr>
+              <p:nvPr>
+                <p:extLst>
+                  <p:ext uri="{D42A27DB-BD31-4B8C-83A1-F6EECF244321}">
+                    <p14:modId xmlns:p14="http://schemas.microsoft.com/office/powerpoint/2010/main" val="2669310931"/>
+                  </p:ext>
+                </p:extLst>
+              </p:nvPr>
+            </p:nvGraphicFramePr>
+            <p:xfrm>
+              <a:off x="889000" y="2575755"/>
+              <a:ext cx="10414000" cy="2136728"/>
+            </p:xfrm>
+            <a:graphic>
+              <a:graphicData uri="http://schemas.openxmlformats.org/drawingml/2006/table">
+                <a:tbl>
+                  <a:tblPr firstRow="1" bandRow="1">
+                    <a:tableStyleId>{5940675A-B579-460E-94D1-54222C63F5DA}</a:tableStyleId>
+                  </a:tblPr>
+                  <a:tblGrid>
+                    <a:gridCol w="685800">
+                      <a:extLst>
+                        <a:ext uri="{9D8B030D-6E8A-4147-A177-3AD203B41FA5}">
+                          <a16:colId xmlns:a16="http://schemas.microsoft.com/office/drawing/2014/main" val="2115164099"/>
+                        </a:ext>
+                      </a:extLst>
+                    </a:gridCol>
+                    <a:gridCol w="9728200">
+                      <a:extLst>
+                        <a:ext uri="{9D8B030D-6E8A-4147-A177-3AD203B41FA5}">
+                          <a16:colId xmlns:a16="http://schemas.microsoft.com/office/drawing/2014/main" val="998940162"/>
+                        </a:ext>
+                      </a:extLst>
+                    </a:gridCol>
+                  </a:tblGrid>
+                  <a:tr h="534182">
+                    <a:tc>
+                      <a:txBody>
+                        <a:bodyPr/>
+                        <a:lstStyle/>
+                        <a:p>
+                          <a:pPr algn="l"/>
+                          <a:r>
+                            <a:rPr lang="en-US" sz="2800" b="0"/>
+                            <a:t>1</a:t>
+                          </a:r>
+                        </a:p>
+                      </a:txBody>
+                      <a:tcPr anchor="ctr"/>
+                    </a:tc>
+                    <a:tc>
+                      <a:txBody>
+                        <a:bodyPr/>
+                        <a:lstStyle/>
+                        <a:p>
+                          <a:pPr marL="0" indent="0">
+                            <a:buNone/>
+                          </a:pPr>
+                          <a:r>
+                            <a:rPr lang="en-US" sz="2800"/>
+                            <a:t>PhanSo (int a){} </a:t>
+                          </a:r>
+                        </a:p>
+                      </a:txBody>
+                      <a:tcPr anchor="ctr"/>
+                    </a:tc>
+                    <a:extLst>
+                      <a:ext uri="{0D108BD9-81ED-4DB2-BD59-A6C34878D82A}">
+                        <a16:rowId xmlns:a16="http://schemas.microsoft.com/office/drawing/2014/main" val="1665349436"/>
+                      </a:ext>
+                    </a:extLst>
+                  </a:tr>
+                  <a:tr h="534182">
+                    <a:tc>
+                      <a:txBody>
+                        <a:bodyPr/>
+                        <a:lstStyle/>
+                        <a:p>
+                          <a:pPr marL="0" indent="0" algn="l">
+                            <a:buNone/>
+                          </a:pPr>
+                          <a:r>
+                            <a:rPr lang="en-US" sz="2800" b="0"/>
+                            <a:t>2</a:t>
+                          </a:r>
+                        </a:p>
+                      </a:txBody>
+                      <a:tcPr anchor="ctr"/>
+                    </a:tc>
+                    <a:tc>
+                      <a:txBody>
+                        <a:bodyPr/>
+                        <a:lstStyle/>
+                        <a:p>
+                          <a:pPr marL="0" indent="0" algn="l">
+                            <a:buNone/>
+                          </a:pPr>
+                          <a:r>
+                            <a:rPr lang="en-US" sz="2800"/>
+                            <a:t>friend PhanSo operator+ (PhanSo a, PhanSo b) {}</a:t>
+                          </a:r>
+                          <a:endParaRPr lang="en-US" sz="2800" b="0"/>
+                        </a:p>
+                      </a:txBody>
+                      <a:tcPr anchor="ctr"/>
+                    </a:tc>
+                    <a:extLst>
+                      <a:ext uri="{0D108BD9-81ED-4DB2-BD59-A6C34878D82A}">
+                        <a16:rowId xmlns:a16="http://schemas.microsoft.com/office/drawing/2014/main" val="3880408710"/>
+                      </a:ext>
+                    </a:extLst>
+                  </a:tr>
+                  <a:tr h="534182">
+                    <a:tc>
+                      <a:txBody>
+                        <a:bodyPr/>
+                        <a:lstStyle/>
+                        <a:p>
+                          <a:pPr algn="l"/>
+                          <a:r>
+                            <a:rPr lang="en-US" sz="2800" b="0"/>
+                            <a:t>3</a:t>
+                          </a:r>
+                        </a:p>
+                      </a:txBody>
+                      <a:tcPr anchor="ctr"/>
+                    </a:tc>
+                    <a:tc>
+                      <a:txBody>
+                        <a:bodyPr/>
+                        <a:lstStyle/>
+                        <a:p>
+                          <a:pPr marL="0" indent="0">
+                            <a:buNone/>
+                          </a:pPr>
+                          <a:r>
+                            <a:rPr lang="en-US" sz="2800"/>
+                            <a:t>PhanSo a;</a:t>
+                          </a:r>
+                        </a:p>
+                      </a:txBody>
+                      <a:tcPr anchor="ctr"/>
+                    </a:tc>
+                    <a:extLst>
+                      <a:ext uri="{0D108BD9-81ED-4DB2-BD59-A6C34878D82A}">
+                        <a16:rowId xmlns:a16="http://schemas.microsoft.com/office/drawing/2014/main" val="3714706938"/>
+                      </a:ext>
+                    </a:extLst>
+                  </a:tr>
+                  <a:tr h="534182">
+                    <a:tc>
+                      <a:txBody>
+                        <a:bodyPr/>
+                        <a:lstStyle/>
+                        <a:p>
+                          <a:pPr algn="l"/>
+                          <a:r>
+                            <a:rPr lang="en-US" sz="2800" b="0"/>
+                            <a:t>4</a:t>
+                          </a:r>
+                        </a:p>
+                      </a:txBody>
+                      <a:tcPr anchor="ctr"/>
+                    </a:tc>
+                    <a:tc>
+                      <a:txBody>
+                        <a:bodyPr/>
+                        <a:lstStyle/>
+                        <a:p>
+                          <a:pPr marL="0" marR="0" lvl="0" indent="0" algn="l" defTabSz="914400" rtl="0" eaLnBrk="1" fontAlgn="auto" latinLnBrk="0" hangingPunct="1">
+                            <a:lnSpc>
+                              <a:spcPct val="100000"/>
+                            </a:lnSpc>
+                            <a:spcBef>
+                              <a:spcPts val="0"/>
+                            </a:spcBef>
+                            <a:spcAft>
+                              <a:spcPts val="0"/>
+                            </a:spcAft>
+                            <a:buClrTx/>
+                            <a:buSzTx/>
+                            <a:buFontTx/>
+                            <a:buNone/>
+                            <a:tabLst/>
+                            <a:defRPr/>
+                          </a:pPr>
+                          <a:r>
+                            <a:rPr lang="en-US" sz="2800"/>
+                            <a:t>PhanSo b = a + 3 </a:t>
+                          </a:r>
+                          <a14:m>
+                            <m:oMath xmlns:m="http://schemas.openxmlformats.org/officeDocument/2006/math">
+                              <m:r>
+                                <a:rPr lang="en-US" sz="2800" b="0" i="1" smtClean="0">
+                                  <a:latin typeface="Cambria Math" panose="02040503050406030204" pitchFamily="18" charset="0"/>
+                                </a:rPr>
+                                <m:t>→</m:t>
+                              </m:r>
+                            </m:oMath>
+                          </a14:m>
+                          <a:r>
+                            <a:rPr lang="en-US" sz="2800"/>
+                            <a:t> Chạy dòng 1</a:t>
+                          </a:r>
+                        </a:p>
+                      </a:txBody>
+                      <a:tcPr anchor="ctr"/>
+                    </a:tc>
+                    <a:extLst>
+                      <a:ext uri="{0D108BD9-81ED-4DB2-BD59-A6C34878D82A}">
+                        <a16:rowId xmlns:a16="http://schemas.microsoft.com/office/drawing/2014/main" val="98487805"/>
+                      </a:ext>
+                    </a:extLst>
+                  </a:tr>
+                </a:tbl>
+              </a:graphicData>
+            </a:graphic>
+          </p:graphicFrame>
+        </mc:Choice>
+        <mc:Fallback>
+          <p:graphicFrame>
+            <p:nvGraphicFramePr>
+              <p:cNvPr id="5" name="Table 4">
+                <a:extLst>
+                  <a:ext uri="{FF2B5EF4-FFF2-40B4-BE49-F238E27FC236}">
+                    <a16:creationId xmlns:a16="http://schemas.microsoft.com/office/drawing/2014/main" id="{B6ABD935-D216-0A16-7F65-7A74B7B0CE50}"/>
+                  </a:ext>
+                </a:extLst>
+              </p:cNvPr>
+              <p:cNvGraphicFramePr>
+                <a:graphicFrameLocks noGrp="1"/>
+              </p:cNvGraphicFramePr>
+              <p:nvPr>
+                <p:extLst>
+                  <p:ext uri="{D42A27DB-BD31-4B8C-83A1-F6EECF244321}">
+                    <p14:modId xmlns:p14="http://schemas.microsoft.com/office/powerpoint/2010/main" val="2669310931"/>
+                  </p:ext>
+                </p:extLst>
+              </p:nvPr>
+            </p:nvGraphicFramePr>
+            <p:xfrm>
+              <a:off x="889000" y="2575755"/>
+              <a:ext cx="10414000" cy="2136728"/>
+            </p:xfrm>
+            <a:graphic>
+              <a:graphicData uri="http://schemas.openxmlformats.org/drawingml/2006/table">
+                <a:tbl>
+                  <a:tblPr firstRow="1" bandRow="1">
+                    <a:tableStyleId>{5940675A-B579-460E-94D1-54222C63F5DA}</a:tableStyleId>
+                  </a:tblPr>
+                  <a:tblGrid>
+                    <a:gridCol w="685800">
+                      <a:extLst>
+                        <a:ext uri="{9D8B030D-6E8A-4147-A177-3AD203B41FA5}">
+                          <a16:colId xmlns:a16="http://schemas.microsoft.com/office/drawing/2014/main" val="2115164099"/>
+                        </a:ext>
+                      </a:extLst>
+                    </a:gridCol>
+                    <a:gridCol w="9728200">
+                      <a:extLst>
+                        <a:ext uri="{9D8B030D-6E8A-4147-A177-3AD203B41FA5}">
+                          <a16:colId xmlns:a16="http://schemas.microsoft.com/office/drawing/2014/main" val="998940162"/>
+                        </a:ext>
+                      </a:extLst>
+                    </a:gridCol>
+                  </a:tblGrid>
+                  <a:tr h="534182">
+                    <a:tc>
+                      <a:txBody>
+                        <a:bodyPr/>
+                        <a:lstStyle/>
+                        <a:p>
+                          <a:pPr algn="l"/>
+                          <a:r>
+                            <a:rPr lang="en-US" sz="2800" b="0"/>
+                            <a:t>1</a:t>
+                          </a:r>
+                        </a:p>
+                      </a:txBody>
+                      <a:tcPr anchor="ctr"/>
+                    </a:tc>
+                    <a:tc>
+                      <a:txBody>
+                        <a:bodyPr/>
+                        <a:lstStyle/>
+                        <a:p>
+                          <a:pPr marL="0" indent="0">
+                            <a:buNone/>
+                          </a:pPr>
+                          <a:r>
+                            <a:rPr lang="en-US" sz="2800"/>
+                            <a:t>PhanSo (int a){} </a:t>
+                          </a:r>
+                        </a:p>
+                      </a:txBody>
+                      <a:tcPr anchor="ctr"/>
+                    </a:tc>
+                    <a:extLst>
+                      <a:ext uri="{0D108BD9-81ED-4DB2-BD59-A6C34878D82A}">
+                        <a16:rowId xmlns:a16="http://schemas.microsoft.com/office/drawing/2014/main" val="1665349436"/>
+                      </a:ext>
+                    </a:extLst>
+                  </a:tr>
+                  <a:tr h="534182">
+                    <a:tc>
+                      <a:txBody>
+                        <a:bodyPr/>
+                        <a:lstStyle/>
+                        <a:p>
+                          <a:pPr marL="0" indent="0" algn="l">
+                            <a:buNone/>
+                          </a:pPr>
+                          <a:r>
+                            <a:rPr lang="en-US" sz="2800" b="0"/>
+                            <a:t>2</a:t>
+                          </a:r>
+                        </a:p>
+                      </a:txBody>
+                      <a:tcPr anchor="ctr"/>
+                    </a:tc>
+                    <a:tc>
+                      <a:txBody>
+                        <a:bodyPr/>
+                        <a:lstStyle/>
+                        <a:p>
+                          <a:pPr marL="0" indent="0" algn="l">
+                            <a:buNone/>
+                          </a:pPr>
+                          <a:r>
+                            <a:rPr lang="en-US" sz="2800"/>
+                            <a:t>friend PhanSo operator+ (PhanSo a, PhanSo b) {}</a:t>
+                          </a:r>
+                          <a:endParaRPr lang="en-US" sz="2800" b="0"/>
+                        </a:p>
+                      </a:txBody>
+                      <a:tcPr anchor="ctr"/>
+                    </a:tc>
+                    <a:extLst>
+                      <a:ext uri="{0D108BD9-81ED-4DB2-BD59-A6C34878D82A}">
+                        <a16:rowId xmlns:a16="http://schemas.microsoft.com/office/drawing/2014/main" val="3880408710"/>
+                      </a:ext>
+                    </a:extLst>
+                  </a:tr>
+                  <a:tr h="534182">
+                    <a:tc>
+                      <a:txBody>
+                        <a:bodyPr/>
+                        <a:lstStyle/>
+                        <a:p>
+                          <a:pPr algn="l"/>
+                          <a:r>
+                            <a:rPr lang="en-US" sz="2800" b="0"/>
+                            <a:t>3</a:t>
+                          </a:r>
+                        </a:p>
+                      </a:txBody>
+                      <a:tcPr anchor="ctr"/>
+                    </a:tc>
+                    <a:tc>
+                      <a:txBody>
+                        <a:bodyPr/>
+                        <a:lstStyle/>
+                        <a:p>
+                          <a:pPr marL="0" indent="0">
+                            <a:buNone/>
+                          </a:pPr>
+                          <a:r>
+                            <a:rPr lang="en-US" sz="2800"/>
+                            <a:t>PhanSo a;</a:t>
+                          </a:r>
+                        </a:p>
+                      </a:txBody>
+                      <a:tcPr anchor="ctr"/>
+                    </a:tc>
+                    <a:extLst>
+                      <a:ext uri="{0D108BD9-81ED-4DB2-BD59-A6C34878D82A}">
+                        <a16:rowId xmlns:a16="http://schemas.microsoft.com/office/drawing/2014/main" val="3714706938"/>
+                      </a:ext>
+                    </a:extLst>
+                  </a:tr>
+                  <a:tr h="534182">
+                    <a:tc>
+                      <a:txBody>
+                        <a:bodyPr/>
+                        <a:lstStyle/>
+                        <a:p>
+                          <a:pPr algn="l"/>
+                          <a:r>
+                            <a:rPr lang="en-US" sz="2800" b="0"/>
+                            <a:t>4</a:t>
+                          </a:r>
+                        </a:p>
+                      </a:txBody>
+                      <a:tcPr anchor="ctr"/>
+                    </a:tc>
+                    <a:tc>
+                      <a:txBody>
+                        <a:bodyPr/>
+                        <a:lstStyle/>
+                        <a:p>
+                          <a:endParaRPr lang="en-VN"/>
+                        </a:p>
+                      </a:txBody>
+                      <a:tcPr anchor="ctr">
+                        <a:blipFill>
+                          <a:blip r:embed="rId2"/>
+                          <a:stretch>
+                            <a:fillRect l="-7180" t="-314286" r="-261" b="-28571"/>
+                          </a:stretch>
+                        </a:blipFill>
+                      </a:tcPr>
+                    </a:tc>
+                    <a:extLst>
+                      <a:ext uri="{0D108BD9-81ED-4DB2-BD59-A6C34878D82A}">
+                        <a16:rowId xmlns:a16="http://schemas.microsoft.com/office/drawing/2014/main" val="98487805"/>
+                      </a:ext>
+                    </a:extLst>
+                  </a:tr>
+                </a:tbl>
+              </a:graphicData>
+            </a:graphic>
+          </p:graphicFrame>
+        </mc:Fallback>
+      </mc:AlternateContent>
+    </p:spTree>
+    <p:extLst>
+      <p:ext uri="{BB962C8B-B14F-4D97-AF65-F5344CB8AC3E}">
+        <p14:creationId xmlns:p14="http://schemas.microsoft.com/office/powerpoint/2010/main" val="2905910370"/>
+      </p:ext>
+    </p:extLst>
+  </p:cSld>
+  <p:clrMapOvr>
+    <a:masterClrMapping/>
+  </p:clrMapOvr>
 </p:sld>
 </file>
 
@@ -7735,7 +6188,40 @@
       </a:bgFillStyleLst>
     </a:fmtScheme>
   </a:themeElements>
-  <a:objectDefaults/>
+  <a:objectDefaults>
+    <a:spDef>
+      <a:spPr>
+        <a:solidFill>
+          <a:srgbClr val="FF0000"/>
+        </a:solidFill>
+        <a:ln>
+          <a:noFill/>
+        </a:ln>
+      </a:spPr>
+      <a:bodyPr rtlCol="0" anchor="ctr"/>
+      <a:lstStyle>
+        <a:defPPr algn="ctr">
+          <a:defRPr/>
+        </a:defPPr>
+      </a:lstStyle>
+      <a:style>
+        <a:lnRef idx="2">
+          <a:schemeClr val="accent1">
+            <a:shade val="50000"/>
+          </a:schemeClr>
+        </a:lnRef>
+        <a:fillRef idx="1">
+          <a:schemeClr val="accent1"/>
+        </a:fillRef>
+        <a:effectRef idx="0">
+          <a:schemeClr val="accent1"/>
+        </a:effectRef>
+        <a:fontRef idx="minor">
+          <a:schemeClr val="lt1"/>
+        </a:fontRef>
+      </a:style>
+    </a:spDef>
+  </a:objectDefaults>
   <a:extraClrSchemeLst/>
   <a:extLst>
     <a:ext uri="{05A4C25C-085E-4340-85A3-A5531E510DB2}">
